--- a/Presentations/Evaluation P2.pptx
+++ b/Presentations/Evaluation P2.pptx
@@ -20,30 +20,32 @@
     <p:sldId id="265" r:id="rId16"/>
     <p:sldId id="266" r:id="rId17"/>
     <p:sldId id="267" r:id="rId18"/>
+    <p:sldId id="268" r:id="rId19"/>
+    <p:sldId id="269" r:id="rId20"/>
   </p:sldIdLst>
   <p:sldSz cy="5143500" cx="9144000"/>
   <p:notesSz cx="6858000" cy="9144000"/>
   <p:embeddedFontLst>
     <p:embeddedFont>
       <p:font typeface="Economica"/>
-      <p:regular r:id="rId19"/>
-      <p:bold r:id="rId20"/>
-      <p:italic r:id="rId21"/>
-      <p:boldItalic r:id="rId22"/>
+      <p:regular r:id="rId21"/>
+      <p:bold r:id="rId22"/>
+      <p:italic r:id="rId23"/>
+      <p:boldItalic r:id="rId24"/>
     </p:embeddedFont>
     <p:embeddedFont>
       <p:font typeface="Roboto"/>
-      <p:regular r:id="rId23"/>
-      <p:bold r:id="rId24"/>
-      <p:italic r:id="rId25"/>
-      <p:boldItalic r:id="rId26"/>
+      <p:regular r:id="rId25"/>
+      <p:bold r:id="rId26"/>
+      <p:italic r:id="rId27"/>
+      <p:boldItalic r:id="rId28"/>
     </p:embeddedFont>
     <p:embeddedFont>
       <p:font typeface="Open Sans"/>
-      <p:regular r:id="rId27"/>
-      <p:bold r:id="rId28"/>
-      <p:italic r:id="rId29"/>
-      <p:boldItalic r:id="rId30"/>
+      <p:regular r:id="rId29"/>
+      <p:bold r:id="rId30"/>
+      <p:italic r:id="rId31"/>
+      <p:boldItalic r:id="rId32"/>
     </p:embeddedFont>
   </p:embeddedFontLst>
   <p:defaultTextStyle>
@@ -824,7 +826,7 @@
   <p:cSld>
     <p:spTree>
       <p:nvGrpSpPr>
-        <p:cNvPr id="135" name="Shape 135"/>
+        <p:cNvPr id="141" name="Shape 141"/>
         <p:cNvGrpSpPr/>
         <p:nvPr/>
       </p:nvGrpSpPr>
@@ -838,7 +840,7 @@
       </p:grpSpPr>
       <p:sp>
         <p:nvSpPr>
-          <p:cNvPr id="136" name="Google Shape;136;g15b3bfa5962_0_38:notes"/>
+          <p:cNvPr id="142" name="Google Shape;142;g19d1c611a28_0_2:notes"/>
           <p:cNvSpPr/>
           <p:nvPr>
             <p:ph idx="2" type="sldImg"/>
@@ -873,7 +875,7 @@
       </p:sp>
       <p:sp>
         <p:nvSpPr>
-          <p:cNvPr id="137" name="Google Shape;137;g15b3bfa5962_0_38:notes"/>
+          <p:cNvPr id="143" name="Google Shape;143;g19d1c611a28_0_2:notes"/>
           <p:cNvSpPr txBox="1"/>
           <p:nvPr>
             <p:ph idx="1" type="body"/>
@@ -923,7 +925,7 @@
   <p:cSld>
     <p:spTree>
       <p:nvGrpSpPr>
-        <p:cNvPr id="141" name="Shape 141"/>
+        <p:cNvPr id="147" name="Shape 147"/>
         <p:cNvGrpSpPr/>
         <p:nvPr/>
       </p:nvGrpSpPr>
@@ -937,7 +939,7 @@
       </p:grpSpPr>
       <p:sp>
         <p:nvSpPr>
-          <p:cNvPr id="142" name="Google Shape;142;g15f3806e05b_0_1:notes"/>
+          <p:cNvPr id="148" name="Google Shape;148;g19d1c611a28_0_10:notes"/>
           <p:cNvSpPr/>
           <p:nvPr>
             <p:ph idx="2" type="sldImg"/>
@@ -972,7 +974,7 @@
       </p:sp>
       <p:sp>
         <p:nvSpPr>
-          <p:cNvPr id="143" name="Google Shape;143;g15f3806e05b_0_1:notes"/>
+          <p:cNvPr id="149" name="Google Shape;149;g19d1c611a28_0_10:notes"/>
           <p:cNvSpPr txBox="1"/>
           <p:nvPr>
             <p:ph idx="1" type="body"/>
@@ -1022,7 +1024,7 @@
   <p:cSld>
     <p:spTree>
       <p:nvGrpSpPr>
-        <p:cNvPr id="147" name="Shape 147"/>
+        <p:cNvPr id="153" name="Shape 153"/>
         <p:cNvGrpSpPr/>
         <p:nvPr/>
       </p:nvGrpSpPr>
@@ -1036,7 +1038,7 @@
       </p:grpSpPr>
       <p:sp>
         <p:nvSpPr>
-          <p:cNvPr id="148" name="Google Shape;148;g15b3bfa5962_0_62:notes"/>
+          <p:cNvPr id="154" name="Google Shape;154;g19d1c611a28_0_15:notes"/>
           <p:cNvSpPr/>
           <p:nvPr>
             <p:ph idx="2" type="sldImg"/>
@@ -1071,7 +1073,205 @@
       </p:sp>
       <p:sp>
         <p:nvSpPr>
-          <p:cNvPr id="149" name="Google Shape;149;g15b3bfa5962_0_62:notes"/>
+          <p:cNvPr id="155" name="Google Shape;155;g19d1c611a28_0_15:notes"/>
+          <p:cNvSpPr txBox="1"/>
+          <p:nvPr>
+            <p:ph idx="1" type="body"/>
+          </p:nvPr>
+        </p:nvSpPr>
+        <p:spPr>
+          <a:xfrm>
+            <a:off x="685800" y="4343400"/>
+            <a:ext cx="5486400" cy="4114800"/>
+          </a:xfrm>
+          <a:prstGeom prst="rect">
+            <a:avLst/>
+          </a:prstGeom>
+        </p:spPr>
+        <p:txBody>
+          <a:bodyPr anchorCtr="0" anchor="t" bIns="91425" lIns="91425" spcFirstLastPara="1" rIns="91425" wrap="square" tIns="91425">
+            <a:noAutofit/>
+          </a:bodyPr>
+          <a:lstStyle/>
+          <a:p>
+            <a:pPr indent="0" lvl="0" marL="0" rtl="0" algn="l">
+              <a:spcBef>
+                <a:spcPts val="0"/>
+              </a:spcBef>
+              <a:spcAft>
+                <a:spcPts val="0"/>
+              </a:spcAft>
+              <a:buNone/>
+            </a:pPr>
+            <a:r>
+              <a:t/>
+            </a:r>
+            <a:endParaRPr/>
+          </a:p>
+        </p:txBody>
+      </p:sp>
+    </p:spTree>
+  </p:cSld>
+  <p:clrMapOvr>
+    <a:masterClrMapping/>
+  </p:clrMapOvr>
+</p:notes>
+</file>
+
+<file path=ppt/notesSlides/notesSlide13.xml><?xml version="1.0" encoding="utf-8"?>
+<p:notes xmlns:a="http://schemas.openxmlformats.org/drawingml/2006/main" xmlns:r="http://schemas.openxmlformats.org/officeDocument/2006/relationships" xmlns:mc="http://schemas.openxmlformats.org/markup-compatibility/2006" xmlns:mv="urn:schemas-microsoft-com:mac:vml" xmlns:p="http://schemas.openxmlformats.org/presentationml/2006/main" xmlns:c="http://schemas.openxmlformats.org/drawingml/2006/chart" xmlns:dgm="http://schemas.openxmlformats.org/drawingml/2006/diagram" xmlns:o="urn:schemas-microsoft-com:office:office" xmlns:v="urn:schemas-microsoft-com:vml" xmlns:pvml="urn:schemas-microsoft-com:office:powerpoint" xmlns:com="http://schemas.openxmlformats.org/drawingml/2006/compatibility" xmlns:p14="http://schemas.microsoft.com/office/powerpoint/2010/main" xmlns:p15="http://schemas.microsoft.com/office/powerpoint/2012/main" xmlns:ahyp="http://schemas.microsoft.com/office/drawing/2018/hyperlinkcolor" showMasterPhAnim="0" showMasterSp="0">
+  <p:cSld>
+    <p:spTree>
+      <p:nvGrpSpPr>
+        <p:cNvPr id="158" name="Shape 158"/>
+        <p:cNvGrpSpPr/>
+        <p:nvPr/>
+      </p:nvGrpSpPr>
+      <p:grpSpPr>
+        <a:xfrm>
+          <a:off x="0" y="0"/>
+          <a:ext cx="0" cy="0"/>
+          <a:chOff x="0" y="0"/>
+          <a:chExt cx="0" cy="0"/>
+        </a:xfrm>
+      </p:grpSpPr>
+      <p:sp>
+        <p:nvSpPr>
+          <p:cNvPr id="159" name="Google Shape;159;g19d1c611a28_0_71:notes"/>
+          <p:cNvSpPr/>
+          <p:nvPr>
+            <p:ph idx="2" type="sldImg"/>
+          </p:nvPr>
+        </p:nvSpPr>
+        <p:spPr>
+          <a:xfrm>
+            <a:off x="381300" y="685800"/>
+            <a:ext cx="6096000" cy="3429000"/>
+          </a:xfrm>
+          <a:custGeom>
+            <a:rect b="b" l="l" r="r" t="t"/>
+            <a:pathLst>
+              <a:path extrusionOk="0" h="120000" w="120000">
+                <a:moveTo>
+                  <a:pt x="0" y="0"/>
+                </a:moveTo>
+                <a:lnTo>
+                  <a:pt x="120000" y="0"/>
+                </a:lnTo>
+                <a:lnTo>
+                  <a:pt x="120000" y="120000"/>
+                </a:lnTo>
+                <a:lnTo>
+                  <a:pt x="0" y="120000"/>
+                </a:lnTo>
+                <a:close/>
+              </a:path>
+            </a:pathLst>
+          </a:custGeom>
+        </p:spPr>
+      </p:sp>
+      <p:sp>
+        <p:nvSpPr>
+          <p:cNvPr id="160" name="Google Shape;160;g19d1c611a28_0_71:notes"/>
+          <p:cNvSpPr txBox="1"/>
+          <p:nvPr>
+            <p:ph idx="1" type="body"/>
+          </p:nvPr>
+        </p:nvSpPr>
+        <p:spPr>
+          <a:xfrm>
+            <a:off x="685800" y="4343400"/>
+            <a:ext cx="5486400" cy="4114800"/>
+          </a:xfrm>
+          <a:prstGeom prst="rect">
+            <a:avLst/>
+          </a:prstGeom>
+        </p:spPr>
+        <p:txBody>
+          <a:bodyPr anchorCtr="0" anchor="t" bIns="91425" lIns="91425" spcFirstLastPara="1" rIns="91425" wrap="square" tIns="91425">
+            <a:noAutofit/>
+          </a:bodyPr>
+          <a:lstStyle/>
+          <a:p>
+            <a:pPr indent="0" lvl="0" marL="0" rtl="0" algn="l">
+              <a:spcBef>
+                <a:spcPts val="0"/>
+              </a:spcBef>
+              <a:spcAft>
+                <a:spcPts val="0"/>
+              </a:spcAft>
+              <a:buNone/>
+            </a:pPr>
+            <a:r>
+              <a:t/>
+            </a:r>
+            <a:endParaRPr/>
+          </a:p>
+        </p:txBody>
+      </p:sp>
+    </p:spTree>
+  </p:cSld>
+  <p:clrMapOvr>
+    <a:masterClrMapping/>
+  </p:clrMapOvr>
+</p:notes>
+</file>
+
+<file path=ppt/notesSlides/notesSlide14.xml><?xml version="1.0" encoding="utf-8"?>
+<p:notes xmlns:a="http://schemas.openxmlformats.org/drawingml/2006/main" xmlns:r="http://schemas.openxmlformats.org/officeDocument/2006/relationships" xmlns:mc="http://schemas.openxmlformats.org/markup-compatibility/2006" xmlns:mv="urn:schemas-microsoft-com:mac:vml" xmlns:p="http://schemas.openxmlformats.org/presentationml/2006/main" xmlns:c="http://schemas.openxmlformats.org/drawingml/2006/chart" xmlns:dgm="http://schemas.openxmlformats.org/drawingml/2006/diagram" xmlns:o="urn:schemas-microsoft-com:office:office" xmlns:v="urn:schemas-microsoft-com:vml" xmlns:pvml="urn:schemas-microsoft-com:office:powerpoint" xmlns:com="http://schemas.openxmlformats.org/drawingml/2006/compatibility" xmlns:p14="http://schemas.microsoft.com/office/powerpoint/2010/main" xmlns:p15="http://schemas.microsoft.com/office/powerpoint/2012/main" xmlns:ahyp="http://schemas.microsoft.com/office/drawing/2018/hyperlinkcolor" showMasterPhAnim="0" showMasterSp="0">
+  <p:cSld>
+    <p:spTree>
+      <p:nvGrpSpPr>
+        <p:cNvPr id="163" name="Shape 163"/>
+        <p:cNvGrpSpPr/>
+        <p:nvPr/>
+      </p:nvGrpSpPr>
+      <p:grpSpPr>
+        <a:xfrm>
+          <a:off x="0" y="0"/>
+          <a:ext cx="0" cy="0"/>
+          <a:chOff x="0" y="0"/>
+          <a:chExt cx="0" cy="0"/>
+        </a:xfrm>
+      </p:grpSpPr>
+      <p:sp>
+        <p:nvSpPr>
+          <p:cNvPr id="164" name="Google Shape;164;g15b3bfa5962_0_62:notes"/>
+          <p:cNvSpPr/>
+          <p:nvPr>
+            <p:ph idx="2" type="sldImg"/>
+          </p:nvPr>
+        </p:nvSpPr>
+        <p:spPr>
+          <a:xfrm>
+            <a:off x="381300" y="685800"/>
+            <a:ext cx="6096000" cy="3429000"/>
+          </a:xfrm>
+          <a:custGeom>
+            <a:rect b="b" l="l" r="r" t="t"/>
+            <a:pathLst>
+              <a:path extrusionOk="0" h="120000" w="120000">
+                <a:moveTo>
+                  <a:pt x="0" y="0"/>
+                </a:moveTo>
+                <a:lnTo>
+                  <a:pt x="120000" y="0"/>
+                </a:lnTo>
+                <a:lnTo>
+                  <a:pt x="120000" y="120000"/>
+                </a:lnTo>
+                <a:lnTo>
+                  <a:pt x="0" y="120000"/>
+                </a:lnTo>
+                <a:close/>
+              </a:path>
+            </a:pathLst>
+          </a:custGeom>
+        </p:spPr>
+      </p:sp>
+      <p:sp>
+        <p:nvSpPr>
+          <p:cNvPr id="165" name="Google Shape;165;g15b3bfa5962_0_62:notes"/>
           <p:cNvSpPr txBox="1"/>
           <p:nvPr>
             <p:ph idx="1" type="body"/>
@@ -1135,7 +1335,7 @@
       </p:grpSpPr>
       <p:sp>
         <p:nvSpPr>
-          <p:cNvPr id="69" name="Google Shape;69;g33c59b020b32751a_0:notes"/>
+          <p:cNvPr id="69" name="Google Shape;69;g19d1c611a28_0_82:notes"/>
           <p:cNvSpPr/>
           <p:nvPr>
             <p:ph idx="2" type="sldImg"/>
@@ -1170,7 +1370,7 @@
       </p:sp>
       <p:sp>
         <p:nvSpPr>
-          <p:cNvPr id="70" name="Google Shape;70;g33c59b020b32751a_0:notes"/>
+          <p:cNvPr id="70" name="Google Shape;70;g19d1c611a28_0_82:notes"/>
           <p:cNvSpPr txBox="1"/>
           <p:nvPr>
             <p:ph idx="1" type="body"/>
@@ -1220,7 +1420,7 @@
   <p:cSld>
     <p:spTree>
       <p:nvGrpSpPr>
-        <p:cNvPr id="74" name="Shape 74"/>
+        <p:cNvPr id="78" name="Shape 78"/>
         <p:cNvGrpSpPr/>
         <p:nvPr/>
       </p:nvGrpSpPr>
@@ -1234,7 +1434,7 @@
       </p:grpSpPr>
       <p:sp>
         <p:nvSpPr>
-          <p:cNvPr id="75" name="Google Shape;75;g15b3bfa5962_1_8:notes"/>
+          <p:cNvPr id="79" name="Google Shape;79;g33c59b020b32751a_0:notes"/>
           <p:cNvSpPr/>
           <p:nvPr>
             <p:ph idx="2" type="sldImg"/>
@@ -1269,7 +1469,7 @@
       </p:sp>
       <p:sp>
         <p:nvSpPr>
-          <p:cNvPr id="76" name="Google Shape;76;g15b3bfa5962_1_8:notes"/>
+          <p:cNvPr id="80" name="Google Shape;80;g33c59b020b32751a_0:notes"/>
           <p:cNvSpPr txBox="1"/>
           <p:nvPr>
             <p:ph idx="1" type="body"/>
@@ -1319,7 +1519,7 @@
   <p:cSld>
     <p:spTree>
       <p:nvGrpSpPr>
-        <p:cNvPr id="81" name="Shape 81"/>
+        <p:cNvPr id="84" name="Shape 84"/>
         <p:cNvGrpSpPr/>
         <p:nvPr/>
       </p:nvGrpSpPr>
@@ -1333,7 +1533,7 @@
       </p:grpSpPr>
       <p:sp>
         <p:nvSpPr>
-          <p:cNvPr id="82" name="Google Shape;82;g15e01bcbc36_0_0:notes"/>
+          <p:cNvPr id="85" name="Google Shape;85;g15b3bfa5962_1_8:notes"/>
           <p:cNvSpPr/>
           <p:nvPr>
             <p:ph idx="2" type="sldImg"/>
@@ -1368,7 +1568,7 @@
       </p:sp>
       <p:sp>
         <p:nvSpPr>
-          <p:cNvPr id="83" name="Google Shape;83;g15e01bcbc36_0_0:notes"/>
+          <p:cNvPr id="86" name="Google Shape;86;g15b3bfa5962_1_8:notes"/>
           <p:cNvSpPr txBox="1"/>
           <p:nvPr>
             <p:ph idx="1" type="body"/>
@@ -1418,7 +1618,7 @@
   <p:cSld>
     <p:spTree>
       <p:nvGrpSpPr>
-        <p:cNvPr id="88" name="Shape 88"/>
+        <p:cNvPr id="92" name="Shape 92"/>
         <p:cNvGrpSpPr/>
         <p:nvPr/>
       </p:nvGrpSpPr>
@@ -1432,7 +1632,7 @@
       </p:grpSpPr>
       <p:sp>
         <p:nvSpPr>
-          <p:cNvPr id="89" name="Google Shape;89;g158f116a3cf_0_330:notes"/>
+          <p:cNvPr id="93" name="Google Shape;93;g15e01bcbc36_0_0:notes"/>
           <p:cNvSpPr/>
           <p:nvPr>
             <p:ph idx="2" type="sldImg"/>
@@ -1467,7 +1667,7 @@
       </p:sp>
       <p:sp>
         <p:nvSpPr>
-          <p:cNvPr id="90" name="Google Shape;90;g158f116a3cf_0_330:notes"/>
+          <p:cNvPr id="94" name="Google Shape;94;g15e01bcbc36_0_0:notes"/>
           <p:cNvSpPr txBox="1"/>
           <p:nvPr>
             <p:ph idx="1" type="body"/>
@@ -1517,7 +1717,7 @@
   <p:cSld>
     <p:spTree>
       <p:nvGrpSpPr>
-        <p:cNvPr id="95" name="Shape 95"/>
+        <p:cNvPr id="99" name="Shape 99"/>
         <p:cNvGrpSpPr/>
         <p:nvPr/>
       </p:nvGrpSpPr>
@@ -1531,7 +1731,7 @@
       </p:grpSpPr>
       <p:sp>
         <p:nvSpPr>
-          <p:cNvPr id="96" name="Google Shape;96;g15916a5da78_0_2:notes"/>
+          <p:cNvPr id="100" name="Google Shape;100;g15916a5da78_0_2:notes"/>
           <p:cNvSpPr/>
           <p:nvPr>
             <p:ph idx="2" type="sldImg"/>
@@ -1566,7 +1766,7 @@
       </p:sp>
       <p:sp>
         <p:nvSpPr>
-          <p:cNvPr id="97" name="Google Shape;97;g15916a5da78_0_2:notes"/>
+          <p:cNvPr id="101" name="Google Shape;101;g15916a5da78_0_2:notes"/>
           <p:cNvSpPr txBox="1"/>
           <p:nvPr>
             <p:ph idx="1" type="body"/>
@@ -1616,7 +1816,7 @@
   <p:cSld>
     <p:spTree>
       <p:nvGrpSpPr>
-        <p:cNvPr id="101" name="Shape 101"/>
+        <p:cNvPr id="105" name="Shape 105"/>
         <p:cNvGrpSpPr/>
         <p:nvPr/>
       </p:nvGrpSpPr>
@@ -1630,7 +1830,7 @@
       </p:grpSpPr>
       <p:sp>
         <p:nvSpPr>
-          <p:cNvPr id="102" name="Google Shape;102;g15b3bfa5962_0_13:notes"/>
+          <p:cNvPr id="106" name="Google Shape;106;g15b3bfa5962_0_13:notes"/>
           <p:cNvSpPr/>
           <p:nvPr>
             <p:ph idx="2" type="sldImg"/>
@@ -1665,7 +1865,7 @@
       </p:sp>
       <p:sp>
         <p:nvSpPr>
-          <p:cNvPr id="103" name="Google Shape;103;g15b3bfa5962_0_13:notes"/>
+          <p:cNvPr id="107" name="Google Shape;107;g15b3bfa5962_0_13:notes"/>
           <p:cNvSpPr txBox="1"/>
           <p:nvPr>
             <p:ph idx="1" type="body"/>
@@ -1715,7 +1915,7 @@
   <p:cSld>
     <p:spTree>
       <p:nvGrpSpPr>
-        <p:cNvPr id="109" name="Shape 109"/>
+        <p:cNvPr id="114" name="Shape 114"/>
         <p:cNvGrpSpPr/>
         <p:nvPr/>
       </p:nvGrpSpPr>
@@ -1729,7 +1929,7 @@
       </p:grpSpPr>
       <p:sp>
         <p:nvSpPr>
-          <p:cNvPr id="110" name="Google Shape;110;g158f116a3cf_0_325:notes"/>
+          <p:cNvPr id="115" name="Google Shape;115;g158f116a3cf_0_325:notes"/>
           <p:cNvSpPr/>
           <p:nvPr>
             <p:ph idx="2" type="sldImg"/>
@@ -1764,7 +1964,7 @@
       </p:sp>
       <p:sp>
         <p:nvSpPr>
-          <p:cNvPr id="111" name="Google Shape;111;g158f116a3cf_0_325:notes"/>
+          <p:cNvPr id="116" name="Google Shape;116;g158f116a3cf_0_325:notes"/>
           <p:cNvSpPr txBox="1"/>
           <p:nvPr>
             <p:ph idx="1" type="body"/>
@@ -1814,7 +2014,7 @@
   <p:cSld>
     <p:spTree>
       <p:nvGrpSpPr>
-        <p:cNvPr id="128" name="Shape 128"/>
+        <p:cNvPr id="133" name="Shape 133"/>
         <p:cNvGrpSpPr/>
         <p:nvPr/>
       </p:nvGrpSpPr>
@@ -1828,7 +2028,7 @@
       </p:grpSpPr>
       <p:sp>
         <p:nvSpPr>
-          <p:cNvPr id="129" name="Google Shape;129;g158f116a3cf_0_413:notes"/>
+          <p:cNvPr id="134" name="Google Shape;134;g158f116a3cf_0_413:notes"/>
           <p:cNvSpPr/>
           <p:nvPr>
             <p:ph idx="2" type="sldImg"/>
@@ -1863,7 +2063,7 @@
       </p:sp>
       <p:sp>
         <p:nvSpPr>
-          <p:cNvPr id="130" name="Google Shape;130;g158f116a3cf_0_413:notes"/>
+          <p:cNvPr id="135" name="Google Shape;135;g158f116a3cf_0_413:notes"/>
           <p:cNvSpPr txBox="1"/>
           <p:nvPr>
             <p:ph idx="1" type="body"/>
@@ -2025,7 +2225,7 @@
             <a:normAutofit/>
           </a:bodyPr>
           <a:lstStyle>
-            <a:lvl1pPr lvl="0" algn="ctr">
+            <a:lvl1pPr lvl="0" rtl="0" algn="ctr">
               <a:spcBef>
                 <a:spcPts val="0"/>
               </a:spcBef>
@@ -2036,7 +2236,7 @@
               <a:buNone/>
               <a:defRPr/>
             </a:lvl1pPr>
-            <a:lvl2pPr lvl="1" algn="ctr">
+            <a:lvl2pPr lvl="1" rtl="0" algn="ctr">
               <a:spcBef>
                 <a:spcPts val="0"/>
               </a:spcBef>
@@ -2047,7 +2247,7 @@
               <a:buNone/>
               <a:defRPr/>
             </a:lvl2pPr>
-            <a:lvl3pPr lvl="2" algn="ctr">
+            <a:lvl3pPr lvl="2" rtl="0" algn="ctr">
               <a:spcBef>
                 <a:spcPts val="0"/>
               </a:spcBef>
@@ -2058,7 +2258,7 @@
               <a:buNone/>
               <a:defRPr/>
             </a:lvl3pPr>
-            <a:lvl4pPr lvl="3" algn="ctr">
+            <a:lvl4pPr lvl="3" rtl="0" algn="ctr">
               <a:spcBef>
                 <a:spcPts val="0"/>
               </a:spcBef>
@@ -2069,7 +2269,7 @@
               <a:buNone/>
               <a:defRPr/>
             </a:lvl4pPr>
-            <a:lvl5pPr lvl="4" algn="ctr">
+            <a:lvl5pPr lvl="4" rtl="0" algn="ctr">
               <a:spcBef>
                 <a:spcPts val="0"/>
               </a:spcBef>
@@ -2080,7 +2280,7 @@
               <a:buNone/>
               <a:defRPr/>
             </a:lvl5pPr>
-            <a:lvl6pPr lvl="5" algn="ctr">
+            <a:lvl6pPr lvl="5" rtl="0" algn="ctr">
               <a:spcBef>
                 <a:spcPts val="0"/>
               </a:spcBef>
@@ -2091,7 +2291,7 @@
               <a:buNone/>
               <a:defRPr/>
             </a:lvl6pPr>
-            <a:lvl7pPr lvl="6" algn="ctr">
+            <a:lvl7pPr lvl="6" rtl="0" algn="ctr">
               <a:spcBef>
                 <a:spcPts val="0"/>
               </a:spcBef>
@@ -2102,7 +2302,7 @@
               <a:buNone/>
               <a:defRPr/>
             </a:lvl7pPr>
-            <a:lvl8pPr lvl="7" algn="ctr">
+            <a:lvl8pPr lvl="7" rtl="0" algn="ctr">
               <a:spcBef>
                 <a:spcPts val="0"/>
               </a:spcBef>
@@ -2113,7 +2313,7 @@
               <a:buNone/>
               <a:defRPr/>
             </a:lvl8pPr>
-            <a:lvl9pPr lvl="8" algn="ctr">
+            <a:lvl9pPr lvl="8" rtl="0" algn="ctr">
               <a:spcBef>
                 <a:spcPts val="0"/>
               </a:spcBef>
@@ -2150,7 +2350,7 @@
             <a:normAutofit/>
           </a:bodyPr>
           <a:lstStyle>
-            <a:lvl1pPr lvl="0" algn="ctr">
+            <a:lvl1pPr lvl="0" rtl="0" algn="ctr">
               <a:lnSpc>
                 <a:spcPct val="100000"/>
               </a:lnSpc>
@@ -2170,7 +2370,7 @@
                 <a:sym typeface="Economica"/>
               </a:defRPr>
             </a:lvl1pPr>
-            <a:lvl2pPr lvl="1" algn="ctr">
+            <a:lvl2pPr lvl="1" rtl="0" algn="ctr">
               <a:lnSpc>
                 <a:spcPct val="100000"/>
               </a:lnSpc>
@@ -2190,7 +2390,7 @@
                 <a:sym typeface="Economica"/>
               </a:defRPr>
             </a:lvl2pPr>
-            <a:lvl3pPr lvl="2" algn="ctr">
+            <a:lvl3pPr lvl="2" rtl="0" algn="ctr">
               <a:lnSpc>
                 <a:spcPct val="100000"/>
               </a:lnSpc>
@@ -2210,7 +2410,7 @@
                 <a:sym typeface="Economica"/>
               </a:defRPr>
             </a:lvl3pPr>
-            <a:lvl4pPr lvl="3" algn="ctr">
+            <a:lvl4pPr lvl="3" rtl="0" algn="ctr">
               <a:lnSpc>
                 <a:spcPct val="100000"/>
               </a:lnSpc>
@@ -2230,7 +2430,7 @@
                 <a:sym typeface="Economica"/>
               </a:defRPr>
             </a:lvl4pPr>
-            <a:lvl5pPr lvl="4" algn="ctr">
+            <a:lvl5pPr lvl="4" rtl="0" algn="ctr">
               <a:lnSpc>
                 <a:spcPct val="100000"/>
               </a:lnSpc>
@@ -2250,7 +2450,7 @@
                 <a:sym typeface="Economica"/>
               </a:defRPr>
             </a:lvl5pPr>
-            <a:lvl6pPr lvl="5" algn="ctr">
+            <a:lvl6pPr lvl="5" rtl="0" algn="ctr">
               <a:lnSpc>
                 <a:spcPct val="100000"/>
               </a:lnSpc>
@@ -2270,7 +2470,7 @@
                 <a:sym typeface="Economica"/>
               </a:defRPr>
             </a:lvl6pPr>
-            <a:lvl7pPr lvl="6" algn="ctr">
+            <a:lvl7pPr lvl="6" rtl="0" algn="ctr">
               <a:lnSpc>
                 <a:spcPct val="100000"/>
               </a:lnSpc>
@@ -2290,7 +2490,7 @@
                 <a:sym typeface="Economica"/>
               </a:defRPr>
             </a:lvl7pPr>
-            <a:lvl8pPr lvl="7" algn="ctr">
+            <a:lvl8pPr lvl="7" rtl="0" algn="ctr">
               <a:lnSpc>
                 <a:spcPct val="100000"/>
               </a:lnSpc>
@@ -2310,7 +2510,7 @@
                 <a:sym typeface="Economica"/>
               </a:defRPr>
             </a:lvl8pPr>
-            <a:lvl9pPr lvl="8" algn="ctr">
+            <a:lvl9pPr lvl="8" rtl="0" algn="ctr">
               <a:lnSpc>
                 <a:spcPct val="100000"/>
               </a:lnSpc>
@@ -2356,39 +2556,39 @@
             <a:normAutofit/>
           </a:bodyPr>
           <a:lstStyle>
-            <a:lvl1pPr lvl="0">
+            <a:lvl1pPr lvl="0" rtl="0">
               <a:buNone/>
               <a:defRPr/>
             </a:lvl1pPr>
-            <a:lvl2pPr lvl="1">
+            <a:lvl2pPr lvl="1" rtl="0">
               <a:buNone/>
               <a:defRPr/>
             </a:lvl2pPr>
-            <a:lvl3pPr lvl="2">
+            <a:lvl3pPr lvl="2" rtl="0">
               <a:buNone/>
               <a:defRPr/>
             </a:lvl3pPr>
-            <a:lvl4pPr lvl="3">
+            <a:lvl4pPr lvl="3" rtl="0">
               <a:buNone/>
               <a:defRPr/>
             </a:lvl4pPr>
-            <a:lvl5pPr lvl="4">
+            <a:lvl5pPr lvl="4" rtl="0">
               <a:buNone/>
               <a:defRPr/>
             </a:lvl5pPr>
-            <a:lvl6pPr lvl="5">
+            <a:lvl6pPr lvl="5" rtl="0">
               <a:buNone/>
               <a:defRPr/>
             </a:lvl6pPr>
-            <a:lvl7pPr lvl="6">
+            <a:lvl7pPr lvl="6" rtl="0">
               <a:buNone/>
               <a:defRPr/>
             </a:lvl7pPr>
-            <a:lvl8pPr lvl="7">
+            <a:lvl8pPr lvl="7" rtl="0">
               <a:buNone/>
               <a:defRPr/>
             </a:lvl8pPr>
-            <a:lvl9pPr lvl="8">
+            <a:lvl9pPr lvl="8" rtl="0">
               <a:buNone/>
               <a:defRPr/>
             </a:lvl9pPr>
@@ -2501,7 +2701,7 @@
             <a:normAutofit/>
           </a:bodyPr>
           <a:lstStyle>
-            <a:lvl1pPr lvl="0" algn="ctr">
+            <a:lvl1pPr lvl="0" rtl="0" algn="ctr">
               <a:spcBef>
                 <a:spcPts val="0"/>
               </a:spcBef>
@@ -2519,7 +2719,7 @@
                 </a:solidFill>
               </a:defRPr>
             </a:lvl1pPr>
-            <a:lvl2pPr lvl="1" algn="ctr">
+            <a:lvl2pPr lvl="1" rtl="0" algn="ctr">
               <a:spcBef>
                 <a:spcPts val="0"/>
               </a:spcBef>
@@ -2537,7 +2737,7 @@
                 </a:solidFill>
               </a:defRPr>
             </a:lvl2pPr>
-            <a:lvl3pPr lvl="2" algn="ctr">
+            <a:lvl3pPr lvl="2" rtl="0" algn="ctr">
               <a:spcBef>
                 <a:spcPts val="0"/>
               </a:spcBef>
@@ -2555,7 +2755,7 @@
                 </a:solidFill>
               </a:defRPr>
             </a:lvl3pPr>
-            <a:lvl4pPr lvl="3" algn="ctr">
+            <a:lvl4pPr lvl="3" rtl="0" algn="ctr">
               <a:spcBef>
                 <a:spcPts val="0"/>
               </a:spcBef>
@@ -2573,7 +2773,7 @@
                 </a:solidFill>
               </a:defRPr>
             </a:lvl4pPr>
-            <a:lvl5pPr lvl="4" algn="ctr">
+            <a:lvl5pPr lvl="4" rtl="0" algn="ctr">
               <a:spcBef>
                 <a:spcPts val="0"/>
               </a:spcBef>
@@ -2591,7 +2791,7 @@
                 </a:solidFill>
               </a:defRPr>
             </a:lvl5pPr>
-            <a:lvl6pPr lvl="5" algn="ctr">
+            <a:lvl6pPr lvl="5" rtl="0" algn="ctr">
               <a:spcBef>
                 <a:spcPts val="0"/>
               </a:spcBef>
@@ -2609,7 +2809,7 @@
                 </a:solidFill>
               </a:defRPr>
             </a:lvl6pPr>
-            <a:lvl7pPr lvl="6" algn="ctr">
+            <a:lvl7pPr lvl="6" rtl="0" algn="ctr">
               <a:spcBef>
                 <a:spcPts val="0"/>
               </a:spcBef>
@@ -2627,7 +2827,7 @@
                 </a:solidFill>
               </a:defRPr>
             </a:lvl7pPr>
-            <a:lvl8pPr lvl="7" algn="ctr">
+            <a:lvl8pPr lvl="7" rtl="0" algn="ctr">
               <a:spcBef>
                 <a:spcPts val="0"/>
               </a:spcBef>
@@ -2645,7 +2845,7 @@
                 </a:solidFill>
               </a:defRPr>
             </a:lvl8pPr>
-            <a:lvl9pPr lvl="8" algn="ctr">
+            <a:lvl9pPr lvl="8" rtl="0" algn="ctr">
               <a:spcBef>
                 <a:spcPts val="0"/>
               </a:spcBef>
@@ -2693,7 +2893,7 @@
             <a:normAutofit/>
           </a:bodyPr>
           <a:lstStyle>
-            <a:lvl1pPr indent="-342900" lvl="0" marL="457200" algn="ctr">
+            <a:lvl1pPr indent="-342900" lvl="0" marL="457200" rtl="0" algn="ctr">
               <a:spcBef>
                 <a:spcPts val="0"/>
               </a:spcBef>
@@ -2704,7 +2904,7 @@
               <a:buChar char="●"/>
               <a:defRPr/>
             </a:lvl1pPr>
-            <a:lvl2pPr indent="-317500" lvl="1" marL="914400" algn="ctr">
+            <a:lvl2pPr indent="-317500" lvl="1" marL="914400" rtl="0" algn="ctr">
               <a:spcBef>
                 <a:spcPts val="0"/>
               </a:spcBef>
@@ -2715,7 +2915,7 @@
               <a:buChar char="○"/>
               <a:defRPr/>
             </a:lvl2pPr>
-            <a:lvl3pPr indent="-317500" lvl="2" marL="1371600" algn="ctr">
+            <a:lvl3pPr indent="-317500" lvl="2" marL="1371600" rtl="0" algn="ctr">
               <a:spcBef>
                 <a:spcPts val="0"/>
               </a:spcBef>
@@ -2726,7 +2926,7 @@
               <a:buChar char="■"/>
               <a:defRPr/>
             </a:lvl3pPr>
-            <a:lvl4pPr indent="-317500" lvl="3" marL="1828800" algn="ctr">
+            <a:lvl4pPr indent="-317500" lvl="3" marL="1828800" rtl="0" algn="ctr">
               <a:spcBef>
                 <a:spcPts val="0"/>
               </a:spcBef>
@@ -2737,7 +2937,7 @@
               <a:buChar char="●"/>
               <a:defRPr/>
             </a:lvl4pPr>
-            <a:lvl5pPr indent="-317500" lvl="4" marL="2286000" algn="ctr">
+            <a:lvl5pPr indent="-317500" lvl="4" marL="2286000" rtl="0" algn="ctr">
               <a:spcBef>
                 <a:spcPts val="0"/>
               </a:spcBef>
@@ -2748,7 +2948,7 @@
               <a:buChar char="○"/>
               <a:defRPr/>
             </a:lvl5pPr>
-            <a:lvl6pPr indent="-317500" lvl="5" marL="2743200" algn="ctr">
+            <a:lvl6pPr indent="-317500" lvl="5" marL="2743200" rtl="0" algn="ctr">
               <a:spcBef>
                 <a:spcPts val="0"/>
               </a:spcBef>
@@ -2759,7 +2959,7 @@
               <a:buChar char="■"/>
               <a:defRPr/>
             </a:lvl6pPr>
-            <a:lvl7pPr indent="-317500" lvl="6" marL="3200400" algn="ctr">
+            <a:lvl7pPr indent="-317500" lvl="6" marL="3200400" rtl="0" algn="ctr">
               <a:spcBef>
                 <a:spcPts val="0"/>
               </a:spcBef>
@@ -2770,7 +2970,7 @@
               <a:buChar char="●"/>
               <a:defRPr/>
             </a:lvl7pPr>
-            <a:lvl8pPr indent="-317500" lvl="7" marL="3657600" algn="ctr">
+            <a:lvl8pPr indent="-317500" lvl="7" marL="3657600" rtl="0" algn="ctr">
               <a:spcBef>
                 <a:spcPts val="0"/>
               </a:spcBef>
@@ -2781,7 +2981,7 @@
               <a:buChar char="○"/>
               <a:defRPr/>
             </a:lvl8pPr>
-            <a:lvl9pPr indent="-317500" lvl="8" marL="4114800" algn="ctr">
+            <a:lvl9pPr indent="-317500" lvl="8" marL="4114800" rtl="0" algn="ctr">
               <a:spcBef>
                 <a:spcPts val="0"/>
               </a:spcBef>
@@ -2818,39 +3018,39 @@
             <a:normAutofit/>
           </a:bodyPr>
           <a:lstStyle>
-            <a:lvl1pPr lvl="0">
+            <a:lvl1pPr lvl="0" rtl="0">
               <a:buNone/>
               <a:defRPr/>
             </a:lvl1pPr>
-            <a:lvl2pPr lvl="1">
+            <a:lvl2pPr lvl="1" rtl="0">
               <a:buNone/>
               <a:defRPr/>
             </a:lvl2pPr>
-            <a:lvl3pPr lvl="2">
+            <a:lvl3pPr lvl="2" rtl="0">
               <a:buNone/>
               <a:defRPr/>
             </a:lvl3pPr>
-            <a:lvl4pPr lvl="3">
+            <a:lvl4pPr lvl="3" rtl="0">
               <a:buNone/>
               <a:defRPr/>
             </a:lvl4pPr>
-            <a:lvl5pPr lvl="4">
+            <a:lvl5pPr lvl="4" rtl="0">
               <a:buNone/>
               <a:defRPr/>
             </a:lvl5pPr>
-            <a:lvl6pPr lvl="5">
+            <a:lvl6pPr lvl="5" rtl="0">
               <a:buNone/>
               <a:defRPr/>
             </a:lvl6pPr>
-            <a:lvl7pPr lvl="6">
+            <a:lvl7pPr lvl="6" rtl="0">
               <a:buNone/>
               <a:defRPr/>
             </a:lvl7pPr>
-            <a:lvl8pPr lvl="7">
+            <a:lvl8pPr lvl="7" rtl="0">
               <a:buNone/>
               <a:defRPr/>
             </a:lvl8pPr>
-            <a:lvl9pPr lvl="8">
+            <a:lvl9pPr lvl="8" rtl="0">
               <a:buNone/>
               <a:defRPr/>
             </a:lvl9pPr>
@@ -2920,39 +3120,39 @@
             <a:normAutofit/>
           </a:bodyPr>
           <a:lstStyle>
-            <a:lvl1pPr lvl="0">
+            <a:lvl1pPr lvl="0" rtl="0">
               <a:buNone/>
               <a:defRPr/>
             </a:lvl1pPr>
-            <a:lvl2pPr lvl="1">
+            <a:lvl2pPr lvl="1" rtl="0">
               <a:buNone/>
               <a:defRPr/>
             </a:lvl2pPr>
-            <a:lvl3pPr lvl="2">
+            <a:lvl3pPr lvl="2" rtl="0">
               <a:buNone/>
               <a:defRPr/>
             </a:lvl3pPr>
-            <a:lvl4pPr lvl="3">
+            <a:lvl4pPr lvl="3" rtl="0">
               <a:buNone/>
               <a:defRPr/>
             </a:lvl4pPr>
-            <a:lvl5pPr lvl="4">
+            <a:lvl5pPr lvl="4" rtl="0">
               <a:buNone/>
               <a:defRPr/>
             </a:lvl5pPr>
-            <a:lvl6pPr lvl="5">
+            <a:lvl6pPr lvl="5" rtl="0">
               <a:buNone/>
               <a:defRPr/>
             </a:lvl6pPr>
-            <a:lvl7pPr lvl="6">
+            <a:lvl7pPr lvl="6" rtl="0">
               <a:buNone/>
               <a:defRPr/>
             </a:lvl7pPr>
-            <a:lvl8pPr lvl="7">
+            <a:lvl8pPr lvl="7" rtl="0">
               <a:buNone/>
               <a:defRPr/>
             </a:lvl8pPr>
-            <a:lvl9pPr lvl="8">
+            <a:lvl9pPr lvl="8" rtl="0">
               <a:buNone/>
               <a:defRPr/>
             </a:lvl9pPr>
@@ -3100,7 +3300,7 @@
             <a:normAutofit/>
           </a:bodyPr>
           <a:lstStyle>
-            <a:lvl1pPr lvl="0" algn="ctr">
+            <a:lvl1pPr lvl="0" rtl="0" algn="ctr">
               <a:spcBef>
                 <a:spcPts val="0"/>
               </a:spcBef>
@@ -3111,7 +3311,7 @@
               <a:buNone/>
               <a:defRPr/>
             </a:lvl1pPr>
-            <a:lvl2pPr lvl="1" algn="ctr">
+            <a:lvl2pPr lvl="1" rtl="0" algn="ctr">
               <a:spcBef>
                 <a:spcPts val="0"/>
               </a:spcBef>
@@ -3122,7 +3322,7 @@
               <a:buNone/>
               <a:defRPr/>
             </a:lvl2pPr>
-            <a:lvl3pPr lvl="2" algn="ctr">
+            <a:lvl3pPr lvl="2" rtl="0" algn="ctr">
               <a:spcBef>
                 <a:spcPts val="0"/>
               </a:spcBef>
@@ -3133,7 +3333,7 @@
               <a:buNone/>
               <a:defRPr/>
             </a:lvl3pPr>
-            <a:lvl4pPr lvl="3" algn="ctr">
+            <a:lvl4pPr lvl="3" rtl="0" algn="ctr">
               <a:spcBef>
                 <a:spcPts val="0"/>
               </a:spcBef>
@@ -3144,7 +3344,7 @@
               <a:buNone/>
               <a:defRPr/>
             </a:lvl4pPr>
-            <a:lvl5pPr lvl="4" algn="ctr">
+            <a:lvl5pPr lvl="4" rtl="0" algn="ctr">
               <a:spcBef>
                 <a:spcPts val="0"/>
               </a:spcBef>
@@ -3155,7 +3355,7 @@
               <a:buNone/>
               <a:defRPr/>
             </a:lvl5pPr>
-            <a:lvl6pPr lvl="5" algn="ctr">
+            <a:lvl6pPr lvl="5" rtl="0" algn="ctr">
               <a:spcBef>
                 <a:spcPts val="0"/>
               </a:spcBef>
@@ -3166,7 +3366,7 @@
               <a:buNone/>
               <a:defRPr/>
             </a:lvl6pPr>
-            <a:lvl7pPr lvl="6" algn="ctr">
+            <a:lvl7pPr lvl="6" rtl="0" algn="ctr">
               <a:spcBef>
                 <a:spcPts val="0"/>
               </a:spcBef>
@@ -3177,7 +3377,7 @@
               <a:buNone/>
               <a:defRPr/>
             </a:lvl7pPr>
-            <a:lvl8pPr lvl="7" algn="ctr">
+            <a:lvl8pPr lvl="7" rtl="0" algn="ctr">
               <a:spcBef>
                 <a:spcPts val="0"/>
               </a:spcBef>
@@ -3188,7 +3388,7 @@
               <a:buNone/>
               <a:defRPr/>
             </a:lvl8pPr>
-            <a:lvl9pPr lvl="8" algn="ctr">
+            <a:lvl9pPr lvl="8" rtl="0" algn="ctr">
               <a:spcBef>
                 <a:spcPts val="0"/>
               </a:spcBef>
@@ -3225,39 +3425,39 @@
             <a:normAutofit/>
           </a:bodyPr>
           <a:lstStyle>
-            <a:lvl1pPr lvl="0">
+            <a:lvl1pPr lvl="0" rtl="0">
               <a:buNone/>
               <a:defRPr/>
             </a:lvl1pPr>
-            <a:lvl2pPr lvl="1">
+            <a:lvl2pPr lvl="1" rtl="0">
               <a:buNone/>
               <a:defRPr/>
             </a:lvl2pPr>
-            <a:lvl3pPr lvl="2">
+            <a:lvl3pPr lvl="2" rtl="0">
               <a:buNone/>
               <a:defRPr/>
             </a:lvl3pPr>
-            <a:lvl4pPr lvl="3">
+            <a:lvl4pPr lvl="3" rtl="0">
               <a:buNone/>
               <a:defRPr/>
             </a:lvl4pPr>
-            <a:lvl5pPr lvl="4">
+            <a:lvl5pPr lvl="4" rtl="0">
               <a:buNone/>
               <a:defRPr/>
             </a:lvl5pPr>
-            <a:lvl6pPr lvl="5">
+            <a:lvl6pPr lvl="5" rtl="0">
               <a:buNone/>
               <a:defRPr/>
             </a:lvl6pPr>
-            <a:lvl7pPr lvl="6">
+            <a:lvl7pPr lvl="6" rtl="0">
               <a:buNone/>
               <a:defRPr/>
             </a:lvl7pPr>
-            <a:lvl8pPr lvl="7">
+            <a:lvl8pPr lvl="7" rtl="0">
               <a:buNone/>
               <a:defRPr/>
             </a:lvl8pPr>
-            <a:lvl9pPr lvl="8">
+            <a:lvl9pPr lvl="8" rtl="0">
               <a:buNone/>
               <a:defRPr/>
             </a:lvl9pPr>
@@ -3370,7 +3570,7 @@
             <a:normAutofit/>
           </a:bodyPr>
           <a:lstStyle>
-            <a:lvl1pPr lvl="0">
+            <a:lvl1pPr lvl="0" rtl="0">
               <a:spcBef>
                 <a:spcPts val="0"/>
               </a:spcBef>
@@ -3381,7 +3581,7 @@
               <a:buNone/>
               <a:defRPr/>
             </a:lvl1pPr>
-            <a:lvl2pPr lvl="1">
+            <a:lvl2pPr lvl="1" rtl="0">
               <a:spcBef>
                 <a:spcPts val="0"/>
               </a:spcBef>
@@ -3392,7 +3592,7 @@
               <a:buNone/>
               <a:defRPr/>
             </a:lvl2pPr>
-            <a:lvl3pPr lvl="2">
+            <a:lvl3pPr lvl="2" rtl="0">
               <a:spcBef>
                 <a:spcPts val="0"/>
               </a:spcBef>
@@ -3403,7 +3603,7 @@
               <a:buNone/>
               <a:defRPr/>
             </a:lvl3pPr>
-            <a:lvl4pPr lvl="3">
+            <a:lvl4pPr lvl="3" rtl="0">
               <a:spcBef>
                 <a:spcPts val="0"/>
               </a:spcBef>
@@ -3414,7 +3614,7 @@
               <a:buNone/>
               <a:defRPr/>
             </a:lvl4pPr>
-            <a:lvl5pPr lvl="4">
+            <a:lvl5pPr lvl="4" rtl="0">
               <a:spcBef>
                 <a:spcPts val="0"/>
               </a:spcBef>
@@ -3425,7 +3625,7 @@
               <a:buNone/>
               <a:defRPr/>
             </a:lvl5pPr>
-            <a:lvl6pPr lvl="5">
+            <a:lvl6pPr lvl="5" rtl="0">
               <a:spcBef>
                 <a:spcPts val="0"/>
               </a:spcBef>
@@ -3436,7 +3636,7 @@
               <a:buNone/>
               <a:defRPr/>
             </a:lvl6pPr>
-            <a:lvl7pPr lvl="6">
+            <a:lvl7pPr lvl="6" rtl="0">
               <a:spcBef>
                 <a:spcPts val="0"/>
               </a:spcBef>
@@ -3447,7 +3647,7 @@
               <a:buNone/>
               <a:defRPr/>
             </a:lvl7pPr>
-            <a:lvl8pPr lvl="7">
+            <a:lvl8pPr lvl="7" rtl="0">
               <a:spcBef>
                 <a:spcPts val="0"/>
               </a:spcBef>
@@ -3458,7 +3658,7 @@
               <a:buNone/>
               <a:defRPr/>
             </a:lvl8pPr>
-            <a:lvl9pPr lvl="8">
+            <a:lvl9pPr lvl="8" rtl="0">
               <a:spcBef>
                 <a:spcPts val="0"/>
               </a:spcBef>
@@ -3495,7 +3695,7 @@
             <a:normAutofit/>
           </a:bodyPr>
           <a:lstStyle>
-            <a:lvl1pPr indent="-342900" lvl="0" marL="457200">
+            <a:lvl1pPr indent="-342900" lvl="0" marL="457200" rtl="0">
               <a:spcBef>
                 <a:spcPts val="0"/>
               </a:spcBef>
@@ -3506,7 +3706,7 @@
               <a:buChar char="●"/>
               <a:defRPr/>
             </a:lvl1pPr>
-            <a:lvl2pPr indent="-317500" lvl="1" marL="914400">
+            <a:lvl2pPr indent="-317500" lvl="1" marL="914400" rtl="0">
               <a:spcBef>
                 <a:spcPts val="0"/>
               </a:spcBef>
@@ -3517,7 +3717,7 @@
               <a:buChar char="○"/>
               <a:defRPr/>
             </a:lvl2pPr>
-            <a:lvl3pPr indent="-317500" lvl="2" marL="1371600">
+            <a:lvl3pPr indent="-317500" lvl="2" marL="1371600" rtl="0">
               <a:spcBef>
                 <a:spcPts val="0"/>
               </a:spcBef>
@@ -3528,7 +3728,7 @@
               <a:buChar char="■"/>
               <a:defRPr/>
             </a:lvl3pPr>
-            <a:lvl4pPr indent="-317500" lvl="3" marL="1828800">
+            <a:lvl4pPr indent="-317500" lvl="3" marL="1828800" rtl="0">
               <a:spcBef>
                 <a:spcPts val="0"/>
               </a:spcBef>
@@ -3539,7 +3739,7 @@
               <a:buChar char="●"/>
               <a:defRPr/>
             </a:lvl4pPr>
-            <a:lvl5pPr indent="-317500" lvl="4" marL="2286000">
+            <a:lvl5pPr indent="-317500" lvl="4" marL="2286000" rtl="0">
               <a:spcBef>
                 <a:spcPts val="0"/>
               </a:spcBef>
@@ -3550,7 +3750,7 @@
               <a:buChar char="○"/>
               <a:defRPr/>
             </a:lvl5pPr>
-            <a:lvl6pPr indent="-317500" lvl="5" marL="2743200">
+            <a:lvl6pPr indent="-317500" lvl="5" marL="2743200" rtl="0">
               <a:spcBef>
                 <a:spcPts val="0"/>
               </a:spcBef>
@@ -3561,7 +3761,7 @@
               <a:buChar char="■"/>
               <a:defRPr/>
             </a:lvl6pPr>
-            <a:lvl7pPr indent="-317500" lvl="6" marL="3200400">
+            <a:lvl7pPr indent="-317500" lvl="6" marL="3200400" rtl="0">
               <a:spcBef>
                 <a:spcPts val="0"/>
               </a:spcBef>
@@ -3572,7 +3772,7 @@
               <a:buChar char="●"/>
               <a:defRPr/>
             </a:lvl7pPr>
-            <a:lvl8pPr indent="-317500" lvl="7" marL="3657600">
+            <a:lvl8pPr indent="-317500" lvl="7" marL="3657600" rtl="0">
               <a:spcBef>
                 <a:spcPts val="0"/>
               </a:spcBef>
@@ -3583,7 +3783,7 @@
               <a:buChar char="○"/>
               <a:defRPr/>
             </a:lvl8pPr>
-            <a:lvl9pPr indent="-317500" lvl="8" marL="4114800">
+            <a:lvl9pPr indent="-317500" lvl="8" marL="4114800" rtl="0">
               <a:spcBef>
                 <a:spcPts val="0"/>
               </a:spcBef>
@@ -3620,39 +3820,39 @@
             <a:normAutofit/>
           </a:bodyPr>
           <a:lstStyle>
-            <a:lvl1pPr lvl="0">
+            <a:lvl1pPr lvl="0" rtl="0">
               <a:buNone/>
               <a:defRPr/>
             </a:lvl1pPr>
-            <a:lvl2pPr lvl="1">
+            <a:lvl2pPr lvl="1" rtl="0">
               <a:buNone/>
               <a:defRPr/>
             </a:lvl2pPr>
-            <a:lvl3pPr lvl="2">
+            <a:lvl3pPr lvl="2" rtl="0">
               <a:buNone/>
               <a:defRPr/>
             </a:lvl3pPr>
-            <a:lvl4pPr lvl="3">
+            <a:lvl4pPr lvl="3" rtl="0">
               <a:buNone/>
               <a:defRPr/>
             </a:lvl4pPr>
-            <a:lvl5pPr lvl="4">
+            <a:lvl5pPr lvl="4" rtl="0">
               <a:buNone/>
               <a:defRPr/>
             </a:lvl5pPr>
-            <a:lvl6pPr lvl="5">
+            <a:lvl6pPr lvl="5" rtl="0">
               <a:buNone/>
               <a:defRPr/>
             </a:lvl6pPr>
-            <a:lvl7pPr lvl="6">
+            <a:lvl7pPr lvl="6" rtl="0">
               <a:buNone/>
               <a:defRPr/>
             </a:lvl7pPr>
-            <a:lvl8pPr lvl="7">
+            <a:lvl8pPr lvl="7" rtl="0">
               <a:buNone/>
               <a:defRPr/>
             </a:lvl8pPr>
-            <a:lvl9pPr lvl="8">
+            <a:lvl9pPr lvl="8" rtl="0">
               <a:buNone/>
               <a:defRPr/>
             </a:lvl9pPr>
@@ -3722,7 +3922,7 @@
             <a:normAutofit/>
           </a:bodyPr>
           <a:lstStyle>
-            <a:lvl1pPr lvl="0">
+            <a:lvl1pPr lvl="0" rtl="0">
               <a:spcBef>
                 <a:spcPts val="0"/>
               </a:spcBef>
@@ -3733,7 +3933,7 @@
               <a:buNone/>
               <a:defRPr/>
             </a:lvl1pPr>
-            <a:lvl2pPr lvl="1">
+            <a:lvl2pPr lvl="1" rtl="0">
               <a:spcBef>
                 <a:spcPts val="0"/>
               </a:spcBef>
@@ -3744,7 +3944,7 @@
               <a:buNone/>
               <a:defRPr/>
             </a:lvl2pPr>
-            <a:lvl3pPr lvl="2">
+            <a:lvl3pPr lvl="2" rtl="0">
               <a:spcBef>
                 <a:spcPts val="0"/>
               </a:spcBef>
@@ -3755,7 +3955,7 @@
               <a:buNone/>
               <a:defRPr/>
             </a:lvl3pPr>
-            <a:lvl4pPr lvl="3">
+            <a:lvl4pPr lvl="3" rtl="0">
               <a:spcBef>
                 <a:spcPts val="0"/>
               </a:spcBef>
@@ -3766,7 +3966,7 @@
               <a:buNone/>
               <a:defRPr/>
             </a:lvl4pPr>
-            <a:lvl5pPr lvl="4">
+            <a:lvl5pPr lvl="4" rtl="0">
               <a:spcBef>
                 <a:spcPts val="0"/>
               </a:spcBef>
@@ -3777,7 +3977,7 @@
               <a:buNone/>
               <a:defRPr/>
             </a:lvl5pPr>
-            <a:lvl6pPr lvl="5">
+            <a:lvl6pPr lvl="5" rtl="0">
               <a:spcBef>
                 <a:spcPts val="0"/>
               </a:spcBef>
@@ -3788,7 +3988,7 @@
               <a:buNone/>
               <a:defRPr/>
             </a:lvl6pPr>
-            <a:lvl7pPr lvl="6">
+            <a:lvl7pPr lvl="6" rtl="0">
               <a:spcBef>
                 <a:spcPts val="0"/>
               </a:spcBef>
@@ -3799,7 +3999,7 @@
               <a:buNone/>
               <a:defRPr/>
             </a:lvl7pPr>
-            <a:lvl8pPr lvl="7">
+            <a:lvl8pPr lvl="7" rtl="0">
               <a:spcBef>
                 <a:spcPts val="0"/>
               </a:spcBef>
@@ -3810,7 +4010,7 @@
               <a:buNone/>
               <a:defRPr/>
             </a:lvl8pPr>
-            <a:lvl9pPr lvl="8">
+            <a:lvl9pPr lvl="8" rtl="0">
               <a:spcBef>
                 <a:spcPts val="0"/>
               </a:spcBef>
@@ -3847,7 +4047,7 @@
             <a:normAutofit/>
           </a:bodyPr>
           <a:lstStyle>
-            <a:lvl1pPr indent="-317500" lvl="0" marL="457200">
+            <a:lvl1pPr indent="-317500" lvl="0" marL="457200" rtl="0">
               <a:spcBef>
                 <a:spcPts val="0"/>
               </a:spcBef>
@@ -3858,7 +4058,7 @@
               <a:buChar char="●"/>
               <a:defRPr sz="1400"/>
             </a:lvl1pPr>
-            <a:lvl2pPr indent="-304800" lvl="1" marL="914400">
+            <a:lvl2pPr indent="-304800" lvl="1" marL="914400" rtl="0">
               <a:spcBef>
                 <a:spcPts val="0"/>
               </a:spcBef>
@@ -3869,7 +4069,7 @@
               <a:buChar char="○"/>
               <a:defRPr sz="1200"/>
             </a:lvl2pPr>
-            <a:lvl3pPr indent="-304800" lvl="2" marL="1371600">
+            <a:lvl3pPr indent="-304800" lvl="2" marL="1371600" rtl="0">
               <a:spcBef>
                 <a:spcPts val="0"/>
               </a:spcBef>
@@ -3880,7 +4080,7 @@
               <a:buChar char="■"/>
               <a:defRPr sz="1200"/>
             </a:lvl3pPr>
-            <a:lvl4pPr indent="-304800" lvl="3" marL="1828800">
+            <a:lvl4pPr indent="-304800" lvl="3" marL="1828800" rtl="0">
               <a:spcBef>
                 <a:spcPts val="0"/>
               </a:spcBef>
@@ -3891,7 +4091,7 @@
               <a:buChar char="●"/>
               <a:defRPr sz="1200"/>
             </a:lvl4pPr>
-            <a:lvl5pPr indent="-304800" lvl="4" marL="2286000">
+            <a:lvl5pPr indent="-304800" lvl="4" marL="2286000" rtl="0">
               <a:spcBef>
                 <a:spcPts val="0"/>
               </a:spcBef>
@@ -3902,7 +4102,7 @@
               <a:buChar char="○"/>
               <a:defRPr sz="1200"/>
             </a:lvl5pPr>
-            <a:lvl6pPr indent="-304800" lvl="5" marL="2743200">
+            <a:lvl6pPr indent="-304800" lvl="5" marL="2743200" rtl="0">
               <a:spcBef>
                 <a:spcPts val="0"/>
               </a:spcBef>
@@ -3913,7 +4113,7 @@
               <a:buChar char="■"/>
               <a:defRPr sz="1200"/>
             </a:lvl6pPr>
-            <a:lvl7pPr indent="-304800" lvl="6" marL="3200400">
+            <a:lvl7pPr indent="-304800" lvl="6" marL="3200400" rtl="0">
               <a:spcBef>
                 <a:spcPts val="0"/>
               </a:spcBef>
@@ -3924,7 +4124,7 @@
               <a:buChar char="●"/>
               <a:defRPr sz="1200"/>
             </a:lvl7pPr>
-            <a:lvl8pPr indent="-304800" lvl="7" marL="3657600">
+            <a:lvl8pPr indent="-304800" lvl="7" marL="3657600" rtl="0">
               <a:spcBef>
                 <a:spcPts val="0"/>
               </a:spcBef>
@@ -3935,7 +4135,7 @@
               <a:buChar char="○"/>
               <a:defRPr sz="1200"/>
             </a:lvl8pPr>
-            <a:lvl9pPr indent="-304800" lvl="8" marL="4114800">
+            <a:lvl9pPr indent="-304800" lvl="8" marL="4114800" rtl="0">
               <a:spcBef>
                 <a:spcPts val="0"/>
               </a:spcBef>
@@ -3972,7 +4172,7 @@
             <a:normAutofit/>
           </a:bodyPr>
           <a:lstStyle>
-            <a:lvl1pPr indent="-317500" lvl="0" marL="457200">
+            <a:lvl1pPr indent="-317500" lvl="0" marL="457200" rtl="0">
               <a:spcBef>
                 <a:spcPts val="0"/>
               </a:spcBef>
@@ -3983,7 +4183,7 @@
               <a:buChar char="●"/>
               <a:defRPr sz="1400"/>
             </a:lvl1pPr>
-            <a:lvl2pPr indent="-304800" lvl="1" marL="914400">
+            <a:lvl2pPr indent="-304800" lvl="1" marL="914400" rtl="0">
               <a:spcBef>
                 <a:spcPts val="0"/>
               </a:spcBef>
@@ -3994,7 +4194,7 @@
               <a:buChar char="○"/>
               <a:defRPr sz="1200"/>
             </a:lvl2pPr>
-            <a:lvl3pPr indent="-304800" lvl="2" marL="1371600">
+            <a:lvl3pPr indent="-304800" lvl="2" marL="1371600" rtl="0">
               <a:spcBef>
                 <a:spcPts val="0"/>
               </a:spcBef>
@@ -4005,7 +4205,7 @@
               <a:buChar char="■"/>
               <a:defRPr sz="1200"/>
             </a:lvl3pPr>
-            <a:lvl4pPr indent="-304800" lvl="3" marL="1828800">
+            <a:lvl4pPr indent="-304800" lvl="3" marL="1828800" rtl="0">
               <a:spcBef>
                 <a:spcPts val="0"/>
               </a:spcBef>
@@ -4016,7 +4216,7 @@
               <a:buChar char="●"/>
               <a:defRPr sz="1200"/>
             </a:lvl4pPr>
-            <a:lvl5pPr indent="-304800" lvl="4" marL="2286000">
+            <a:lvl5pPr indent="-304800" lvl="4" marL="2286000" rtl="0">
               <a:spcBef>
                 <a:spcPts val="0"/>
               </a:spcBef>
@@ -4027,7 +4227,7 @@
               <a:buChar char="○"/>
               <a:defRPr sz="1200"/>
             </a:lvl5pPr>
-            <a:lvl6pPr indent="-304800" lvl="5" marL="2743200">
+            <a:lvl6pPr indent="-304800" lvl="5" marL="2743200" rtl="0">
               <a:spcBef>
                 <a:spcPts val="0"/>
               </a:spcBef>
@@ -4038,7 +4238,7 @@
               <a:buChar char="■"/>
               <a:defRPr sz="1200"/>
             </a:lvl6pPr>
-            <a:lvl7pPr indent="-304800" lvl="6" marL="3200400">
+            <a:lvl7pPr indent="-304800" lvl="6" marL="3200400" rtl="0">
               <a:spcBef>
                 <a:spcPts val="0"/>
               </a:spcBef>
@@ -4049,7 +4249,7 @@
               <a:buChar char="●"/>
               <a:defRPr sz="1200"/>
             </a:lvl7pPr>
-            <a:lvl8pPr indent="-304800" lvl="7" marL="3657600">
+            <a:lvl8pPr indent="-304800" lvl="7" marL="3657600" rtl="0">
               <a:spcBef>
                 <a:spcPts val="0"/>
               </a:spcBef>
@@ -4060,7 +4260,7 @@
               <a:buChar char="○"/>
               <a:defRPr sz="1200"/>
             </a:lvl8pPr>
-            <a:lvl9pPr indent="-304800" lvl="8" marL="4114800">
+            <a:lvl9pPr indent="-304800" lvl="8" marL="4114800" rtl="0">
               <a:spcBef>
                 <a:spcPts val="0"/>
               </a:spcBef>
@@ -4097,39 +4297,39 @@
             <a:normAutofit/>
           </a:bodyPr>
           <a:lstStyle>
-            <a:lvl1pPr lvl="0">
+            <a:lvl1pPr lvl="0" rtl="0">
               <a:buNone/>
               <a:defRPr/>
             </a:lvl1pPr>
-            <a:lvl2pPr lvl="1">
+            <a:lvl2pPr lvl="1" rtl="0">
               <a:buNone/>
               <a:defRPr/>
             </a:lvl2pPr>
-            <a:lvl3pPr lvl="2">
+            <a:lvl3pPr lvl="2" rtl="0">
               <a:buNone/>
               <a:defRPr/>
             </a:lvl3pPr>
-            <a:lvl4pPr lvl="3">
+            <a:lvl4pPr lvl="3" rtl="0">
               <a:buNone/>
               <a:defRPr/>
             </a:lvl4pPr>
-            <a:lvl5pPr lvl="4">
+            <a:lvl5pPr lvl="4" rtl="0">
               <a:buNone/>
               <a:defRPr/>
             </a:lvl5pPr>
-            <a:lvl6pPr lvl="5">
+            <a:lvl6pPr lvl="5" rtl="0">
               <a:buNone/>
               <a:defRPr/>
             </a:lvl6pPr>
-            <a:lvl7pPr lvl="6">
+            <a:lvl7pPr lvl="6" rtl="0">
               <a:buNone/>
               <a:defRPr/>
             </a:lvl7pPr>
-            <a:lvl8pPr lvl="7">
+            <a:lvl8pPr lvl="7" rtl="0">
               <a:buNone/>
               <a:defRPr/>
             </a:lvl8pPr>
-            <a:lvl9pPr lvl="8">
+            <a:lvl9pPr lvl="8" rtl="0">
               <a:buNone/>
               <a:defRPr/>
             </a:lvl9pPr>
@@ -4199,7 +4399,7 @@
             <a:normAutofit/>
           </a:bodyPr>
           <a:lstStyle>
-            <a:lvl1pPr lvl="0">
+            <a:lvl1pPr lvl="0" rtl="0">
               <a:spcBef>
                 <a:spcPts val="0"/>
               </a:spcBef>
@@ -4210,7 +4410,7 @@
               <a:buNone/>
               <a:defRPr/>
             </a:lvl1pPr>
-            <a:lvl2pPr lvl="1">
+            <a:lvl2pPr lvl="1" rtl="0">
               <a:spcBef>
                 <a:spcPts val="0"/>
               </a:spcBef>
@@ -4221,7 +4421,7 @@
               <a:buNone/>
               <a:defRPr/>
             </a:lvl2pPr>
-            <a:lvl3pPr lvl="2">
+            <a:lvl3pPr lvl="2" rtl="0">
               <a:spcBef>
                 <a:spcPts val="0"/>
               </a:spcBef>
@@ -4232,7 +4432,7 @@
               <a:buNone/>
               <a:defRPr/>
             </a:lvl3pPr>
-            <a:lvl4pPr lvl="3">
+            <a:lvl4pPr lvl="3" rtl="0">
               <a:spcBef>
                 <a:spcPts val="0"/>
               </a:spcBef>
@@ -4243,7 +4443,7 @@
               <a:buNone/>
               <a:defRPr/>
             </a:lvl4pPr>
-            <a:lvl5pPr lvl="4">
+            <a:lvl5pPr lvl="4" rtl="0">
               <a:spcBef>
                 <a:spcPts val="0"/>
               </a:spcBef>
@@ -4254,7 +4454,7 @@
               <a:buNone/>
               <a:defRPr/>
             </a:lvl5pPr>
-            <a:lvl6pPr lvl="5">
+            <a:lvl6pPr lvl="5" rtl="0">
               <a:spcBef>
                 <a:spcPts val="0"/>
               </a:spcBef>
@@ -4265,7 +4465,7 @@
               <a:buNone/>
               <a:defRPr/>
             </a:lvl6pPr>
-            <a:lvl7pPr lvl="6">
+            <a:lvl7pPr lvl="6" rtl="0">
               <a:spcBef>
                 <a:spcPts val="0"/>
               </a:spcBef>
@@ -4276,7 +4476,7 @@
               <a:buNone/>
               <a:defRPr/>
             </a:lvl7pPr>
-            <a:lvl8pPr lvl="7">
+            <a:lvl8pPr lvl="7" rtl="0">
               <a:spcBef>
                 <a:spcPts val="0"/>
               </a:spcBef>
@@ -4287,7 +4487,7 @@
               <a:buNone/>
               <a:defRPr/>
             </a:lvl8pPr>
-            <a:lvl9pPr lvl="8">
+            <a:lvl9pPr lvl="8" rtl="0">
               <a:spcBef>
                 <a:spcPts val="0"/>
               </a:spcBef>
@@ -4324,39 +4524,39 @@
             <a:normAutofit/>
           </a:bodyPr>
           <a:lstStyle>
-            <a:lvl1pPr lvl="0">
+            <a:lvl1pPr lvl="0" rtl="0">
               <a:buNone/>
               <a:defRPr/>
             </a:lvl1pPr>
-            <a:lvl2pPr lvl="1">
+            <a:lvl2pPr lvl="1" rtl="0">
               <a:buNone/>
               <a:defRPr/>
             </a:lvl2pPr>
-            <a:lvl3pPr lvl="2">
+            <a:lvl3pPr lvl="2" rtl="0">
               <a:buNone/>
               <a:defRPr/>
             </a:lvl3pPr>
-            <a:lvl4pPr lvl="3">
+            <a:lvl4pPr lvl="3" rtl="0">
               <a:buNone/>
               <a:defRPr/>
             </a:lvl4pPr>
-            <a:lvl5pPr lvl="4">
+            <a:lvl5pPr lvl="4" rtl="0">
               <a:buNone/>
               <a:defRPr/>
             </a:lvl5pPr>
-            <a:lvl6pPr lvl="5">
+            <a:lvl6pPr lvl="5" rtl="0">
               <a:buNone/>
               <a:defRPr/>
             </a:lvl6pPr>
-            <a:lvl7pPr lvl="6">
+            <a:lvl7pPr lvl="6" rtl="0">
               <a:buNone/>
               <a:defRPr/>
             </a:lvl7pPr>
-            <a:lvl8pPr lvl="7">
+            <a:lvl8pPr lvl="7" rtl="0">
               <a:buNone/>
               <a:defRPr/>
             </a:lvl8pPr>
-            <a:lvl9pPr lvl="8">
+            <a:lvl9pPr lvl="8" rtl="0">
               <a:buNone/>
               <a:defRPr/>
             </a:lvl9pPr>
@@ -4426,7 +4626,7 @@
             <a:normAutofit/>
           </a:bodyPr>
           <a:lstStyle>
-            <a:lvl1pPr lvl="0">
+            <a:lvl1pPr lvl="0" rtl="0">
               <a:spcBef>
                 <a:spcPts val="0"/>
               </a:spcBef>
@@ -4437,7 +4637,7 @@
               <a:buNone/>
               <a:defRPr sz="3000"/>
             </a:lvl1pPr>
-            <a:lvl2pPr lvl="1">
+            <a:lvl2pPr lvl="1" rtl="0">
               <a:spcBef>
                 <a:spcPts val="0"/>
               </a:spcBef>
@@ -4448,7 +4648,7 @@
               <a:buNone/>
               <a:defRPr sz="3000"/>
             </a:lvl2pPr>
-            <a:lvl3pPr lvl="2">
+            <a:lvl3pPr lvl="2" rtl="0">
               <a:spcBef>
                 <a:spcPts val="0"/>
               </a:spcBef>
@@ -4459,7 +4659,7 @@
               <a:buNone/>
               <a:defRPr sz="3000"/>
             </a:lvl3pPr>
-            <a:lvl4pPr lvl="3">
+            <a:lvl4pPr lvl="3" rtl="0">
               <a:spcBef>
                 <a:spcPts val="0"/>
               </a:spcBef>
@@ -4470,7 +4670,7 @@
               <a:buNone/>
               <a:defRPr sz="3000"/>
             </a:lvl4pPr>
-            <a:lvl5pPr lvl="4">
+            <a:lvl5pPr lvl="4" rtl="0">
               <a:spcBef>
                 <a:spcPts val="0"/>
               </a:spcBef>
@@ -4481,7 +4681,7 @@
               <a:buNone/>
               <a:defRPr sz="3000"/>
             </a:lvl5pPr>
-            <a:lvl6pPr lvl="5">
+            <a:lvl6pPr lvl="5" rtl="0">
               <a:spcBef>
                 <a:spcPts val="0"/>
               </a:spcBef>
@@ -4492,7 +4692,7 @@
               <a:buNone/>
               <a:defRPr sz="3000"/>
             </a:lvl6pPr>
-            <a:lvl7pPr lvl="6">
+            <a:lvl7pPr lvl="6" rtl="0">
               <a:spcBef>
                 <a:spcPts val="0"/>
               </a:spcBef>
@@ -4503,7 +4703,7 @@
               <a:buNone/>
               <a:defRPr sz="3000"/>
             </a:lvl7pPr>
-            <a:lvl8pPr lvl="7">
+            <a:lvl8pPr lvl="7" rtl="0">
               <a:spcBef>
                 <a:spcPts val="0"/>
               </a:spcBef>
@@ -4514,7 +4714,7 @@
               <a:buNone/>
               <a:defRPr sz="3000"/>
             </a:lvl8pPr>
-            <a:lvl9pPr lvl="8">
+            <a:lvl9pPr lvl="8" rtl="0">
               <a:spcBef>
                 <a:spcPts val="0"/>
               </a:spcBef>
@@ -4551,7 +4751,7 @@
             <a:normAutofit/>
           </a:bodyPr>
           <a:lstStyle>
-            <a:lvl1pPr indent="-304800" lvl="0" marL="457200">
+            <a:lvl1pPr indent="-304800" lvl="0" marL="457200" rtl="0">
               <a:spcBef>
                 <a:spcPts val="0"/>
               </a:spcBef>
@@ -4562,7 +4762,7 @@
               <a:buChar char="●"/>
               <a:defRPr sz="1200"/>
             </a:lvl1pPr>
-            <a:lvl2pPr indent="-304800" lvl="1" marL="914400">
+            <a:lvl2pPr indent="-304800" lvl="1" marL="914400" rtl="0">
               <a:spcBef>
                 <a:spcPts val="0"/>
               </a:spcBef>
@@ -4573,7 +4773,7 @@
               <a:buChar char="○"/>
               <a:defRPr sz="1200"/>
             </a:lvl2pPr>
-            <a:lvl3pPr indent="-304800" lvl="2" marL="1371600">
+            <a:lvl3pPr indent="-304800" lvl="2" marL="1371600" rtl="0">
               <a:spcBef>
                 <a:spcPts val="0"/>
               </a:spcBef>
@@ -4584,7 +4784,7 @@
               <a:buChar char="■"/>
               <a:defRPr sz="1200"/>
             </a:lvl3pPr>
-            <a:lvl4pPr indent="-304800" lvl="3" marL="1828800">
+            <a:lvl4pPr indent="-304800" lvl="3" marL="1828800" rtl="0">
               <a:spcBef>
                 <a:spcPts val="0"/>
               </a:spcBef>
@@ -4595,7 +4795,7 @@
               <a:buChar char="●"/>
               <a:defRPr sz="1200"/>
             </a:lvl4pPr>
-            <a:lvl5pPr indent="-304800" lvl="4" marL="2286000">
+            <a:lvl5pPr indent="-304800" lvl="4" marL="2286000" rtl="0">
               <a:spcBef>
                 <a:spcPts val="0"/>
               </a:spcBef>
@@ -4606,7 +4806,7 @@
               <a:buChar char="○"/>
               <a:defRPr sz="1200"/>
             </a:lvl5pPr>
-            <a:lvl6pPr indent="-304800" lvl="5" marL="2743200">
+            <a:lvl6pPr indent="-304800" lvl="5" marL="2743200" rtl="0">
               <a:spcBef>
                 <a:spcPts val="0"/>
               </a:spcBef>
@@ -4617,7 +4817,7 @@
               <a:buChar char="■"/>
               <a:defRPr sz="1200"/>
             </a:lvl6pPr>
-            <a:lvl7pPr indent="-304800" lvl="6" marL="3200400">
+            <a:lvl7pPr indent="-304800" lvl="6" marL="3200400" rtl="0">
               <a:spcBef>
                 <a:spcPts val="0"/>
               </a:spcBef>
@@ -4628,7 +4828,7 @@
               <a:buChar char="●"/>
               <a:defRPr sz="1200"/>
             </a:lvl7pPr>
-            <a:lvl8pPr indent="-304800" lvl="7" marL="3657600">
+            <a:lvl8pPr indent="-304800" lvl="7" marL="3657600" rtl="0">
               <a:spcBef>
                 <a:spcPts val="0"/>
               </a:spcBef>
@@ -4639,7 +4839,7 @@
               <a:buChar char="○"/>
               <a:defRPr sz="1200"/>
             </a:lvl8pPr>
-            <a:lvl9pPr indent="-304800" lvl="8" marL="4114800">
+            <a:lvl9pPr indent="-304800" lvl="8" marL="4114800" rtl="0">
               <a:spcBef>
                 <a:spcPts val="0"/>
               </a:spcBef>
@@ -4676,39 +4876,39 @@
             <a:normAutofit/>
           </a:bodyPr>
           <a:lstStyle>
-            <a:lvl1pPr lvl="0">
+            <a:lvl1pPr lvl="0" rtl="0">
               <a:buNone/>
               <a:defRPr/>
             </a:lvl1pPr>
-            <a:lvl2pPr lvl="1">
+            <a:lvl2pPr lvl="1" rtl="0">
               <a:buNone/>
               <a:defRPr/>
             </a:lvl2pPr>
-            <a:lvl3pPr lvl="2">
+            <a:lvl3pPr lvl="2" rtl="0">
               <a:buNone/>
               <a:defRPr/>
             </a:lvl3pPr>
-            <a:lvl4pPr lvl="3">
+            <a:lvl4pPr lvl="3" rtl="0">
               <a:buNone/>
               <a:defRPr/>
             </a:lvl4pPr>
-            <a:lvl5pPr lvl="4">
+            <a:lvl5pPr lvl="4" rtl="0">
               <a:buNone/>
               <a:defRPr/>
             </a:lvl5pPr>
-            <a:lvl6pPr lvl="5">
+            <a:lvl6pPr lvl="5" rtl="0">
               <a:buNone/>
               <a:defRPr/>
             </a:lvl6pPr>
-            <a:lvl7pPr lvl="6">
+            <a:lvl7pPr lvl="6" rtl="0">
               <a:buNone/>
               <a:defRPr/>
             </a:lvl7pPr>
-            <a:lvl8pPr lvl="7">
+            <a:lvl8pPr lvl="7" rtl="0">
               <a:buNone/>
               <a:defRPr/>
             </a:lvl8pPr>
-            <a:lvl9pPr lvl="8">
+            <a:lvl9pPr lvl="8" rtl="0">
               <a:buNone/>
               <a:defRPr/>
             </a:lvl9pPr>
@@ -4821,7 +5021,7 @@
             <a:normAutofit/>
           </a:bodyPr>
           <a:lstStyle>
-            <a:lvl1pPr lvl="0">
+            <a:lvl1pPr lvl="0" rtl="0">
               <a:spcBef>
                 <a:spcPts val="0"/>
               </a:spcBef>
@@ -4832,7 +5032,7 @@
               <a:buNone/>
               <a:defRPr sz="4800"/>
             </a:lvl1pPr>
-            <a:lvl2pPr lvl="1">
+            <a:lvl2pPr lvl="1" rtl="0">
               <a:spcBef>
                 <a:spcPts val="0"/>
               </a:spcBef>
@@ -4843,7 +5043,7 @@
               <a:buNone/>
               <a:defRPr sz="4800"/>
             </a:lvl2pPr>
-            <a:lvl3pPr lvl="2">
+            <a:lvl3pPr lvl="2" rtl="0">
               <a:spcBef>
                 <a:spcPts val="0"/>
               </a:spcBef>
@@ -4854,7 +5054,7 @@
               <a:buNone/>
               <a:defRPr sz="4800"/>
             </a:lvl3pPr>
-            <a:lvl4pPr lvl="3">
+            <a:lvl4pPr lvl="3" rtl="0">
               <a:spcBef>
                 <a:spcPts val="0"/>
               </a:spcBef>
@@ -4865,7 +5065,7 @@
               <a:buNone/>
               <a:defRPr sz="4800"/>
             </a:lvl4pPr>
-            <a:lvl5pPr lvl="4">
+            <a:lvl5pPr lvl="4" rtl="0">
               <a:spcBef>
                 <a:spcPts val="0"/>
               </a:spcBef>
@@ -4876,7 +5076,7 @@
               <a:buNone/>
               <a:defRPr sz="4800"/>
             </a:lvl5pPr>
-            <a:lvl6pPr lvl="5">
+            <a:lvl6pPr lvl="5" rtl="0">
               <a:spcBef>
                 <a:spcPts val="0"/>
               </a:spcBef>
@@ -4887,7 +5087,7 @@
               <a:buNone/>
               <a:defRPr sz="4800"/>
             </a:lvl6pPr>
-            <a:lvl7pPr lvl="6">
+            <a:lvl7pPr lvl="6" rtl="0">
               <a:spcBef>
                 <a:spcPts val="0"/>
               </a:spcBef>
@@ -4898,7 +5098,7 @@
               <a:buNone/>
               <a:defRPr sz="4800"/>
             </a:lvl7pPr>
-            <a:lvl8pPr lvl="7">
+            <a:lvl8pPr lvl="7" rtl="0">
               <a:spcBef>
                 <a:spcPts val="0"/>
               </a:spcBef>
@@ -4909,7 +5109,7 @@
               <a:buNone/>
               <a:defRPr sz="4800"/>
             </a:lvl8pPr>
-            <a:lvl9pPr lvl="8">
+            <a:lvl9pPr lvl="8" rtl="0">
               <a:spcBef>
                 <a:spcPts val="0"/>
               </a:spcBef>
@@ -4946,39 +5146,39 @@
             <a:normAutofit/>
           </a:bodyPr>
           <a:lstStyle>
-            <a:lvl1pPr lvl="0">
+            <a:lvl1pPr lvl="0" rtl="0">
               <a:buNone/>
               <a:defRPr/>
             </a:lvl1pPr>
-            <a:lvl2pPr lvl="1">
+            <a:lvl2pPr lvl="1" rtl="0">
               <a:buNone/>
               <a:defRPr/>
             </a:lvl2pPr>
-            <a:lvl3pPr lvl="2">
+            <a:lvl3pPr lvl="2" rtl="0">
               <a:buNone/>
               <a:defRPr/>
             </a:lvl3pPr>
-            <a:lvl4pPr lvl="3">
+            <a:lvl4pPr lvl="3" rtl="0">
               <a:buNone/>
               <a:defRPr/>
             </a:lvl4pPr>
-            <a:lvl5pPr lvl="4">
+            <a:lvl5pPr lvl="4" rtl="0">
               <a:buNone/>
               <a:defRPr/>
             </a:lvl5pPr>
-            <a:lvl6pPr lvl="5">
+            <a:lvl6pPr lvl="5" rtl="0">
               <a:buNone/>
               <a:defRPr/>
             </a:lvl6pPr>
-            <a:lvl7pPr lvl="6">
+            <a:lvl7pPr lvl="6" rtl="0">
               <a:buNone/>
               <a:defRPr/>
             </a:lvl7pPr>
-            <a:lvl8pPr lvl="7">
+            <a:lvl8pPr lvl="7" rtl="0">
               <a:buNone/>
               <a:defRPr/>
             </a:lvl8pPr>
-            <a:lvl9pPr lvl="8">
+            <a:lvl9pPr lvl="8" rtl="0">
               <a:buNone/>
               <a:defRPr/>
             </a:lvl9pPr>
@@ -5117,7 +5317,7 @@
             <a:normAutofit/>
           </a:bodyPr>
           <a:lstStyle>
-            <a:lvl1pPr lvl="0" algn="ctr">
+            <a:lvl1pPr lvl="0" rtl="0" algn="ctr">
               <a:spcBef>
                 <a:spcPts val="0"/>
               </a:spcBef>
@@ -5135,7 +5335,7 @@
                 </a:solidFill>
               </a:defRPr>
             </a:lvl1pPr>
-            <a:lvl2pPr lvl="1" algn="ctr">
+            <a:lvl2pPr lvl="1" rtl="0" algn="ctr">
               <a:spcBef>
                 <a:spcPts val="0"/>
               </a:spcBef>
@@ -5153,7 +5353,7 @@
                 </a:solidFill>
               </a:defRPr>
             </a:lvl2pPr>
-            <a:lvl3pPr lvl="2" algn="ctr">
+            <a:lvl3pPr lvl="2" rtl="0" algn="ctr">
               <a:spcBef>
                 <a:spcPts val="0"/>
               </a:spcBef>
@@ -5171,7 +5371,7 @@
                 </a:solidFill>
               </a:defRPr>
             </a:lvl3pPr>
-            <a:lvl4pPr lvl="3" algn="ctr">
+            <a:lvl4pPr lvl="3" rtl="0" algn="ctr">
               <a:spcBef>
                 <a:spcPts val="0"/>
               </a:spcBef>
@@ -5189,7 +5389,7 @@
                 </a:solidFill>
               </a:defRPr>
             </a:lvl4pPr>
-            <a:lvl5pPr lvl="4" algn="ctr">
+            <a:lvl5pPr lvl="4" rtl="0" algn="ctr">
               <a:spcBef>
                 <a:spcPts val="0"/>
               </a:spcBef>
@@ -5207,7 +5407,7 @@
                 </a:solidFill>
               </a:defRPr>
             </a:lvl5pPr>
-            <a:lvl6pPr lvl="5" algn="ctr">
+            <a:lvl6pPr lvl="5" rtl="0" algn="ctr">
               <a:spcBef>
                 <a:spcPts val="0"/>
               </a:spcBef>
@@ -5225,7 +5425,7 @@
                 </a:solidFill>
               </a:defRPr>
             </a:lvl6pPr>
-            <a:lvl7pPr lvl="6" algn="ctr">
+            <a:lvl7pPr lvl="6" rtl="0" algn="ctr">
               <a:spcBef>
                 <a:spcPts val="0"/>
               </a:spcBef>
@@ -5243,7 +5443,7 @@
                 </a:solidFill>
               </a:defRPr>
             </a:lvl7pPr>
-            <a:lvl8pPr lvl="7" algn="ctr">
+            <a:lvl8pPr lvl="7" rtl="0" algn="ctr">
               <a:spcBef>
                 <a:spcPts val="0"/>
               </a:spcBef>
@@ -5261,7 +5461,7 @@
                 </a:solidFill>
               </a:defRPr>
             </a:lvl8pPr>
-            <a:lvl9pPr lvl="8" algn="ctr">
+            <a:lvl9pPr lvl="8" rtl="0" algn="ctr">
               <a:spcBef>
                 <a:spcPts val="0"/>
               </a:spcBef>
@@ -5305,7 +5505,7 @@
             <a:normAutofit/>
           </a:bodyPr>
           <a:lstStyle>
-            <a:lvl1pPr lvl="0" algn="ctr">
+            <a:lvl1pPr lvl="0" rtl="0" algn="ctr">
               <a:lnSpc>
                 <a:spcPct val="100000"/>
               </a:lnSpc>
@@ -5325,7 +5525,7 @@
                 <a:sym typeface="Economica"/>
               </a:defRPr>
             </a:lvl1pPr>
-            <a:lvl2pPr lvl="1" algn="ctr">
+            <a:lvl2pPr lvl="1" rtl="0" algn="ctr">
               <a:lnSpc>
                 <a:spcPct val="100000"/>
               </a:lnSpc>
@@ -5345,7 +5545,7 @@
                 <a:sym typeface="Economica"/>
               </a:defRPr>
             </a:lvl2pPr>
-            <a:lvl3pPr lvl="2" algn="ctr">
+            <a:lvl3pPr lvl="2" rtl="0" algn="ctr">
               <a:lnSpc>
                 <a:spcPct val="100000"/>
               </a:lnSpc>
@@ -5365,7 +5565,7 @@
                 <a:sym typeface="Economica"/>
               </a:defRPr>
             </a:lvl3pPr>
-            <a:lvl4pPr lvl="3" algn="ctr">
+            <a:lvl4pPr lvl="3" rtl="0" algn="ctr">
               <a:lnSpc>
                 <a:spcPct val="100000"/>
               </a:lnSpc>
@@ -5385,7 +5585,7 @@
                 <a:sym typeface="Economica"/>
               </a:defRPr>
             </a:lvl4pPr>
-            <a:lvl5pPr lvl="4" algn="ctr">
+            <a:lvl5pPr lvl="4" rtl="0" algn="ctr">
               <a:lnSpc>
                 <a:spcPct val="100000"/>
               </a:lnSpc>
@@ -5405,7 +5605,7 @@
                 <a:sym typeface="Economica"/>
               </a:defRPr>
             </a:lvl5pPr>
-            <a:lvl6pPr lvl="5" algn="ctr">
+            <a:lvl6pPr lvl="5" rtl="0" algn="ctr">
               <a:lnSpc>
                 <a:spcPct val="100000"/>
               </a:lnSpc>
@@ -5425,7 +5625,7 @@
                 <a:sym typeface="Economica"/>
               </a:defRPr>
             </a:lvl6pPr>
-            <a:lvl7pPr lvl="6" algn="ctr">
+            <a:lvl7pPr lvl="6" rtl="0" algn="ctr">
               <a:lnSpc>
                 <a:spcPct val="100000"/>
               </a:lnSpc>
@@ -5445,7 +5645,7 @@
                 <a:sym typeface="Economica"/>
               </a:defRPr>
             </a:lvl7pPr>
-            <a:lvl8pPr lvl="7" algn="ctr">
+            <a:lvl8pPr lvl="7" rtl="0" algn="ctr">
               <a:lnSpc>
                 <a:spcPct val="100000"/>
               </a:lnSpc>
@@ -5465,7 +5665,7 @@
                 <a:sym typeface="Economica"/>
               </a:defRPr>
             </a:lvl8pPr>
-            <a:lvl9pPr lvl="8" algn="ctr">
+            <a:lvl9pPr lvl="8" rtl="0" algn="ctr">
               <a:lnSpc>
                 <a:spcPct val="100000"/>
               </a:lnSpc>
@@ -5511,7 +5711,7 @@
             <a:normAutofit/>
           </a:bodyPr>
           <a:lstStyle>
-            <a:lvl1pPr indent="-342900" lvl="0" marL="457200">
+            <a:lvl1pPr indent="-342900" lvl="0" marL="457200" rtl="0">
               <a:spcBef>
                 <a:spcPts val="0"/>
               </a:spcBef>
@@ -5529,7 +5729,7 @@
                 </a:solidFill>
               </a:defRPr>
             </a:lvl1pPr>
-            <a:lvl2pPr indent="-317500" lvl="1" marL="914400">
+            <a:lvl2pPr indent="-317500" lvl="1" marL="914400" rtl="0">
               <a:spcBef>
                 <a:spcPts val="0"/>
               </a:spcBef>
@@ -5547,7 +5747,7 @@
                 </a:solidFill>
               </a:defRPr>
             </a:lvl2pPr>
-            <a:lvl3pPr indent="-317500" lvl="2" marL="1371600">
+            <a:lvl3pPr indent="-317500" lvl="2" marL="1371600" rtl="0">
               <a:spcBef>
                 <a:spcPts val="0"/>
               </a:spcBef>
@@ -5565,7 +5765,7 @@
                 </a:solidFill>
               </a:defRPr>
             </a:lvl3pPr>
-            <a:lvl4pPr indent="-317500" lvl="3" marL="1828800">
+            <a:lvl4pPr indent="-317500" lvl="3" marL="1828800" rtl="0">
               <a:spcBef>
                 <a:spcPts val="0"/>
               </a:spcBef>
@@ -5583,7 +5783,7 @@
                 </a:solidFill>
               </a:defRPr>
             </a:lvl4pPr>
-            <a:lvl5pPr indent="-317500" lvl="4" marL="2286000">
+            <a:lvl5pPr indent="-317500" lvl="4" marL="2286000" rtl="0">
               <a:spcBef>
                 <a:spcPts val="0"/>
               </a:spcBef>
@@ -5601,7 +5801,7 @@
                 </a:solidFill>
               </a:defRPr>
             </a:lvl5pPr>
-            <a:lvl6pPr indent="-317500" lvl="5" marL="2743200">
+            <a:lvl6pPr indent="-317500" lvl="5" marL="2743200" rtl="0">
               <a:spcBef>
                 <a:spcPts val="0"/>
               </a:spcBef>
@@ -5619,7 +5819,7 @@
                 </a:solidFill>
               </a:defRPr>
             </a:lvl6pPr>
-            <a:lvl7pPr indent="-317500" lvl="6" marL="3200400">
+            <a:lvl7pPr indent="-317500" lvl="6" marL="3200400" rtl="0">
               <a:spcBef>
                 <a:spcPts val="0"/>
               </a:spcBef>
@@ -5637,7 +5837,7 @@
                 </a:solidFill>
               </a:defRPr>
             </a:lvl7pPr>
-            <a:lvl8pPr indent="-317500" lvl="7" marL="3657600">
+            <a:lvl8pPr indent="-317500" lvl="7" marL="3657600" rtl="0">
               <a:spcBef>
                 <a:spcPts val="0"/>
               </a:spcBef>
@@ -5655,7 +5855,7 @@
                 </a:solidFill>
               </a:defRPr>
             </a:lvl8pPr>
-            <a:lvl9pPr indent="-317500" lvl="8" marL="4114800">
+            <a:lvl9pPr indent="-317500" lvl="8" marL="4114800" rtl="0">
               <a:spcBef>
                 <a:spcPts val="0"/>
               </a:spcBef>
@@ -5699,7 +5899,7 @@
             <a:normAutofit/>
           </a:bodyPr>
           <a:lstStyle>
-            <a:lvl1pPr lvl="0">
+            <a:lvl1pPr lvl="0" rtl="0">
               <a:buNone/>
               <a:defRPr>
                 <a:solidFill>
@@ -5707,7 +5907,7 @@
                 </a:solidFill>
               </a:defRPr>
             </a:lvl1pPr>
-            <a:lvl2pPr lvl="1">
+            <a:lvl2pPr lvl="1" rtl="0">
               <a:buNone/>
               <a:defRPr>
                 <a:solidFill>
@@ -5715,7 +5915,7 @@
                 </a:solidFill>
               </a:defRPr>
             </a:lvl2pPr>
-            <a:lvl3pPr lvl="2">
+            <a:lvl3pPr lvl="2" rtl="0">
               <a:buNone/>
               <a:defRPr>
                 <a:solidFill>
@@ -5723,7 +5923,7 @@
                 </a:solidFill>
               </a:defRPr>
             </a:lvl3pPr>
-            <a:lvl4pPr lvl="3">
+            <a:lvl4pPr lvl="3" rtl="0">
               <a:buNone/>
               <a:defRPr>
                 <a:solidFill>
@@ -5731,7 +5931,7 @@
                 </a:solidFill>
               </a:defRPr>
             </a:lvl4pPr>
-            <a:lvl5pPr lvl="4">
+            <a:lvl5pPr lvl="4" rtl="0">
               <a:buNone/>
               <a:defRPr>
                 <a:solidFill>
@@ -5739,7 +5939,7 @@
                 </a:solidFill>
               </a:defRPr>
             </a:lvl5pPr>
-            <a:lvl6pPr lvl="5">
+            <a:lvl6pPr lvl="5" rtl="0">
               <a:buNone/>
               <a:defRPr>
                 <a:solidFill>
@@ -5747,7 +5947,7 @@
                 </a:solidFill>
               </a:defRPr>
             </a:lvl6pPr>
-            <a:lvl7pPr lvl="6">
+            <a:lvl7pPr lvl="6" rtl="0">
               <a:buNone/>
               <a:defRPr>
                 <a:solidFill>
@@ -5755,7 +5955,7 @@
                 </a:solidFill>
               </a:defRPr>
             </a:lvl7pPr>
-            <a:lvl8pPr lvl="7">
+            <a:lvl8pPr lvl="7" rtl="0">
               <a:buNone/>
               <a:defRPr>
                 <a:solidFill>
@@ -5763,7 +5963,7 @@
                 </a:solidFill>
               </a:defRPr>
             </a:lvl8pPr>
-            <a:lvl9pPr lvl="8">
+            <a:lvl9pPr lvl="8" rtl="0">
               <a:buNone/>
               <a:defRPr>
                 <a:solidFill>
@@ -5837,7 +6037,7 @@
             <a:normAutofit/>
           </a:bodyPr>
           <a:lstStyle>
-            <a:lvl1pPr indent="-228600" lvl="0" marL="457200">
+            <a:lvl1pPr indent="-228600" lvl="0" marL="457200" rtl="0">
               <a:lnSpc>
                 <a:spcPct val="100000"/>
               </a:lnSpc>
@@ -5883,39 +6083,39 @@
             <a:normAutofit/>
           </a:bodyPr>
           <a:lstStyle>
-            <a:lvl1pPr lvl="0">
+            <a:lvl1pPr lvl="0" rtl="0">
               <a:buNone/>
               <a:defRPr/>
             </a:lvl1pPr>
-            <a:lvl2pPr lvl="1">
+            <a:lvl2pPr lvl="1" rtl="0">
               <a:buNone/>
               <a:defRPr/>
             </a:lvl2pPr>
-            <a:lvl3pPr lvl="2">
+            <a:lvl3pPr lvl="2" rtl="0">
               <a:buNone/>
               <a:defRPr/>
             </a:lvl3pPr>
-            <a:lvl4pPr lvl="3">
+            <a:lvl4pPr lvl="3" rtl="0">
               <a:buNone/>
               <a:defRPr/>
             </a:lvl4pPr>
-            <a:lvl5pPr lvl="4">
+            <a:lvl5pPr lvl="4" rtl="0">
               <a:buNone/>
               <a:defRPr/>
             </a:lvl5pPr>
-            <a:lvl6pPr lvl="5">
+            <a:lvl6pPr lvl="5" rtl="0">
               <a:buNone/>
               <a:defRPr/>
             </a:lvl6pPr>
-            <a:lvl7pPr lvl="6">
+            <a:lvl7pPr lvl="6" rtl="0">
               <a:buNone/>
               <a:defRPr/>
             </a:lvl7pPr>
-            <a:lvl8pPr lvl="7">
+            <a:lvl8pPr lvl="7" rtl="0">
               <a:buNone/>
               <a:defRPr/>
             </a:lvl8pPr>
-            <a:lvl9pPr lvl="8">
+            <a:lvl9pPr lvl="8" rtl="0">
               <a:buNone/>
               <a:defRPr/>
             </a:lvl9pPr>
@@ -5996,7 +6196,7 @@
             <a:normAutofit/>
           </a:bodyPr>
           <a:lstStyle>
-            <a:lvl1pPr lvl="0">
+            <a:lvl1pPr lvl="0" rtl="0">
               <a:spcBef>
                 <a:spcPts val="0"/>
               </a:spcBef>
@@ -6019,7 +6219,7 @@
                 <a:sym typeface="Economica"/>
               </a:defRPr>
             </a:lvl1pPr>
-            <a:lvl2pPr lvl="1">
+            <a:lvl2pPr lvl="1" rtl="0">
               <a:spcBef>
                 <a:spcPts val="0"/>
               </a:spcBef>
@@ -6042,7 +6242,7 @@
                 <a:sym typeface="Economica"/>
               </a:defRPr>
             </a:lvl2pPr>
-            <a:lvl3pPr lvl="2">
+            <a:lvl3pPr lvl="2" rtl="0">
               <a:spcBef>
                 <a:spcPts val="0"/>
               </a:spcBef>
@@ -6065,7 +6265,7 @@
                 <a:sym typeface="Economica"/>
               </a:defRPr>
             </a:lvl3pPr>
-            <a:lvl4pPr lvl="3">
+            <a:lvl4pPr lvl="3" rtl="0">
               <a:spcBef>
                 <a:spcPts val="0"/>
               </a:spcBef>
@@ -6088,7 +6288,7 @@
                 <a:sym typeface="Economica"/>
               </a:defRPr>
             </a:lvl4pPr>
-            <a:lvl5pPr lvl="4">
+            <a:lvl5pPr lvl="4" rtl="0">
               <a:spcBef>
                 <a:spcPts val="0"/>
               </a:spcBef>
@@ -6111,7 +6311,7 @@
                 <a:sym typeface="Economica"/>
               </a:defRPr>
             </a:lvl5pPr>
-            <a:lvl6pPr lvl="5">
+            <a:lvl6pPr lvl="5" rtl="0">
               <a:spcBef>
                 <a:spcPts val="0"/>
               </a:spcBef>
@@ -6134,7 +6334,7 @@
                 <a:sym typeface="Economica"/>
               </a:defRPr>
             </a:lvl6pPr>
-            <a:lvl7pPr lvl="6">
+            <a:lvl7pPr lvl="6" rtl="0">
               <a:spcBef>
                 <a:spcPts val="0"/>
               </a:spcBef>
@@ -6157,7 +6357,7 @@
                 <a:sym typeface="Economica"/>
               </a:defRPr>
             </a:lvl7pPr>
-            <a:lvl8pPr lvl="7">
+            <a:lvl8pPr lvl="7" rtl="0">
               <a:spcBef>
                 <a:spcPts val="0"/>
               </a:spcBef>
@@ -6180,7 +6380,7 @@
                 <a:sym typeface="Economica"/>
               </a:defRPr>
             </a:lvl8pPr>
-            <a:lvl9pPr lvl="8">
+            <a:lvl9pPr lvl="8" rtl="0">
               <a:spcBef>
                 <a:spcPts val="0"/>
               </a:spcBef>
@@ -6233,7 +6433,7 @@
             <a:normAutofit/>
           </a:bodyPr>
           <a:lstStyle>
-            <a:lvl1pPr indent="-342900" lvl="0" marL="457200">
+            <a:lvl1pPr indent="-342900" lvl="0" marL="457200" rtl="0">
               <a:lnSpc>
                 <a:spcPct val="115000"/>
               </a:lnSpc>
@@ -6259,7 +6459,7 @@
                 <a:sym typeface="Open Sans"/>
               </a:defRPr>
             </a:lvl1pPr>
-            <a:lvl2pPr indent="-317500" lvl="1" marL="914400">
+            <a:lvl2pPr indent="-317500" lvl="1" marL="914400" rtl="0">
               <a:lnSpc>
                 <a:spcPct val="115000"/>
               </a:lnSpc>
@@ -6285,7 +6485,7 @@
                 <a:sym typeface="Open Sans"/>
               </a:defRPr>
             </a:lvl2pPr>
-            <a:lvl3pPr indent="-317500" lvl="2" marL="1371600">
+            <a:lvl3pPr indent="-317500" lvl="2" marL="1371600" rtl="0">
               <a:lnSpc>
                 <a:spcPct val="115000"/>
               </a:lnSpc>
@@ -6311,7 +6511,7 @@
                 <a:sym typeface="Open Sans"/>
               </a:defRPr>
             </a:lvl3pPr>
-            <a:lvl4pPr indent="-317500" lvl="3" marL="1828800">
+            <a:lvl4pPr indent="-317500" lvl="3" marL="1828800" rtl="0">
               <a:lnSpc>
                 <a:spcPct val="115000"/>
               </a:lnSpc>
@@ -6337,7 +6537,7 @@
                 <a:sym typeface="Open Sans"/>
               </a:defRPr>
             </a:lvl4pPr>
-            <a:lvl5pPr indent="-317500" lvl="4" marL="2286000">
+            <a:lvl5pPr indent="-317500" lvl="4" marL="2286000" rtl="0">
               <a:lnSpc>
                 <a:spcPct val="115000"/>
               </a:lnSpc>
@@ -6363,7 +6563,7 @@
                 <a:sym typeface="Open Sans"/>
               </a:defRPr>
             </a:lvl5pPr>
-            <a:lvl6pPr indent="-317500" lvl="5" marL="2743200">
+            <a:lvl6pPr indent="-317500" lvl="5" marL="2743200" rtl="0">
               <a:lnSpc>
                 <a:spcPct val="115000"/>
               </a:lnSpc>
@@ -6389,7 +6589,7 @@
                 <a:sym typeface="Open Sans"/>
               </a:defRPr>
             </a:lvl6pPr>
-            <a:lvl7pPr indent="-317500" lvl="6" marL="3200400">
+            <a:lvl7pPr indent="-317500" lvl="6" marL="3200400" rtl="0">
               <a:lnSpc>
                 <a:spcPct val="115000"/>
               </a:lnSpc>
@@ -6415,7 +6615,7 @@
                 <a:sym typeface="Open Sans"/>
               </a:defRPr>
             </a:lvl7pPr>
-            <a:lvl8pPr indent="-317500" lvl="7" marL="3657600">
+            <a:lvl8pPr indent="-317500" lvl="7" marL="3657600" rtl="0">
               <a:lnSpc>
                 <a:spcPct val="115000"/>
               </a:lnSpc>
@@ -6441,7 +6641,7 @@
                 <a:sym typeface="Open Sans"/>
               </a:defRPr>
             </a:lvl8pPr>
-            <a:lvl9pPr indent="-317500" lvl="8" marL="4114800">
+            <a:lvl9pPr indent="-317500" lvl="8" marL="4114800" rtl="0">
               <a:lnSpc>
                 <a:spcPct val="115000"/>
               </a:lnSpc>
@@ -6497,7 +6697,7 @@
             <a:normAutofit/>
           </a:bodyPr>
           <a:lstStyle>
-            <a:lvl1pPr lvl="0" algn="r">
+            <a:lvl1pPr lvl="0" rtl="0" algn="r">
               <a:buNone/>
               <a:defRPr sz="1000">
                 <a:solidFill>
@@ -6509,7 +6709,7 @@
                 <a:sym typeface="Economica"/>
               </a:defRPr>
             </a:lvl1pPr>
-            <a:lvl2pPr lvl="1" algn="r">
+            <a:lvl2pPr lvl="1" rtl="0" algn="r">
               <a:buNone/>
               <a:defRPr sz="1000">
                 <a:solidFill>
@@ -6521,7 +6721,7 @@
                 <a:sym typeface="Economica"/>
               </a:defRPr>
             </a:lvl2pPr>
-            <a:lvl3pPr lvl="2" algn="r">
+            <a:lvl3pPr lvl="2" rtl="0" algn="r">
               <a:buNone/>
               <a:defRPr sz="1000">
                 <a:solidFill>
@@ -6533,7 +6733,7 @@
                 <a:sym typeface="Economica"/>
               </a:defRPr>
             </a:lvl3pPr>
-            <a:lvl4pPr lvl="3" algn="r">
+            <a:lvl4pPr lvl="3" rtl="0" algn="r">
               <a:buNone/>
               <a:defRPr sz="1000">
                 <a:solidFill>
@@ -6545,7 +6745,7 @@
                 <a:sym typeface="Economica"/>
               </a:defRPr>
             </a:lvl4pPr>
-            <a:lvl5pPr lvl="4" algn="r">
+            <a:lvl5pPr lvl="4" rtl="0" algn="r">
               <a:buNone/>
               <a:defRPr sz="1000">
                 <a:solidFill>
@@ -6557,7 +6757,7 @@
                 <a:sym typeface="Economica"/>
               </a:defRPr>
             </a:lvl5pPr>
-            <a:lvl6pPr lvl="5" algn="r">
+            <a:lvl6pPr lvl="5" rtl="0" algn="r">
               <a:buNone/>
               <a:defRPr sz="1000">
                 <a:solidFill>
@@ -6569,7 +6769,7 @@
                 <a:sym typeface="Economica"/>
               </a:defRPr>
             </a:lvl6pPr>
-            <a:lvl7pPr lvl="6" algn="r">
+            <a:lvl7pPr lvl="6" rtl="0" algn="r">
               <a:buNone/>
               <a:defRPr sz="1000">
                 <a:solidFill>
@@ -6581,7 +6781,7 @@
                 <a:sym typeface="Economica"/>
               </a:defRPr>
             </a:lvl7pPr>
-            <a:lvl8pPr lvl="7" algn="r">
+            <a:lvl8pPr lvl="7" rtl="0" algn="r">
               <a:buNone/>
               <a:defRPr sz="1000">
                 <a:solidFill>
@@ -6593,7 +6793,7 @@
                 <a:sym typeface="Economica"/>
               </a:defRPr>
             </a:lvl8pPr>
-            <a:lvl9pPr lvl="8" algn="r">
+            <a:lvl9pPr lvl="8" rtl="0" algn="r">
               <a:buNone/>
               <a:defRPr sz="1000">
                 <a:solidFill>
@@ -7727,182 +7927,6 @@
   <p:cSld>
     <p:spTree>
       <p:nvGrpSpPr>
-        <p:cNvPr id="138" name="Shape 138"/>
-        <p:cNvGrpSpPr/>
-        <p:nvPr/>
-      </p:nvGrpSpPr>
-      <p:grpSpPr>
-        <a:xfrm>
-          <a:off x="0" y="0"/>
-          <a:ext cx="0" cy="0"/>
-          <a:chOff x="0" y="0"/>
-          <a:chExt cx="0" cy="0"/>
-        </a:xfrm>
-      </p:grpSpPr>
-      <p:sp>
-        <p:nvSpPr>
-          <p:cNvPr id="139" name="Google Shape;139;p22"/>
-          <p:cNvSpPr txBox="1"/>
-          <p:nvPr>
-            <p:ph type="title"/>
-          </p:nvPr>
-        </p:nvSpPr>
-        <p:spPr>
-          <a:xfrm>
-            <a:off x="311700" y="524225"/>
-            <a:ext cx="8520600" cy="831300"/>
-          </a:xfrm>
-          <a:prstGeom prst="rect">
-            <a:avLst/>
-          </a:prstGeom>
-        </p:spPr>
-        <p:txBody>
-          <a:bodyPr anchorCtr="0" anchor="b" bIns="91425" lIns="91425" spcFirstLastPara="1" rIns="91425" wrap="square" tIns="91425">
-            <a:normAutofit/>
-          </a:bodyPr>
-          <a:lstStyle/>
-          <a:p>
-            <a:pPr indent="0" lvl="0" marL="0" rtl="0" algn="ctr">
-              <a:spcBef>
-                <a:spcPts val="0"/>
-              </a:spcBef>
-              <a:spcAft>
-                <a:spcPts val="0"/>
-              </a:spcAft>
-              <a:buNone/>
-            </a:pPr>
-            <a:r>
-              <a:rPr lang="en-GB"/>
-              <a:t>Learning Outcomes</a:t>
-            </a:r>
-            <a:endParaRPr/>
-          </a:p>
-        </p:txBody>
-      </p:sp>
-      <p:sp>
-        <p:nvSpPr>
-          <p:cNvPr id="140" name="Google Shape;140;p22"/>
-          <p:cNvSpPr txBox="1"/>
-          <p:nvPr>
-            <p:ph idx="1" type="body"/>
-          </p:nvPr>
-        </p:nvSpPr>
-        <p:spPr>
-          <a:xfrm>
-            <a:off x="311700" y="1355515"/>
-            <a:ext cx="8520600" cy="3354000"/>
-          </a:xfrm>
-          <a:prstGeom prst="rect">
-            <a:avLst/>
-          </a:prstGeom>
-        </p:spPr>
-        <p:txBody>
-          <a:bodyPr anchorCtr="0" anchor="ctr" bIns="91425" lIns="91425" spcFirstLastPara="1" rIns="91425" wrap="square" tIns="91425">
-            <a:normAutofit/>
-          </a:bodyPr>
-          <a:lstStyle/>
-          <a:p>
-            <a:pPr indent="-342900" lvl="0" marL="457200" rtl="0" algn="l">
-              <a:spcBef>
-                <a:spcPts val="0"/>
-              </a:spcBef>
-              <a:spcAft>
-                <a:spcPts val="0"/>
-              </a:spcAft>
-              <a:buSzPts val="1800"/>
-              <a:buChar char="●"/>
-            </a:pPr>
-            <a:r>
-              <a:rPr lang="en-GB"/>
-              <a:t>T</a:t>
-            </a:r>
-            <a:r>
-              <a:rPr lang="en-GB"/>
-              <a:t>o gain a solid understanding of Machine Learning fundamentals.</a:t>
-            </a:r>
-            <a:endParaRPr/>
-          </a:p>
-          <a:p>
-            <a:pPr indent="-342900" lvl="0" marL="457200" rtl="0" algn="l">
-              <a:spcBef>
-                <a:spcPts val="0"/>
-              </a:spcBef>
-              <a:spcAft>
-                <a:spcPts val="0"/>
-              </a:spcAft>
-              <a:buSzPts val="1800"/>
-              <a:buChar char="●"/>
-            </a:pPr>
-            <a:r>
-              <a:rPr lang="en-GB"/>
-              <a:t>Learn the principles of deep learning and computer vision.</a:t>
-            </a:r>
-            <a:endParaRPr/>
-          </a:p>
-          <a:p>
-            <a:pPr indent="-342900" lvl="0" marL="457200" rtl="0" algn="l">
-              <a:spcBef>
-                <a:spcPts val="0"/>
-              </a:spcBef>
-              <a:spcAft>
-                <a:spcPts val="0"/>
-              </a:spcAft>
-              <a:buSzPts val="1800"/>
-              <a:buChar char="●"/>
-            </a:pPr>
-            <a:r>
-              <a:rPr lang="en-GB"/>
-              <a:t>Know a variety of Optical Character Recognition Models thoroughly.</a:t>
-            </a:r>
-            <a:endParaRPr/>
-          </a:p>
-          <a:p>
-            <a:pPr indent="-342900" lvl="0" marL="457200" rtl="0" algn="l">
-              <a:spcBef>
-                <a:spcPts val="0"/>
-              </a:spcBef>
-              <a:spcAft>
-                <a:spcPts val="0"/>
-              </a:spcAft>
-              <a:buSzPts val="1800"/>
-              <a:buChar char="●"/>
-            </a:pPr>
-            <a:r>
-              <a:rPr lang="en-GB"/>
-              <a:t>Learn how to deploy scalable applications and combine machine learning models with the front end.</a:t>
-            </a:r>
-            <a:endParaRPr/>
-          </a:p>
-          <a:p>
-            <a:pPr indent="0" lvl="0" marL="914400" rtl="0" algn="l">
-              <a:spcBef>
-                <a:spcPts val="1200"/>
-              </a:spcBef>
-              <a:spcAft>
-                <a:spcPts val="1200"/>
-              </a:spcAft>
-              <a:buNone/>
-            </a:pPr>
-            <a:r>
-              <a:t/>
-            </a:r>
-            <a:endParaRPr/>
-          </a:p>
-        </p:txBody>
-      </p:sp>
-    </p:spTree>
-  </p:cSld>
-  <p:clrMapOvr>
-    <a:masterClrMapping/>
-  </p:clrMapOvr>
-</p:sld>
-</file>
-
-<file path=ppt/slides/slide11.xml><?xml version="1.0" encoding="utf-8"?>
-<p:sld xmlns:a="http://schemas.openxmlformats.org/drawingml/2006/main" xmlns:r="http://schemas.openxmlformats.org/officeDocument/2006/relationships" xmlns:mc="http://schemas.openxmlformats.org/markup-compatibility/2006" xmlns:mv="urn:schemas-microsoft-com:mac:vml" xmlns:p="http://schemas.openxmlformats.org/presentationml/2006/main" xmlns:c="http://schemas.openxmlformats.org/drawingml/2006/chart" xmlns:dgm="http://schemas.openxmlformats.org/drawingml/2006/diagram" xmlns:o="urn:schemas-microsoft-com:office:office" xmlns:v="urn:schemas-microsoft-com:vml" xmlns:pvml="urn:schemas-microsoft-com:office:powerpoint" xmlns:com="http://schemas.openxmlformats.org/drawingml/2006/compatibility" xmlns:p14="http://schemas.microsoft.com/office/powerpoint/2010/main" xmlns:p15="http://schemas.microsoft.com/office/powerpoint/2012/main" xmlns:ahyp="http://schemas.microsoft.com/office/drawing/2018/hyperlinkcolor">
-  <p:cSld>
-    <p:spTree>
-      <p:nvGrpSpPr>
         <p:cNvPr id="144" name="Shape 144"/>
         <p:cNvGrpSpPr/>
         <p:nvPr/>
@@ -7917,7 +7941,7 @@
       </p:grpSpPr>
       <p:sp>
         <p:nvSpPr>
-          <p:cNvPr id="145" name="Google Shape;145;p23"/>
+          <p:cNvPr id="145" name="Google Shape;145;p22"/>
           <p:cNvSpPr txBox="1"/>
           <p:nvPr>
             <p:ph type="title"/>
@@ -7925,126 +7949,65 @@
         </p:nvSpPr>
         <p:spPr>
           <a:xfrm>
-            <a:off x="311700" y="736135"/>
-            <a:ext cx="8520600" cy="831300"/>
+            <a:off x="523950" y="307450"/>
+            <a:ext cx="8096100" cy="607800"/>
           </a:xfrm>
           <a:prstGeom prst="rect">
             <a:avLst/>
           </a:prstGeom>
         </p:spPr>
         <p:txBody>
-          <a:bodyPr anchorCtr="0" anchor="b" bIns="91425" lIns="91425" spcFirstLastPara="1" rIns="91425" wrap="square" tIns="91425">
-            <a:normAutofit/>
+          <a:bodyPr anchorCtr="0" anchor="ctr" bIns="91425" lIns="91425" spcFirstLastPara="1" rIns="91425" wrap="square" tIns="91425">
+            <a:noAutofit/>
           </a:bodyPr>
           <a:lstStyle/>
           <a:p>
-            <a:pPr indent="0" lvl="0" marL="0" rtl="0" algn="ctr">
-              <a:spcBef>
-                <a:spcPts val="0"/>
-              </a:spcBef>
-              <a:spcAft>
-                <a:spcPts val="0"/>
-              </a:spcAft>
-              <a:buNone/>
+            <a:pPr indent="-419100" lvl="0" marL="457200" rtl="0" algn="l">
+              <a:spcBef>
+                <a:spcPts val="0"/>
+              </a:spcBef>
+              <a:spcAft>
+                <a:spcPts val="0"/>
+              </a:spcAft>
+              <a:buSzPts val="3000"/>
+              <a:buAutoNum type="arabicPeriod"/>
             </a:pPr>
             <a:r>
-              <a:rPr lang="en-GB"/>
-              <a:t>Target (until Next Presentation)</a:t>
+              <a:rPr lang="en-GB" sz="3000"/>
+              <a:t>User Interface</a:t>
             </a:r>
-            <a:endParaRPr/>
+            <a:endParaRPr sz="3000"/>
           </a:p>
         </p:txBody>
       </p:sp>
-      <p:sp>
-        <p:nvSpPr>
-          <p:cNvPr id="146" name="Google Shape;146;p23"/>
-          <p:cNvSpPr txBox="1"/>
-          <p:nvPr>
-            <p:ph idx="1" type="body"/>
-          </p:nvPr>
-        </p:nvSpPr>
+      <p:pic>
+        <p:nvPicPr>
+          <p:cNvPr id="146" name="Google Shape;146;p22"/>
+          <p:cNvPicPr preferRelativeResize="0"/>
+          <p:nvPr/>
+        </p:nvPicPr>
+        <p:blipFill>
+          <a:blip r:embed="rId3">
+            <a:alphaModFix/>
+          </a:blip>
+          <a:stretch>
+            <a:fillRect/>
+          </a:stretch>
+        </p:blipFill>
         <p:spPr>
           <a:xfrm>
-            <a:off x="1108800" y="1225225"/>
-            <a:ext cx="7723500" cy="3354000"/>
+            <a:off x="903100" y="915250"/>
+            <a:ext cx="7410301" cy="3965676"/>
           </a:xfrm>
           <a:prstGeom prst="rect">
             <a:avLst/>
           </a:prstGeom>
-        </p:spPr>
-        <p:txBody>
-          <a:bodyPr anchorCtr="0" anchor="ctr" bIns="91425" lIns="91425" spcFirstLastPara="1" rIns="91425" wrap="square" tIns="91425">
-            <a:normAutofit/>
-          </a:bodyPr>
-          <a:lstStyle/>
-          <a:p>
-            <a:pPr indent="-342900" lvl="0" marL="457200" rtl="0" algn="l">
-              <a:spcBef>
-                <a:spcPts val="0"/>
-              </a:spcBef>
-              <a:spcAft>
-                <a:spcPts val="0"/>
-              </a:spcAft>
-              <a:buSzPts val="1800"/>
-              <a:buChar char="●"/>
-            </a:pPr>
-            <a:r>
-              <a:rPr lang="en-GB"/>
-              <a:t>Make an interactive application that is easy to use.</a:t>
-            </a:r>
-            <a:endParaRPr/>
-          </a:p>
-          <a:p>
-            <a:pPr indent="-342900" lvl="0" marL="457200" rtl="0" algn="l">
-              <a:spcBef>
-                <a:spcPts val="0"/>
-              </a:spcBef>
-              <a:spcAft>
-                <a:spcPts val="0"/>
-              </a:spcAft>
-              <a:buSzPts val="1800"/>
-              <a:buChar char="●"/>
-            </a:pPr>
-            <a:r>
-              <a:rPr lang="en-GB"/>
-              <a:t>Prepare and train our optical character recognition working models (OCR).</a:t>
-            </a:r>
-            <a:endParaRPr/>
-          </a:p>
-          <a:p>
-            <a:pPr indent="-342900" lvl="0" marL="457200" rtl="0" algn="l">
-              <a:spcBef>
-                <a:spcPts val="0"/>
-              </a:spcBef>
-              <a:spcAft>
-                <a:spcPts val="0"/>
-              </a:spcAft>
-              <a:buSzPts val="1800"/>
-              <a:buChar char="●"/>
-            </a:pPr>
-            <a:r>
-              <a:rPr lang="en-GB"/>
-              <a:t>Test the accuracy of our most recent models.</a:t>
-            </a:r>
-            <a:endParaRPr/>
-          </a:p>
-          <a:p>
-            <a:pPr indent="0" lvl="0" marL="457200" rtl="0" algn="l">
-              <a:spcBef>
-                <a:spcPts val="1200"/>
-              </a:spcBef>
-              <a:spcAft>
-                <a:spcPts val="1200"/>
-              </a:spcAft>
-              <a:buNone/>
-            </a:pPr>
-            <a:r>
-              <a:t/>
-            </a:r>
-            <a:endParaRPr/>
-          </a:p>
-        </p:txBody>
-      </p:sp>
+          <a:noFill/>
+          <a:ln>
+            <a:noFill/>
+          </a:ln>
+        </p:spPr>
+      </p:pic>
     </p:spTree>
   </p:cSld>
   <p:clrMapOvr>
@@ -8053,7 +8016,7 @@
 </p:sld>
 </file>
 
-<file path=ppt/slides/slide12.xml><?xml version="1.0" encoding="utf-8"?>
+<file path=ppt/slides/slide11.xml><?xml version="1.0" encoding="utf-8"?>
 <p:sld xmlns:a="http://schemas.openxmlformats.org/drawingml/2006/main" xmlns:r="http://schemas.openxmlformats.org/officeDocument/2006/relationships" xmlns:mc="http://schemas.openxmlformats.org/markup-compatibility/2006" xmlns:mv="urn:schemas-microsoft-com:mac:vml" xmlns:p="http://schemas.openxmlformats.org/presentationml/2006/main" xmlns:c="http://schemas.openxmlformats.org/drawingml/2006/chart" xmlns:dgm="http://schemas.openxmlformats.org/drawingml/2006/diagram" xmlns:o="urn:schemas-microsoft-com:office:office" xmlns:v="urn:schemas-microsoft-com:vml" xmlns:pvml="urn:schemas-microsoft-com:office:powerpoint" xmlns:com="http://schemas.openxmlformats.org/drawingml/2006/compatibility" xmlns:p14="http://schemas.microsoft.com/office/powerpoint/2010/main" xmlns:p15="http://schemas.microsoft.com/office/powerpoint/2012/main" xmlns:ahyp="http://schemas.microsoft.com/office/drawing/2018/hyperlinkcolor">
   <p:cSld>
     <p:spTree>
@@ -8072,7 +8035,7 @@
       </p:grpSpPr>
       <p:sp>
         <p:nvSpPr>
-          <p:cNvPr id="151" name="Google Shape;151;p24"/>
+          <p:cNvPr id="151" name="Google Shape;151;p23"/>
           <p:cNvSpPr txBox="1"/>
           <p:nvPr>
             <p:ph type="title"/>
@@ -8080,8 +8043,208 @@
         </p:nvSpPr>
         <p:spPr>
           <a:xfrm>
-            <a:off x="311700" y="315925"/>
-            <a:ext cx="8520600" cy="831300"/>
+            <a:off x="472100" y="189575"/>
+            <a:ext cx="7872900" cy="552000"/>
+          </a:xfrm>
+          <a:prstGeom prst="rect">
+            <a:avLst/>
+          </a:prstGeom>
+        </p:spPr>
+        <p:txBody>
+          <a:bodyPr anchorCtr="0" anchor="ctr" bIns="91425" lIns="91425" spcFirstLastPara="1" rIns="91425" wrap="square" tIns="91425">
+            <a:noAutofit/>
+          </a:bodyPr>
+          <a:lstStyle/>
+          <a:p>
+            <a:pPr indent="-419100" lvl="0" marL="457200" rtl="0" algn="l">
+              <a:spcBef>
+                <a:spcPts val="0"/>
+              </a:spcBef>
+              <a:spcAft>
+                <a:spcPts val="0"/>
+              </a:spcAft>
+              <a:buSzPts val="3000"/>
+              <a:buAutoNum type="arabicPeriod" startAt="2"/>
+            </a:pPr>
+            <a:r>
+              <a:rPr lang="en-GB" sz="3000"/>
+              <a:t>AI Models</a:t>
+            </a:r>
+            <a:endParaRPr sz="3000"/>
+          </a:p>
+        </p:txBody>
+      </p:sp>
+      <p:pic>
+        <p:nvPicPr>
+          <p:cNvPr id="152" name="Google Shape;152;p23"/>
+          <p:cNvPicPr preferRelativeResize="0"/>
+          <p:nvPr/>
+        </p:nvPicPr>
+        <p:blipFill>
+          <a:blip r:embed="rId3">
+            <a:alphaModFix/>
+          </a:blip>
+          <a:stretch>
+            <a:fillRect/>
+          </a:stretch>
+        </p:blipFill>
+        <p:spPr>
+          <a:xfrm>
+            <a:off x="799014" y="741575"/>
+            <a:ext cx="7545976" cy="4212924"/>
+          </a:xfrm>
+          <a:prstGeom prst="rect">
+            <a:avLst/>
+          </a:prstGeom>
+          <a:noFill/>
+          <a:ln>
+            <a:noFill/>
+          </a:ln>
+        </p:spPr>
+      </p:pic>
+    </p:spTree>
+  </p:cSld>
+  <p:clrMapOvr>
+    <a:masterClrMapping/>
+  </p:clrMapOvr>
+</p:sld>
+</file>
+
+<file path=ppt/slides/slide12.xml><?xml version="1.0" encoding="utf-8"?>
+<p:sld xmlns:a="http://schemas.openxmlformats.org/drawingml/2006/main" xmlns:r="http://schemas.openxmlformats.org/officeDocument/2006/relationships" xmlns:mc="http://schemas.openxmlformats.org/markup-compatibility/2006" xmlns:mv="urn:schemas-microsoft-com:mac:vml" xmlns:p="http://schemas.openxmlformats.org/presentationml/2006/main" xmlns:c="http://schemas.openxmlformats.org/drawingml/2006/chart" xmlns:dgm="http://schemas.openxmlformats.org/drawingml/2006/diagram" xmlns:o="urn:schemas-microsoft-com:office:office" xmlns:v="urn:schemas-microsoft-com:vml" xmlns:pvml="urn:schemas-microsoft-com:office:powerpoint" xmlns:com="http://schemas.openxmlformats.org/drawingml/2006/compatibility" xmlns:p14="http://schemas.microsoft.com/office/powerpoint/2010/main" xmlns:p15="http://schemas.microsoft.com/office/powerpoint/2012/main" xmlns:ahyp="http://schemas.microsoft.com/office/drawing/2018/hyperlinkcolor">
+  <p:cSld>
+    <p:spTree>
+      <p:nvGrpSpPr>
+        <p:cNvPr id="156" name="Shape 156"/>
+        <p:cNvGrpSpPr/>
+        <p:nvPr/>
+      </p:nvGrpSpPr>
+      <p:grpSpPr>
+        <a:xfrm>
+          <a:off x="0" y="0"/>
+          <a:ext cx="0" cy="0"/>
+          <a:chOff x="0" y="0"/>
+          <a:chExt cx="0" cy="0"/>
+        </a:xfrm>
+      </p:grpSpPr>
+      <p:pic>
+        <p:nvPicPr>
+          <p:cNvPr id="157" name="Google Shape;157;p24"/>
+          <p:cNvPicPr preferRelativeResize="0"/>
+          <p:nvPr/>
+        </p:nvPicPr>
+        <p:blipFill>
+          <a:blip r:embed="rId3">
+            <a:alphaModFix/>
+          </a:blip>
+          <a:stretch>
+            <a:fillRect/>
+          </a:stretch>
+        </p:blipFill>
+        <p:spPr>
+          <a:xfrm>
+            <a:off x="1089775" y="127575"/>
+            <a:ext cx="6964459" cy="4838701"/>
+          </a:xfrm>
+          <a:prstGeom prst="rect">
+            <a:avLst/>
+          </a:prstGeom>
+          <a:noFill/>
+          <a:ln>
+            <a:noFill/>
+          </a:ln>
+        </p:spPr>
+      </p:pic>
+    </p:spTree>
+  </p:cSld>
+  <p:clrMapOvr>
+    <a:masterClrMapping/>
+  </p:clrMapOvr>
+</p:sld>
+</file>
+
+<file path=ppt/slides/slide13.xml><?xml version="1.0" encoding="utf-8"?>
+<p:sld xmlns:a="http://schemas.openxmlformats.org/drawingml/2006/main" xmlns:r="http://schemas.openxmlformats.org/officeDocument/2006/relationships" xmlns:mc="http://schemas.openxmlformats.org/markup-compatibility/2006" xmlns:mv="urn:schemas-microsoft-com:mac:vml" xmlns:p="http://schemas.openxmlformats.org/presentationml/2006/main" xmlns:c="http://schemas.openxmlformats.org/drawingml/2006/chart" xmlns:dgm="http://schemas.openxmlformats.org/drawingml/2006/diagram" xmlns:o="urn:schemas-microsoft-com:office:office" xmlns:v="urn:schemas-microsoft-com:vml" xmlns:pvml="urn:schemas-microsoft-com:office:powerpoint" xmlns:com="http://schemas.openxmlformats.org/drawingml/2006/compatibility" xmlns:p14="http://schemas.microsoft.com/office/powerpoint/2010/main" xmlns:p15="http://schemas.microsoft.com/office/powerpoint/2012/main" xmlns:ahyp="http://schemas.microsoft.com/office/drawing/2018/hyperlinkcolor">
+  <p:cSld>
+    <p:spTree>
+      <p:nvGrpSpPr>
+        <p:cNvPr id="161" name="Shape 161"/>
+        <p:cNvGrpSpPr/>
+        <p:nvPr/>
+      </p:nvGrpSpPr>
+      <p:grpSpPr>
+        <a:xfrm>
+          <a:off x="0" y="0"/>
+          <a:ext cx="0" cy="0"/>
+          <a:chOff x="0" y="0"/>
+          <a:chExt cx="0" cy="0"/>
+        </a:xfrm>
+      </p:grpSpPr>
+      <p:pic>
+        <p:nvPicPr>
+          <p:cNvPr id="162" name="Google Shape;162;p25"/>
+          <p:cNvPicPr preferRelativeResize="0"/>
+          <p:nvPr/>
+        </p:nvPicPr>
+        <p:blipFill>
+          <a:blip r:embed="rId3">
+            <a:alphaModFix/>
+          </a:blip>
+          <a:stretch>
+            <a:fillRect/>
+          </a:stretch>
+        </p:blipFill>
+        <p:spPr>
+          <a:xfrm>
+            <a:off x="1167775" y="109951"/>
+            <a:ext cx="6808450" cy="4836750"/>
+          </a:xfrm>
+          <a:prstGeom prst="rect">
+            <a:avLst/>
+          </a:prstGeom>
+          <a:noFill/>
+          <a:ln>
+            <a:noFill/>
+          </a:ln>
+        </p:spPr>
+      </p:pic>
+    </p:spTree>
+  </p:cSld>
+  <p:clrMapOvr>
+    <a:masterClrMapping/>
+  </p:clrMapOvr>
+</p:sld>
+</file>
+
+<file path=ppt/slides/slide14.xml><?xml version="1.0" encoding="utf-8"?>
+<p:sld xmlns:a="http://schemas.openxmlformats.org/drawingml/2006/main" xmlns:r="http://schemas.openxmlformats.org/officeDocument/2006/relationships" xmlns:mc="http://schemas.openxmlformats.org/markup-compatibility/2006" xmlns:mv="urn:schemas-microsoft-com:mac:vml" xmlns:p="http://schemas.openxmlformats.org/presentationml/2006/main" xmlns:c="http://schemas.openxmlformats.org/drawingml/2006/chart" xmlns:dgm="http://schemas.openxmlformats.org/drawingml/2006/diagram" xmlns:o="urn:schemas-microsoft-com:office:office" xmlns:v="urn:schemas-microsoft-com:vml" xmlns:pvml="urn:schemas-microsoft-com:office:powerpoint" xmlns:com="http://schemas.openxmlformats.org/drawingml/2006/compatibility" xmlns:p14="http://schemas.microsoft.com/office/powerpoint/2010/main" xmlns:p15="http://schemas.microsoft.com/office/powerpoint/2012/main" xmlns:ahyp="http://schemas.microsoft.com/office/drawing/2018/hyperlinkcolor">
+  <p:cSld>
+    <p:spTree>
+      <p:nvGrpSpPr>
+        <p:cNvPr id="166" name="Shape 166"/>
+        <p:cNvGrpSpPr/>
+        <p:nvPr/>
+      </p:nvGrpSpPr>
+      <p:grpSpPr>
+        <a:xfrm>
+          <a:off x="0" y="0"/>
+          <a:ext cx="0" cy="0"/>
+          <a:chOff x="0" y="0"/>
+          <a:chExt cx="0" cy="0"/>
+        </a:xfrm>
+      </p:grpSpPr>
+      <p:sp>
+        <p:nvSpPr>
+          <p:cNvPr id="167" name="Google Shape;167;p26"/>
+          <p:cNvSpPr txBox="1"/>
+          <p:nvPr>
+            <p:ph type="title"/>
+          </p:nvPr>
+        </p:nvSpPr>
+        <p:spPr>
+          <a:xfrm>
+            <a:off x="515400" y="303525"/>
+            <a:ext cx="8113200" cy="831300"/>
           </a:xfrm>
           <a:prstGeom prst="rect">
             <a:avLst/>
@@ -8104,7 +8267,7 @@
             </a:pPr>
             <a:r>
               <a:rPr lang="en-GB"/>
-              <a:t>References </a:t>
+              <a:t>06 - References </a:t>
             </a:r>
             <a:r>
               <a:rPr lang="en-GB"/>
@@ -8116,7 +8279,7 @@
       </p:sp>
       <p:sp>
         <p:nvSpPr>
-          <p:cNvPr id="152" name="Google Shape;152;p24"/>
+          <p:cNvPr id="168" name="Google Shape;168;p26"/>
           <p:cNvSpPr txBox="1"/>
           <p:nvPr>
             <p:ph idx="1" type="body"/>
@@ -8297,22 +8460,74 @@
         <p:nvSpPr>
           <p:cNvPr id="72" name="Google Shape;72;p14"/>
           <p:cNvSpPr txBox="1"/>
+          <p:nvPr/>
+        </p:nvSpPr>
+        <p:spPr>
+          <a:xfrm>
+            <a:off x="0" y="130290"/>
+            <a:ext cx="9144000" cy="538800"/>
+          </a:xfrm>
+          <a:prstGeom prst="rect">
+            <a:avLst/>
+          </a:prstGeom>
+          <a:noFill/>
+          <a:ln>
+            <a:noFill/>
+          </a:ln>
+        </p:spPr>
+        <p:txBody>
+          <a:bodyPr anchorCtr="0" anchor="t" bIns="91425" lIns="91425" spcFirstLastPara="1" rIns="91425" wrap="square" tIns="91425">
+            <a:spAutoFit/>
+          </a:bodyPr>
+          <a:lstStyle/>
+          <a:p>
+            <a:pPr indent="0" lvl="0" marL="0" rtl="0" algn="ctr">
+              <a:spcBef>
+                <a:spcPts val="0"/>
+              </a:spcBef>
+              <a:spcAft>
+                <a:spcPts val="0"/>
+              </a:spcAft>
+              <a:buNone/>
+            </a:pPr>
+            <a:r>
+              <a:rPr b="1" lang="en-GB" sz="2300">
+                <a:latin typeface="Roboto"/>
+                <a:ea typeface="Roboto"/>
+                <a:cs typeface="Roboto"/>
+                <a:sym typeface="Roboto"/>
+              </a:rPr>
+              <a:t>MINOR PROJECT</a:t>
+            </a:r>
+            <a:endParaRPr b="1" sz="2300">
+              <a:latin typeface="Roboto"/>
+              <a:ea typeface="Roboto"/>
+              <a:cs typeface="Roboto"/>
+              <a:sym typeface="Roboto"/>
+            </a:endParaRPr>
+          </a:p>
+        </p:txBody>
+      </p:sp>
+      <p:sp>
+        <p:nvSpPr>
+          <p:cNvPr id="73" name="Google Shape;73;p14"/>
+          <p:cNvSpPr txBox="1"/>
           <p:nvPr>
             <p:ph type="title"/>
           </p:nvPr>
         </p:nvSpPr>
         <p:spPr>
           <a:xfrm>
-            <a:off x="0" y="-30275"/>
-            <a:ext cx="9144000" cy="831300"/>
+            <a:off x="773700" y="2040989"/>
+            <a:ext cx="7596600" cy="1530600"/>
           </a:xfrm>
           <a:prstGeom prst="rect">
             <a:avLst/>
           </a:prstGeom>
         </p:spPr>
         <p:txBody>
-          <a:bodyPr anchorCtr="0" anchor="b" bIns="91425" lIns="91425" spcFirstLastPara="1" rIns="91425" wrap="square" tIns="91425">
-            <a:normAutofit/>
+          <a:bodyPr anchorCtr="0" anchor="ctr" bIns="91425" lIns="91425" spcFirstLastPara="1" rIns="91425" wrap="square" tIns="91425">
+            <a:noAutofit/>
           </a:bodyPr>
           <a:lstStyle/>
           <a:p>
@@ -8326,21 +8541,358 @@
               <a:buNone/>
             </a:pPr>
             <a:r>
-              <a:rPr lang="en-GB"/>
+              <a:rPr lang="en-GB" sz="5000">
+                <a:latin typeface="Impact"/>
+                <a:ea typeface="Impact"/>
+                <a:cs typeface="Impact"/>
+                <a:sym typeface="Impact"/>
+              </a:rPr>
+              <a:t>Prescription Label Reading</a:t>
+            </a:r>
+            <a:endParaRPr sz="5000">
+              <a:latin typeface="Impact"/>
+              <a:ea typeface="Impact"/>
+              <a:cs typeface="Impact"/>
+              <a:sym typeface="Impact"/>
+            </a:endParaRPr>
+          </a:p>
+        </p:txBody>
+      </p:sp>
+      <p:sp>
+        <p:nvSpPr>
+          <p:cNvPr id="74" name="Google Shape;74;p14"/>
+          <p:cNvSpPr txBox="1"/>
+          <p:nvPr/>
+        </p:nvSpPr>
+        <p:spPr>
+          <a:xfrm>
+            <a:off x="1007782" y="3465853"/>
+            <a:ext cx="2897400" cy="831300"/>
+          </a:xfrm>
+          <a:prstGeom prst="rect">
+            <a:avLst/>
+          </a:prstGeom>
+          <a:noFill/>
+          <a:ln>
+            <a:noFill/>
+          </a:ln>
+        </p:spPr>
+        <p:txBody>
+          <a:bodyPr anchorCtr="0" anchor="t" bIns="91425" lIns="91425" spcFirstLastPara="1" rIns="91425" wrap="square" tIns="91425">
+            <a:spAutoFit/>
+          </a:bodyPr>
+          <a:lstStyle/>
+          <a:p>
+            <a:pPr indent="0" lvl="0" marL="0" rtl="0" algn="l">
+              <a:spcBef>
+                <a:spcPts val="0"/>
+              </a:spcBef>
+              <a:spcAft>
+                <a:spcPts val="0"/>
+              </a:spcAft>
+              <a:buNone/>
+            </a:pPr>
+            <a:r>
+              <a:rPr lang="en-GB">
+                <a:latin typeface="Open Sans"/>
+                <a:ea typeface="Open Sans"/>
+                <a:cs typeface="Open Sans"/>
+                <a:sym typeface="Open Sans"/>
+              </a:rPr>
+              <a:t>Swapnil Pant	201B278</a:t>
+            </a:r>
+            <a:endParaRPr>
+              <a:latin typeface="Open Sans"/>
+              <a:ea typeface="Open Sans"/>
+              <a:cs typeface="Open Sans"/>
+              <a:sym typeface="Open Sans"/>
+            </a:endParaRPr>
+          </a:p>
+          <a:p>
+            <a:pPr indent="0" lvl="0" marL="0" rtl="0" algn="l">
+              <a:spcBef>
+                <a:spcPts val="0"/>
+              </a:spcBef>
+              <a:spcAft>
+                <a:spcPts val="0"/>
+              </a:spcAft>
+              <a:buNone/>
+            </a:pPr>
+            <a:r>
+              <a:rPr lang="en-GB">
+                <a:latin typeface="Open Sans"/>
+                <a:ea typeface="Open Sans"/>
+                <a:cs typeface="Open Sans"/>
+                <a:sym typeface="Open Sans"/>
+              </a:rPr>
+              <a:t>Satyam Thakur	201B244</a:t>
+            </a:r>
+            <a:endParaRPr>
+              <a:latin typeface="Open Sans"/>
+              <a:ea typeface="Open Sans"/>
+              <a:cs typeface="Open Sans"/>
+              <a:sym typeface="Open Sans"/>
+            </a:endParaRPr>
+          </a:p>
+          <a:p>
+            <a:pPr indent="0" lvl="0" marL="0" rtl="0" algn="l">
+              <a:spcBef>
+                <a:spcPts val="0"/>
+              </a:spcBef>
+              <a:spcAft>
+                <a:spcPts val="0"/>
+              </a:spcAft>
+              <a:buNone/>
+            </a:pPr>
+            <a:r>
+              <a:rPr lang="en-GB">
+                <a:latin typeface="Open Sans"/>
+                <a:ea typeface="Open Sans"/>
+                <a:cs typeface="Open Sans"/>
+                <a:sym typeface="Open Sans"/>
+              </a:rPr>
+              <a:t>Utkarsh Mathur 201B294</a:t>
+            </a:r>
+            <a:endParaRPr>
+              <a:latin typeface="Open Sans"/>
+              <a:ea typeface="Open Sans"/>
+              <a:cs typeface="Open Sans"/>
+              <a:sym typeface="Open Sans"/>
+            </a:endParaRPr>
+          </a:p>
+        </p:txBody>
+      </p:sp>
+      <p:sp>
+        <p:nvSpPr>
+          <p:cNvPr id="75" name="Google Shape;75;p14"/>
+          <p:cNvSpPr txBox="1"/>
+          <p:nvPr/>
+        </p:nvSpPr>
+        <p:spPr>
+          <a:xfrm>
+            <a:off x="5367200" y="3571603"/>
+            <a:ext cx="2680200" cy="615600"/>
+          </a:xfrm>
+          <a:prstGeom prst="rect">
+            <a:avLst/>
+          </a:prstGeom>
+          <a:noFill/>
+          <a:ln>
+            <a:noFill/>
+          </a:ln>
+        </p:spPr>
+        <p:txBody>
+          <a:bodyPr anchorCtr="0" anchor="t" bIns="91425" lIns="91425" spcFirstLastPara="1" rIns="91425" wrap="square" tIns="91425">
+            <a:spAutoFit/>
+          </a:bodyPr>
+          <a:lstStyle/>
+          <a:p>
+            <a:pPr indent="0" lvl="0" marL="0" rtl="0" algn="l">
+              <a:spcBef>
+                <a:spcPts val="0"/>
+              </a:spcBef>
+              <a:spcAft>
+                <a:spcPts val="0"/>
+              </a:spcAft>
+              <a:buNone/>
+            </a:pPr>
+            <a:r>
+              <a:rPr lang="en-GB">
+                <a:latin typeface="Open Sans"/>
+                <a:ea typeface="Open Sans"/>
+                <a:cs typeface="Open Sans"/>
+                <a:sym typeface="Open Sans"/>
+              </a:rPr>
+              <a:t>Project Guide : </a:t>
+            </a:r>
+            <a:endParaRPr>
+              <a:latin typeface="Open Sans"/>
+              <a:ea typeface="Open Sans"/>
+              <a:cs typeface="Open Sans"/>
+              <a:sym typeface="Open Sans"/>
+            </a:endParaRPr>
+          </a:p>
+          <a:p>
+            <a:pPr indent="0" lvl="0" marL="0" rtl="0" algn="l">
+              <a:spcBef>
+                <a:spcPts val="0"/>
+              </a:spcBef>
+              <a:spcAft>
+                <a:spcPts val="0"/>
+              </a:spcAft>
+              <a:buNone/>
+            </a:pPr>
+            <a:r>
+              <a:rPr lang="en-GB">
+                <a:latin typeface="Open Sans"/>
+                <a:ea typeface="Open Sans"/>
+                <a:cs typeface="Open Sans"/>
+                <a:sym typeface="Open Sans"/>
+              </a:rPr>
+              <a:t>         Dr. Nileshkumar R. Patel</a:t>
+            </a:r>
+            <a:endParaRPr>
+              <a:latin typeface="Open Sans"/>
+              <a:ea typeface="Open Sans"/>
+              <a:cs typeface="Open Sans"/>
+              <a:sym typeface="Open Sans"/>
+            </a:endParaRPr>
+          </a:p>
+        </p:txBody>
+      </p:sp>
+      <p:sp>
+        <p:nvSpPr>
+          <p:cNvPr id="76" name="Google Shape;76;p14"/>
+          <p:cNvSpPr txBox="1"/>
+          <p:nvPr/>
+        </p:nvSpPr>
+        <p:spPr>
+          <a:xfrm>
+            <a:off x="0" y="594125"/>
+            <a:ext cx="9144000" cy="477000"/>
+          </a:xfrm>
+          <a:prstGeom prst="rect">
+            <a:avLst/>
+          </a:prstGeom>
+          <a:noFill/>
+          <a:ln>
+            <a:noFill/>
+          </a:ln>
+        </p:spPr>
+        <p:txBody>
+          <a:bodyPr anchorCtr="0" anchor="t" bIns="91425" lIns="91425" spcFirstLastPara="1" rIns="91425" wrap="square" tIns="91425">
+            <a:spAutoFit/>
+          </a:bodyPr>
+          <a:lstStyle/>
+          <a:p>
+            <a:pPr indent="0" lvl="0" marL="0" rtl="0" algn="ctr">
+              <a:spcBef>
+                <a:spcPts val="0"/>
+              </a:spcBef>
+              <a:spcAft>
+                <a:spcPts val="0"/>
+              </a:spcAft>
+              <a:buNone/>
+            </a:pPr>
+            <a:r>
+              <a:rPr lang="en-GB" sz="1900">
+                <a:latin typeface="Impact"/>
+                <a:ea typeface="Impact"/>
+                <a:cs typeface="Impact"/>
+                <a:sym typeface="Impact"/>
+              </a:rPr>
+              <a:t>Project No. - 63</a:t>
+            </a:r>
+            <a:endParaRPr sz="1900">
+              <a:latin typeface="Impact"/>
+              <a:ea typeface="Impact"/>
+              <a:cs typeface="Impact"/>
+              <a:sym typeface="Impact"/>
+            </a:endParaRPr>
+          </a:p>
+        </p:txBody>
+      </p:sp>
+      <p:pic>
+        <p:nvPicPr>
+          <p:cNvPr id="77" name="Google Shape;77;p14"/>
+          <p:cNvPicPr preferRelativeResize="0"/>
+          <p:nvPr/>
+        </p:nvPicPr>
+        <p:blipFill>
+          <a:blip r:embed="rId3">
+            <a:alphaModFix/>
+          </a:blip>
+          <a:stretch>
+            <a:fillRect/>
+          </a:stretch>
+        </p:blipFill>
+        <p:spPr>
+          <a:xfrm>
+            <a:off x="3941325" y="1215295"/>
+            <a:ext cx="1261350" cy="1138075"/>
+          </a:xfrm>
+          <a:prstGeom prst="rect">
+            <a:avLst/>
+          </a:prstGeom>
+          <a:noFill/>
+          <a:ln>
+            <a:noFill/>
+          </a:ln>
+        </p:spPr>
+      </p:pic>
+    </p:spTree>
+  </p:cSld>
+  <p:clrMapOvr>
+    <a:masterClrMapping/>
+  </p:clrMapOvr>
+</p:sld>
+</file>
+
+<file path=ppt/slides/slide3.xml><?xml version="1.0" encoding="utf-8"?>
+<p:sld xmlns:a="http://schemas.openxmlformats.org/drawingml/2006/main" xmlns:r="http://schemas.openxmlformats.org/officeDocument/2006/relationships" xmlns:mc="http://schemas.openxmlformats.org/markup-compatibility/2006" xmlns:mv="urn:schemas-microsoft-com:mac:vml" xmlns:p="http://schemas.openxmlformats.org/presentationml/2006/main" xmlns:c="http://schemas.openxmlformats.org/drawingml/2006/chart" xmlns:dgm="http://schemas.openxmlformats.org/drawingml/2006/diagram" xmlns:o="urn:schemas-microsoft-com:office:office" xmlns:v="urn:schemas-microsoft-com:vml" xmlns:pvml="urn:schemas-microsoft-com:office:powerpoint" xmlns:com="http://schemas.openxmlformats.org/drawingml/2006/compatibility" xmlns:p14="http://schemas.microsoft.com/office/powerpoint/2010/main" xmlns:p15="http://schemas.microsoft.com/office/powerpoint/2012/main" xmlns:ahyp="http://schemas.microsoft.com/office/drawing/2018/hyperlinkcolor">
+  <p:cSld>
+    <p:spTree>
+      <p:nvGrpSpPr>
+        <p:cNvPr id="81" name="Shape 81"/>
+        <p:cNvGrpSpPr/>
+        <p:nvPr/>
+      </p:nvGrpSpPr>
+      <p:grpSpPr>
+        <a:xfrm>
+          <a:off x="0" y="0"/>
+          <a:ext cx="0" cy="0"/>
+          <a:chOff x="0" y="0"/>
+          <a:chExt cx="0" cy="0"/>
+        </a:xfrm>
+      </p:grpSpPr>
+      <p:sp>
+        <p:nvSpPr>
+          <p:cNvPr id="82" name="Google Shape;82;p15"/>
+          <p:cNvSpPr txBox="1"/>
+          <p:nvPr>
+            <p:ph type="title"/>
+          </p:nvPr>
+        </p:nvSpPr>
+        <p:spPr>
+          <a:xfrm>
+            <a:off x="311700" y="274650"/>
+            <a:ext cx="8520600" cy="1108200"/>
+          </a:xfrm>
+          <a:prstGeom prst="rect">
+            <a:avLst/>
+          </a:prstGeom>
+        </p:spPr>
+        <p:txBody>
+          <a:bodyPr anchorCtr="0" anchor="ctr" bIns="91425" lIns="91425" spcFirstLastPara="1" rIns="91425" wrap="square" tIns="91425">
+            <a:spAutoFit/>
+          </a:bodyPr>
+          <a:lstStyle/>
+          <a:p>
+            <a:pPr indent="0" lvl="0" marL="0" rtl="0" algn="ctr">
+              <a:spcBef>
+                <a:spcPts val="0"/>
+              </a:spcBef>
+              <a:spcAft>
+                <a:spcPts val="0"/>
+              </a:spcAft>
+              <a:buNone/>
+            </a:pPr>
+            <a:r>
+              <a:rPr lang="en-GB" sz="6000"/>
               <a:t>Table of Contents</a:t>
             </a:r>
-            <a:endParaRPr/>
+            <a:endParaRPr sz="6000"/>
           </a:p>
         </p:txBody>
       </p:sp>
       <p:graphicFrame>
         <p:nvGraphicFramePr>
-          <p:cNvPr id="73" name="Google Shape;73;p14"/>
+          <p:cNvPr id="83" name="Google Shape;83;p15"/>
           <p:cNvGraphicFramePr/>
           <p:nvPr/>
         </p:nvGraphicFramePr>
         <p:xfrm>
-          <a:off x="142038" y="698850"/>
+          <a:off x="601200" y="1446800"/>
           <a:ext cx="3000000" cy="3000000"/>
         </p:xfrm>
         <a:graphic>
@@ -8348,14 +8900,14 @@
             <a:tbl>
               <a:tblPr>
                 <a:noFill/>
-                <a:tableStyleId>{18323FE7-0D16-4840-B8D3-85A57791FB6A}</a:tableStyleId>
+                <a:tableStyleId>{0128DD0C-CCA0-4A01-A747-6EA9C23CCEC5}</a:tableStyleId>
               </a:tblPr>
               <a:tblGrid>
-                <a:gridCol w="2647575"/>
-                <a:gridCol w="2647575"/>
-                <a:gridCol w="2647575"/>
+                <a:gridCol w="2647200"/>
+                <a:gridCol w="2647200"/>
+                <a:gridCol w="2647200"/>
               </a:tblGrid>
-              <a:tr h="320325">
+              <a:tr h="365725">
                 <a:tc>
                   <a:txBody>
                     <a:bodyPr/>
@@ -8426,7 +8978,7 @@
                   <a:tcPr marT="91425" marB="91425" marR="91425" marL="91425"/>
                 </a:tc>
               </a:tr>
-              <a:tr h="320325">
+              <a:tr h="365725">
                 <a:tc>
                   <a:txBody>
                     <a:bodyPr/>
@@ -8466,7 +9018,7 @@
                       </a:pPr>
                       <a:r>
                         <a:rPr lang="en-GB" sz="1200"/>
-                        <a:t>Introduction</a:t>
+                        <a:t>Recap - Problem Statement</a:t>
                       </a:r>
                       <a:endParaRPr sz="1200"/>
                     </a:p>
@@ -8489,7 +9041,7 @@
                       </a:pPr>
                       <a:r>
                         <a:rPr lang="en-GB" sz="1200"/>
-                        <a:t>3</a:t>
+                        <a:t>3-4</a:t>
                       </a:r>
                       <a:endParaRPr sz="1200"/>
                     </a:p>
@@ -8497,7 +9049,7 @@
                   <a:tcPr marT="91425" marB="91425" marR="91425" marL="91425"/>
                 </a:tc>
               </a:tr>
-              <a:tr h="320325">
+              <a:tr h="365725">
                 <a:tc>
                   <a:txBody>
                     <a:bodyPr/>
@@ -8515,162 +9067,6 @@
                       <a:r>
                         <a:rPr lang="en-GB" sz="1200"/>
                         <a:t>2</a:t>
-                      </a:r>
-                      <a:endParaRPr sz="1200"/>
-                    </a:p>
-                  </a:txBody>
-                  <a:tcPr marT="91425" marB="91425" marR="91425" marL="91425"/>
-                </a:tc>
-                <a:tc>
-                  <a:txBody>
-                    <a:bodyPr/>
-                    <a:lstStyle/>
-                    <a:p>
-                      <a:pPr indent="0" lvl="0" marL="0" rtl="0" algn="ctr">
-                        <a:spcBef>
-                          <a:spcPts val="0"/>
-                        </a:spcBef>
-                        <a:spcAft>
-                          <a:spcPts val="0"/>
-                        </a:spcAft>
-                        <a:buNone/>
-                      </a:pPr>
-                      <a:r>
-                        <a:rPr lang="en-GB" sz="1200">
-                          <a:solidFill>
-                            <a:schemeClr val="dk1"/>
-                          </a:solidFill>
-                        </a:rPr>
-                        <a:t>Problem Statement</a:t>
-                      </a:r>
-                      <a:endParaRPr sz="1200"/>
-                    </a:p>
-                  </a:txBody>
-                  <a:tcPr marT="91425" marB="91425" marR="91425" marL="91425"/>
-                </a:tc>
-                <a:tc>
-                  <a:txBody>
-                    <a:bodyPr/>
-                    <a:lstStyle/>
-                    <a:p>
-                      <a:pPr indent="0" lvl="0" marL="0" rtl="0" algn="ctr">
-                        <a:spcBef>
-                          <a:spcPts val="0"/>
-                        </a:spcBef>
-                        <a:spcAft>
-                          <a:spcPts val="0"/>
-                        </a:spcAft>
-                        <a:buNone/>
-                      </a:pPr>
-                      <a:r>
-                        <a:rPr lang="en-GB" sz="1200"/>
-                        <a:t>4</a:t>
-                      </a:r>
-                      <a:endParaRPr sz="1200"/>
-                    </a:p>
-                  </a:txBody>
-                  <a:tcPr marT="91425" marB="91425" marR="91425" marL="91425"/>
-                </a:tc>
-              </a:tr>
-              <a:tr h="320325">
-                <a:tc>
-                  <a:txBody>
-                    <a:bodyPr/>
-                    <a:lstStyle/>
-                    <a:p>
-                      <a:pPr indent="0" lvl="0" marL="0" rtl="0" algn="ctr">
-                        <a:spcBef>
-                          <a:spcPts val="0"/>
-                        </a:spcBef>
-                        <a:spcAft>
-                          <a:spcPts val="0"/>
-                        </a:spcAft>
-                        <a:buNone/>
-                      </a:pPr>
-                      <a:r>
-                        <a:rPr lang="en-GB" sz="1200"/>
-                        <a:t>3</a:t>
-                      </a:r>
-                      <a:endParaRPr sz="1200"/>
-                    </a:p>
-                  </a:txBody>
-                  <a:tcPr marT="91425" marB="91425" marR="91425" marL="91425"/>
-                </a:tc>
-                <a:tc>
-                  <a:txBody>
-                    <a:bodyPr/>
-                    <a:lstStyle/>
-                    <a:p>
-                      <a:pPr indent="0" lvl="0" marL="0" rtl="0" algn="ctr">
-                        <a:spcBef>
-                          <a:spcPts val="0"/>
-                        </a:spcBef>
-                        <a:spcAft>
-                          <a:spcPts val="0"/>
-                        </a:spcAft>
-                        <a:buNone/>
-                      </a:pPr>
-                      <a:r>
-                        <a:rPr lang="en-GB" sz="1200"/>
-                        <a:t>Solution</a:t>
-                      </a:r>
-                      <a:endParaRPr sz="1200"/>
-                    </a:p>
-                  </a:txBody>
-                  <a:tcPr marT="91425" marB="91425" marR="91425" marL="91425">
-                    <a:lnB cap="flat" cmpd="sng" w="9525">
-                      <a:solidFill>
-                        <a:srgbClr val="9E9E9E"/>
-                      </a:solidFill>
-                      <a:prstDash val="solid"/>
-                      <a:round/>
-                      <a:headEnd len="sm" w="sm" type="none"/>
-                      <a:tailEnd len="sm" w="sm" type="none"/>
-                    </a:lnB>
-                  </a:tcPr>
-                </a:tc>
-                <a:tc>
-                  <a:txBody>
-                    <a:bodyPr/>
-                    <a:lstStyle/>
-                    <a:p>
-                      <a:pPr indent="0" lvl="0" marL="0" rtl="0" algn="ctr">
-                        <a:spcBef>
-                          <a:spcPts val="0"/>
-                        </a:spcBef>
-                        <a:spcAft>
-                          <a:spcPts val="0"/>
-                        </a:spcAft>
-                        <a:buNone/>
-                      </a:pPr>
-                      <a:r>
-                        <a:rPr lang="en-GB" sz="1200"/>
-                        <a:t>5</a:t>
-                      </a:r>
-                      <a:endParaRPr sz="1200"/>
-                    </a:p>
-                  </a:txBody>
-                  <a:tcPr marT="91425" marB="91425" marR="91425" marL="91425"/>
-                </a:tc>
-              </a:tr>
-              <a:tr h="320325">
-                <a:tc>
-                  <a:txBody>
-                    <a:bodyPr/>
-                    <a:lstStyle/>
-                    <a:p>
-                      <a:pPr indent="0" lvl="0" marL="0" rtl="0" algn="ctr">
-                        <a:spcBef>
-                          <a:spcPts val="0"/>
-                        </a:spcBef>
-                        <a:spcAft>
-                          <a:spcPts val="0"/>
-                        </a:spcAft>
-                        <a:buNone/>
-                      </a:pPr>
-                      <a:r>
-                        <a:rPr lang="en-GB" sz="1200"/>
-                        <a:t>4</a:t>
                       </a:r>
                       <a:endParaRPr sz="1200"/>
                     </a:p>
@@ -8712,7 +9108,7 @@
                             <a:schemeClr val="dk1"/>
                           </a:solidFill>
                         </a:rPr>
-                        <a:t>Block Diagram</a:t>
+                        <a:t>Workflow</a:t>
                       </a:r>
                       <a:endParaRPr sz="1200"/>
                     </a:p>
@@ -8736,15 +9132,6 @@
                       <a:headEnd len="sm" w="sm" type="none"/>
                       <a:tailEnd len="sm" w="sm" type="none"/>
                     </a:lnR>
-                    <a:lnT cap="flat" cmpd="sng" w="9525">
-                      <a:solidFill>
-                        <a:srgbClr val="9E9E9E"/>
-                      </a:solidFill>
-                      <a:prstDash val="solid"/>
-                      <a:round/>
-                      <a:headEnd len="sm" w="sm" type="none"/>
-                      <a:tailEnd len="sm" w="sm" type="none"/>
-                    </a:lnT>
                     <a:lnB cap="flat" cmpd="sng" w="9525">
                       <a:solidFill>
                         <a:srgbClr val="9E9E9E"/>
@@ -8772,7 +9159,7 @@
                       </a:pPr>
                       <a:r>
                         <a:rPr lang="en-GB" sz="1200"/>
-                        <a:t>6</a:t>
+                        <a:t>5</a:t>
                       </a:r>
                       <a:endParaRPr sz="1200"/>
                     </a:p>
@@ -8790,7 +9177,7 @@
                   </a:tcPr>
                 </a:tc>
               </a:tr>
-              <a:tr h="320325">
+              <a:tr h="365725">
                 <a:tc>
                   <a:txBody>
                     <a:bodyPr/>
@@ -8807,7 +9194,7 @@
                       </a:pPr>
                       <a:r>
                         <a:rPr lang="en-GB" sz="1200"/>
-                        <a:t>5</a:t>
+                        <a:t>3</a:t>
                       </a:r>
                       <a:endParaRPr sz="1200"/>
                     </a:p>
@@ -8909,7 +9296,7 @@
                       </a:pPr>
                       <a:r>
                         <a:rPr lang="en-GB" sz="1200"/>
-                        <a:t>7</a:t>
+                        <a:t>6</a:t>
                       </a:r>
                       <a:endParaRPr sz="1200"/>
                     </a:p>
@@ -8927,7 +9314,7 @@
                   </a:tcPr>
                 </a:tc>
               </a:tr>
-              <a:tr h="320325">
+              <a:tr h="365725">
                 <a:tc>
                   <a:txBody>
                     <a:bodyPr/>
@@ -8944,7 +9331,7 @@
                       </a:pPr>
                       <a:r>
                         <a:rPr lang="en-GB" sz="1200"/>
-                        <a:t>6</a:t>
+                        <a:t>4</a:t>
                       </a:r>
                       <a:endParaRPr sz="1200"/>
                     </a:p>
@@ -8981,7 +9368,7 @@
                             <a:schemeClr val="dk1"/>
                           </a:solidFill>
                         </a:rPr>
-                        <a:t>Technologies Used</a:t>
+                        <a:t>Tech Stack</a:t>
                       </a:r>
                       <a:endParaRPr sz="1200"/>
                     </a:p>
@@ -9041,7 +9428,7 @@
                       </a:pPr>
                       <a:r>
                         <a:rPr lang="en-GB" sz="1200"/>
-                        <a:t>8 - 12</a:t>
+                        <a:t>7</a:t>
                       </a:r>
                       <a:endParaRPr sz="1200"/>
                     </a:p>
@@ -9059,7 +9446,7 @@
                   </a:tcPr>
                 </a:tc>
               </a:tr>
-              <a:tr h="320325">
+              <a:tr h="365725">
                 <a:tc>
                   <a:txBody>
                     <a:bodyPr/>
@@ -9076,7 +9463,7 @@
                       </a:pPr>
                       <a:r>
                         <a:rPr lang="en-GB" sz="1200"/>
-                        <a:t>7</a:t>
+                        <a:t>5</a:t>
                       </a:r>
                       <a:endParaRPr sz="1200"/>
                     </a:p>
@@ -9109,7 +9496,7 @@
                       </a:pPr>
                       <a:r>
                         <a:rPr lang="en-GB" sz="1200"/>
-                        <a:t>Sample UI</a:t>
+                        <a:t>Results</a:t>
                       </a:r>
                       <a:endParaRPr sz="1200"/>
                     </a:p>
@@ -9169,7 +9556,7 @@
                       </a:pPr>
                       <a:r>
                         <a:rPr lang="en-GB" sz="1200"/>
-                        <a:t>13</a:t>
+                        <a:t>8-12</a:t>
                       </a:r>
                       <a:endParaRPr sz="1200"/>
                     </a:p>
@@ -9187,7 +9574,7 @@
                   </a:tcPr>
                 </a:tc>
               </a:tr>
-              <a:tr h="320325">
+              <a:tr h="365725">
                 <a:tc>
                   <a:txBody>
                     <a:bodyPr/>
@@ -9204,271 +9591,7 @@
                       </a:pPr>
                       <a:r>
                         <a:rPr lang="en-GB" sz="1200"/>
-                        <a:t>8</a:t>
-                      </a:r>
-                      <a:endParaRPr sz="1200"/>
-                    </a:p>
-                  </a:txBody>
-                  <a:tcPr marT="91425" marB="91425" marR="91425" marL="91425">
-                    <a:lnR cap="flat" cmpd="sng" w="9525">
-                      <a:solidFill>
-                        <a:srgbClr val="9E9E9E"/>
-                      </a:solidFill>
-                      <a:prstDash val="solid"/>
-                      <a:round/>
-                      <a:headEnd len="sm" w="sm" type="none"/>
-                      <a:tailEnd len="sm" w="sm" type="none"/>
-                    </a:lnR>
-                  </a:tcPr>
-                </a:tc>
-                <a:tc>
-                  <a:txBody>
-                    <a:bodyPr/>
-                    <a:lstStyle/>
-                    <a:p>
-                      <a:pPr indent="0" lvl="0" marL="0" rtl="0" algn="ctr">
-                        <a:spcBef>
-                          <a:spcPts val="0"/>
-                        </a:spcBef>
-                        <a:spcAft>
-                          <a:spcPts val="0"/>
-                        </a:spcAft>
-                        <a:buNone/>
-                      </a:pPr>
-                      <a:r>
-                        <a:rPr lang="en-GB" sz="1200">
-                          <a:solidFill>
-                            <a:schemeClr val="dk1"/>
-                          </a:solidFill>
-                        </a:rPr>
-                        <a:t>Learning Outcomes </a:t>
-                      </a:r>
-                      <a:endParaRPr sz="1200"/>
-                    </a:p>
-                  </a:txBody>
-                  <a:tcPr marT="91425" marB="91425" marR="91425" marL="91425">
-                    <a:lnL cap="flat" cmpd="sng" w="9525">
-                      <a:solidFill>
-                        <a:srgbClr val="9E9E9E"/>
-                      </a:solidFill>
-                      <a:prstDash val="solid"/>
-                      <a:round/>
-                      <a:headEnd len="sm" w="sm" type="none"/>
-                      <a:tailEnd len="sm" w="sm" type="none"/>
-                    </a:lnL>
-                    <a:lnR cap="flat" cmpd="sng" w="9525">
-                      <a:solidFill>
-                        <a:srgbClr val="9E9E9E"/>
-                      </a:solidFill>
-                      <a:prstDash val="solid"/>
-                      <a:round/>
-                      <a:headEnd len="sm" w="sm" type="none"/>
-                      <a:tailEnd len="sm" w="sm" type="none"/>
-                    </a:lnR>
-                    <a:lnT cap="flat" cmpd="sng" w="9525">
-                      <a:solidFill>
-                        <a:srgbClr val="9E9E9E"/>
-                      </a:solidFill>
-                      <a:prstDash val="solid"/>
-                      <a:round/>
-                      <a:headEnd len="sm" w="sm" type="none"/>
-                      <a:tailEnd len="sm" w="sm" type="none"/>
-                    </a:lnT>
-                    <a:lnB cap="flat" cmpd="sng" w="9525">
-                      <a:solidFill>
-                        <a:srgbClr val="9E9E9E"/>
-                      </a:solidFill>
-                      <a:prstDash val="solid"/>
-                      <a:round/>
-                      <a:headEnd len="sm" w="sm" type="none"/>
-                      <a:tailEnd len="sm" w="sm" type="none"/>
-                    </a:lnB>
-                  </a:tcPr>
-                </a:tc>
-                <a:tc>
-                  <a:txBody>
-                    <a:bodyPr/>
-                    <a:lstStyle/>
-                    <a:p>
-                      <a:pPr indent="0" lvl="0" marL="0" rtl="0" algn="ctr">
-                        <a:spcBef>
-                          <a:spcPts val="0"/>
-                        </a:spcBef>
-                        <a:spcAft>
-                          <a:spcPts val="0"/>
-                        </a:spcAft>
-                        <a:buNone/>
-                      </a:pPr>
-                      <a:r>
-                        <a:rPr lang="en-GB" sz="1200"/>
-                        <a:t>14</a:t>
-                      </a:r>
-                      <a:endParaRPr sz="1200"/>
-                    </a:p>
-                  </a:txBody>
-                  <a:tcPr marT="91425" marB="91425" marR="91425" marL="91425">
-                    <a:lnL cap="flat" cmpd="sng" w="9525">
-                      <a:solidFill>
-                        <a:srgbClr val="9E9E9E"/>
-                      </a:solidFill>
-                      <a:prstDash val="solid"/>
-                      <a:round/>
-                      <a:headEnd len="sm" w="sm" type="none"/>
-                      <a:tailEnd len="sm" w="sm" type="none"/>
-                    </a:lnL>
-                  </a:tcPr>
-                </a:tc>
-              </a:tr>
-              <a:tr h="320325">
-                <a:tc>
-                  <a:txBody>
-                    <a:bodyPr/>
-                    <a:lstStyle/>
-                    <a:p>
-                      <a:pPr indent="0" lvl="0" marL="0" rtl="0" algn="ctr">
-                        <a:spcBef>
-                          <a:spcPts val="0"/>
-                        </a:spcBef>
-                        <a:spcAft>
-                          <a:spcPts val="0"/>
-                        </a:spcAft>
-                        <a:buNone/>
-                      </a:pPr>
-                      <a:r>
-                        <a:rPr lang="en-GB" sz="1200"/>
-                        <a:t>9</a:t>
-                      </a:r>
-                      <a:endParaRPr sz="1200"/>
-                    </a:p>
-                  </a:txBody>
-                  <a:tcPr marT="91425" marB="91425" marR="91425" marL="91425">
-                    <a:lnR cap="flat" cmpd="sng" w="9525">
-                      <a:solidFill>
-                        <a:srgbClr val="9E9E9E"/>
-                      </a:solidFill>
-                      <a:prstDash val="solid"/>
-                      <a:round/>
-                      <a:headEnd len="sm" w="sm" type="none"/>
-                      <a:tailEnd len="sm" w="sm" type="none"/>
-                    </a:lnR>
-                  </a:tcPr>
-                </a:tc>
-                <a:tc>
-                  <a:txBody>
-                    <a:bodyPr/>
-                    <a:lstStyle/>
-                    <a:p>
-                      <a:pPr indent="0" lvl="0" marL="0" rtl="0" algn="ctr">
-                        <a:spcBef>
-                          <a:spcPts val="0"/>
-                        </a:spcBef>
-                        <a:spcAft>
-                          <a:spcPts val="0"/>
-                        </a:spcAft>
-                        <a:buNone/>
-                      </a:pPr>
-                      <a:r>
-                        <a:rPr lang="en-GB" sz="1200">
-                          <a:solidFill>
-                            <a:schemeClr val="dk1"/>
-                          </a:solidFill>
-                        </a:rPr>
-                        <a:t>Target (until next Presentation)</a:t>
-                      </a:r>
-                      <a:endParaRPr sz="1200"/>
-                    </a:p>
-                  </a:txBody>
-                  <a:tcPr marT="91425" marB="91425" marR="91425" marL="91425">
-                    <a:lnL cap="flat" cmpd="sng" w="9525">
-                      <a:solidFill>
-                        <a:srgbClr val="9E9E9E"/>
-                      </a:solidFill>
-                      <a:prstDash val="solid"/>
-                      <a:round/>
-                      <a:headEnd len="sm" w="sm" type="none"/>
-                      <a:tailEnd len="sm" w="sm" type="none"/>
-                    </a:lnL>
-                    <a:lnR cap="flat" cmpd="sng" w="9525">
-                      <a:solidFill>
-                        <a:srgbClr val="9E9E9E"/>
-                      </a:solidFill>
-                      <a:prstDash val="solid"/>
-                      <a:round/>
-                      <a:headEnd len="sm" w="sm" type="none"/>
-                      <a:tailEnd len="sm" w="sm" type="none"/>
-                    </a:lnR>
-                    <a:lnT cap="flat" cmpd="sng" w="9525">
-                      <a:solidFill>
-                        <a:srgbClr val="9E9E9E"/>
-                      </a:solidFill>
-                      <a:prstDash val="solid"/>
-                      <a:round/>
-                      <a:headEnd len="sm" w="sm" type="none"/>
-                      <a:tailEnd len="sm" w="sm" type="none"/>
-                    </a:lnT>
-                    <a:lnB cap="flat" cmpd="sng" w="9525">
-                      <a:solidFill>
-                        <a:srgbClr val="9E9E9E"/>
-                      </a:solidFill>
-                      <a:prstDash val="solid"/>
-                      <a:round/>
-                      <a:headEnd len="sm" w="sm" type="none"/>
-                      <a:tailEnd len="sm" w="sm" type="none"/>
-                    </a:lnB>
-                  </a:tcPr>
-                </a:tc>
-                <a:tc>
-                  <a:txBody>
-                    <a:bodyPr/>
-                    <a:lstStyle/>
-                    <a:p>
-                      <a:pPr indent="0" lvl="0" marL="0" rtl="0" algn="ctr">
-                        <a:spcBef>
-                          <a:spcPts val="0"/>
-                        </a:spcBef>
-                        <a:spcAft>
-                          <a:spcPts val="0"/>
-                        </a:spcAft>
-                        <a:buNone/>
-                      </a:pPr>
-                      <a:r>
-                        <a:rPr lang="en-GB" sz="1200"/>
-                        <a:t>15</a:t>
-                      </a:r>
-                      <a:endParaRPr sz="1200"/>
-                    </a:p>
-                  </a:txBody>
-                  <a:tcPr marT="91425" marB="91425" marR="91425" marL="91425">
-                    <a:lnL cap="flat" cmpd="sng" w="9525">
-                      <a:solidFill>
-                        <a:srgbClr val="9E9E9E"/>
-                      </a:solidFill>
-                      <a:prstDash val="solid"/>
-                      <a:round/>
-                      <a:headEnd len="sm" w="sm" type="none"/>
-                      <a:tailEnd len="sm" w="sm" type="none"/>
-                    </a:lnL>
-                  </a:tcPr>
-                </a:tc>
-              </a:tr>
-              <a:tr h="320325">
-                <a:tc>
-                  <a:txBody>
-                    <a:bodyPr/>
-                    <a:lstStyle/>
-                    <a:p>
-                      <a:pPr indent="0" lvl="0" marL="0" rtl="0" algn="ctr">
-                        <a:spcBef>
-                          <a:spcPts val="0"/>
-                        </a:spcBef>
-                        <a:spcAft>
-                          <a:spcPts val="0"/>
-                        </a:spcAft>
-                        <a:buNone/>
-                      </a:pPr>
-                      <a:r>
-                        <a:rPr lang="en-GB" sz="1200"/>
-                        <a:t>10</a:t>
+                        <a:t>6</a:t>
                       </a:r>
                       <a:endParaRPr sz="1200"/>
                     </a:p>
@@ -9569,7 +9692,7 @@
                       </a:pPr>
                       <a:r>
                         <a:rPr lang="en-GB" sz="1200"/>
-                        <a:t>16</a:t>
+                        <a:t>13</a:t>
                       </a:r>
                       <a:endParaRPr sz="1200"/>
                     </a:p>
@@ -9630,7 +9753,7 @@
                                           </p:stCondLst>
                                         </p:cTn>
                                         <p:tgtEl>
-                                          <p:spTgt spid="73"/>
+                                          <p:spTgt spid="83"/>
                                         </p:tgtEl>
                                         <p:attrNameLst>
                                           <p:attrName>style.visibility</p:attrName>
@@ -9644,7 +9767,7 @@
                                       <p:cBhvr>
                                         <p:cTn dur="1000"/>
                                         <p:tgtEl>
-                                          <p:spTgt spid="73"/>
+                                          <p:spTgt spid="83"/>
                                         </p:tgtEl>
                                       </p:cBhvr>
                                     </p:animEffect>
@@ -9683,7 +9806,7 @@
                                           </p:stCondLst>
                                         </p:cTn>
                                         <p:tgtEl>
-                                          <p:spTgt spid="73"/>
+                                          <p:spTgt spid="83"/>
                                         </p:tgtEl>
                                         <p:attrNameLst>
                                           <p:attrName>style.visibility</p:attrName>
@@ -9697,7 +9820,7 @@
                                       <p:cBhvr>
                                         <p:cTn dur="1000"/>
                                         <p:tgtEl>
-                                          <p:spTgt spid="73"/>
+                                          <p:spTgt spid="83"/>
                                         </p:tgtEl>
                                       </p:cBhvr>
                                     </p:animEffect>
@@ -9735,12 +9858,12 @@
 </p:sld>
 </file>
 
-<file path=ppt/slides/slide3.xml><?xml version="1.0" encoding="utf-8"?>
+<file path=ppt/slides/slide4.xml><?xml version="1.0" encoding="utf-8"?>
 <p:sld xmlns:a="http://schemas.openxmlformats.org/drawingml/2006/main" xmlns:r="http://schemas.openxmlformats.org/officeDocument/2006/relationships" xmlns:mc="http://schemas.openxmlformats.org/markup-compatibility/2006" xmlns:mv="urn:schemas-microsoft-com:mac:vml" xmlns:p="http://schemas.openxmlformats.org/presentationml/2006/main" xmlns:c="http://schemas.openxmlformats.org/drawingml/2006/chart" xmlns:dgm="http://schemas.openxmlformats.org/drawingml/2006/diagram" xmlns:o="urn:schemas-microsoft-com:office:office" xmlns:v="urn:schemas-microsoft-com:vml" xmlns:pvml="urn:schemas-microsoft-com:office:powerpoint" xmlns:com="http://schemas.openxmlformats.org/drawingml/2006/compatibility" xmlns:p14="http://schemas.microsoft.com/office/powerpoint/2010/main" xmlns:p15="http://schemas.microsoft.com/office/powerpoint/2012/main" xmlns:ahyp="http://schemas.microsoft.com/office/drawing/2018/hyperlinkcolor">
   <p:cSld>
     <p:spTree>
       <p:nvGrpSpPr>
-        <p:cNvPr id="77" name="Shape 77"/>
+        <p:cNvPr id="87" name="Shape 87"/>
         <p:cNvGrpSpPr/>
         <p:nvPr/>
       </p:nvGrpSpPr>
@@ -9754,7 +9877,7 @@
       </p:grpSpPr>
       <p:sp>
         <p:nvSpPr>
-          <p:cNvPr id="78" name="Google Shape;78;p15"/>
+          <p:cNvPr id="88" name="Google Shape;88;p16"/>
           <p:cNvSpPr txBox="1"/>
           <p:nvPr>
             <p:ph type="title"/>
@@ -9762,8 +9885,8 @@
         </p:nvSpPr>
         <p:spPr>
           <a:xfrm>
-            <a:off x="773700" y="322150"/>
-            <a:ext cx="7596600" cy="1530600"/>
+            <a:off x="2059325" y="210525"/>
+            <a:ext cx="6311100" cy="1530600"/>
           </a:xfrm>
           <a:prstGeom prst="rect">
             <a:avLst/>
@@ -9775,7 +9898,23 @@
           </a:bodyPr>
           <a:lstStyle/>
           <a:p>
-            <a:pPr indent="0" lvl="0" marL="0" rtl="0" algn="ctr">
+            <a:pPr indent="0" lvl="0" marL="0" rtl="0" algn="l">
+              <a:spcBef>
+                <a:spcPts val="0"/>
+              </a:spcBef>
+              <a:spcAft>
+                <a:spcPts val="0"/>
+              </a:spcAft>
+              <a:buNone/>
+            </a:pPr>
+            <a:r>
+              <a:rPr b="1" lang="en-GB"/>
+              <a:t>RECAP</a:t>
+            </a:r>
+            <a:endParaRPr b="1"/>
+          </a:p>
+          <a:p>
+            <a:pPr indent="0" lvl="0" marL="0" rtl="0" algn="l">
               <a:spcBef>
                 <a:spcPts val="0"/>
               </a:spcBef>
@@ -9786,7 +9925,7 @@
             </a:pPr>
             <a:r>
               <a:rPr lang="en-GB"/>
-              <a:t>INTRODUCTION</a:t>
+              <a:t>Problem Statement</a:t>
             </a:r>
             <a:endParaRPr/>
           </a:p>
@@ -9794,7 +9933,7 @@
       </p:sp>
       <p:sp>
         <p:nvSpPr>
-          <p:cNvPr id="79" name="Google Shape;79;p15"/>
+          <p:cNvPr id="89" name="Google Shape;89;p16"/>
           <p:cNvSpPr txBox="1"/>
           <p:nvPr/>
         </p:nvSpPr>
@@ -10134,7 +10273,7 @@
       </p:sp>
       <p:pic>
         <p:nvPicPr>
-          <p:cNvPr id="80" name="Google Shape;80;p15"/>
+          <p:cNvPr id="90" name="Google Shape;90;p16"/>
           <p:cNvPicPr preferRelativeResize="0"/>
           <p:nvPr/>
         </p:nvPicPr>
@@ -10148,7 +10287,7 @@
         </p:blipFill>
         <p:spPr>
           <a:xfrm>
-            <a:off x="606600" y="1535200"/>
+            <a:off x="606600" y="1496225"/>
             <a:ext cx="2627900" cy="2627900"/>
           </a:xfrm>
           <a:prstGeom prst="rect">
@@ -10160,41 +10299,16 @@
           </a:ln>
         </p:spPr>
       </p:pic>
-    </p:spTree>
-  </p:cSld>
-  <p:clrMapOvr>
-    <a:masterClrMapping/>
-  </p:clrMapOvr>
-</p:sld>
-</file>
-
-<file path=ppt/slides/slide4.xml><?xml version="1.0" encoding="utf-8"?>
-<p:sld xmlns:a="http://schemas.openxmlformats.org/drawingml/2006/main" xmlns:r="http://schemas.openxmlformats.org/officeDocument/2006/relationships" xmlns:mc="http://schemas.openxmlformats.org/markup-compatibility/2006" xmlns:mv="urn:schemas-microsoft-com:mac:vml" xmlns:p="http://schemas.openxmlformats.org/presentationml/2006/main" xmlns:c="http://schemas.openxmlformats.org/drawingml/2006/chart" xmlns:dgm="http://schemas.openxmlformats.org/drawingml/2006/diagram" xmlns:o="urn:schemas-microsoft-com:office:office" xmlns:v="urn:schemas-microsoft-com:vml" xmlns:pvml="urn:schemas-microsoft-com:office:powerpoint" xmlns:com="http://schemas.openxmlformats.org/drawingml/2006/compatibility" xmlns:p14="http://schemas.microsoft.com/office/powerpoint/2010/main" xmlns:p15="http://schemas.microsoft.com/office/powerpoint/2012/main" xmlns:ahyp="http://schemas.microsoft.com/office/drawing/2018/hyperlinkcolor">
-  <p:cSld>
-    <p:spTree>
-      <p:nvGrpSpPr>
-        <p:cNvPr id="84" name="Shape 84"/>
-        <p:cNvGrpSpPr/>
-        <p:nvPr/>
-      </p:nvGrpSpPr>
-      <p:grpSpPr>
-        <a:xfrm>
-          <a:off x="0" y="0"/>
-          <a:ext cx="0" cy="0"/>
-          <a:chOff x="0" y="0"/>
-          <a:chExt cx="0" cy="0"/>
-        </a:xfrm>
-      </p:grpSpPr>
       <p:sp>
         <p:nvSpPr>
-          <p:cNvPr id="85" name="Google Shape;85;p16"/>
+          <p:cNvPr id="91" name="Google Shape;91;p16"/>
           <p:cNvSpPr txBox="1"/>
           <p:nvPr/>
         </p:nvSpPr>
         <p:spPr>
           <a:xfrm>
-            <a:off x="0" y="270872"/>
-            <a:ext cx="9144000" cy="800400"/>
+            <a:off x="868025" y="144675"/>
+            <a:ext cx="1191300" cy="3140100"/>
           </a:xfrm>
           <a:prstGeom prst="rect">
             <a:avLst/>
@@ -10210,7 +10324,7 @@
           </a:bodyPr>
           <a:lstStyle/>
           <a:p>
-            <a:pPr indent="0" lvl="0" marL="0" rtl="0" algn="ctr">
+            <a:pPr indent="0" lvl="0" marL="0" rtl="0" algn="l">
               <a:spcBef>
                 <a:spcPts val="0"/>
               </a:spcBef>
@@ -10220,300 +10334,15 @@
               <a:buNone/>
             </a:pPr>
             <a:r>
-              <a:rPr lang="en-GB" sz="4000">
+              <a:rPr lang="en-GB" sz="9600">
                 <a:latin typeface="Economica"/>
                 <a:ea typeface="Economica"/>
                 <a:cs typeface="Economica"/>
                 <a:sym typeface="Economica"/>
               </a:rPr>
-              <a:t>Problem Statement</a:t>
+              <a:t>01c</a:t>
             </a:r>
-            <a:endParaRPr sz="4000">
-              <a:latin typeface="Economica"/>
-              <a:ea typeface="Economica"/>
-              <a:cs typeface="Economica"/>
-              <a:sym typeface="Economica"/>
-            </a:endParaRPr>
-          </a:p>
-        </p:txBody>
-      </p:sp>
-      <p:pic>
-        <p:nvPicPr>
-          <p:cNvPr id="86" name="Google Shape;86;p16"/>
-          <p:cNvPicPr preferRelativeResize="0"/>
-          <p:nvPr/>
-        </p:nvPicPr>
-        <p:blipFill>
-          <a:blip r:embed="rId3">
-            <a:alphaModFix/>
-          </a:blip>
-          <a:stretch>
-            <a:fillRect/>
-          </a:stretch>
-        </p:blipFill>
-        <p:spPr>
-          <a:xfrm>
-            <a:off x="286324" y="217050"/>
-            <a:ext cx="1853400" cy="1392625"/>
-          </a:xfrm>
-          <a:prstGeom prst="rect">
-            <a:avLst/>
-          </a:prstGeom>
-          <a:noFill/>
-          <a:ln>
-            <a:noFill/>
-          </a:ln>
-        </p:spPr>
-      </p:pic>
-      <p:pic>
-        <p:nvPicPr>
-          <p:cNvPr id="87" name="Google Shape;87;p16"/>
-          <p:cNvPicPr preferRelativeResize="0"/>
-          <p:nvPr/>
-        </p:nvPicPr>
-        <p:blipFill>
-          <a:blip r:embed="rId4">
-            <a:alphaModFix/>
-          </a:blip>
-          <a:stretch>
-            <a:fillRect/>
-          </a:stretch>
-        </p:blipFill>
-        <p:spPr>
-          <a:xfrm>
-            <a:off x="554150" y="1004225"/>
-            <a:ext cx="8220723" cy="3559601"/>
-          </a:xfrm>
-          <a:prstGeom prst="rect">
-            <a:avLst/>
-          </a:prstGeom>
-          <a:noFill/>
-          <a:ln>
-            <a:noFill/>
-          </a:ln>
-        </p:spPr>
-      </p:pic>
-    </p:spTree>
-  </p:cSld>
-  <p:clrMapOvr>
-    <a:masterClrMapping/>
-  </p:clrMapOvr>
-</p:sld>
-</file>
-
-<file path=ppt/slides/slide5.xml><?xml version="1.0" encoding="utf-8"?>
-<p:sld xmlns:a="http://schemas.openxmlformats.org/drawingml/2006/main" xmlns:r="http://schemas.openxmlformats.org/officeDocument/2006/relationships" xmlns:mc="http://schemas.openxmlformats.org/markup-compatibility/2006" xmlns:mv="urn:schemas-microsoft-com:mac:vml" xmlns:p="http://schemas.openxmlformats.org/presentationml/2006/main" xmlns:c="http://schemas.openxmlformats.org/drawingml/2006/chart" xmlns:dgm="http://schemas.openxmlformats.org/drawingml/2006/diagram" xmlns:o="urn:schemas-microsoft-com:office:office" xmlns:v="urn:schemas-microsoft-com:vml" xmlns:pvml="urn:schemas-microsoft-com:office:powerpoint" xmlns:com="http://schemas.openxmlformats.org/drawingml/2006/compatibility" xmlns:p14="http://schemas.microsoft.com/office/powerpoint/2010/main" xmlns:p15="http://schemas.microsoft.com/office/powerpoint/2012/main" xmlns:ahyp="http://schemas.microsoft.com/office/drawing/2018/hyperlinkcolor">
-  <p:cSld>
-    <p:spTree>
-      <p:nvGrpSpPr>
-        <p:cNvPr id="91" name="Shape 91"/>
-        <p:cNvGrpSpPr/>
-        <p:nvPr/>
-      </p:nvGrpSpPr>
-      <p:grpSpPr>
-        <a:xfrm>
-          <a:off x="0" y="0"/>
-          <a:ext cx="0" cy="0"/>
-          <a:chOff x="0" y="0"/>
-          <a:chExt cx="0" cy="0"/>
-        </a:xfrm>
-      </p:grpSpPr>
-      <p:sp>
-        <p:nvSpPr>
-          <p:cNvPr id="92" name="Google Shape;92;p17"/>
-          <p:cNvSpPr txBox="1"/>
-          <p:nvPr>
-            <p:ph type="title"/>
-          </p:nvPr>
-        </p:nvSpPr>
-        <p:spPr>
-          <a:xfrm>
-            <a:off x="0" y="1548417"/>
-            <a:ext cx="9144000" cy="607800"/>
-          </a:xfrm>
-          <a:prstGeom prst="rect">
-            <a:avLst/>
-          </a:prstGeom>
-        </p:spPr>
-        <p:txBody>
-          <a:bodyPr anchorCtr="0" anchor="b" bIns="91425" lIns="91425" spcFirstLastPara="1" rIns="91425" wrap="square" tIns="91425">
-            <a:noAutofit/>
-          </a:bodyPr>
-          <a:lstStyle/>
-          <a:p>
-            <a:pPr indent="0" lvl="0" marL="0" rtl="0" algn="ctr">
-              <a:spcBef>
-                <a:spcPts val="0"/>
-              </a:spcBef>
-              <a:spcAft>
-                <a:spcPts val="0"/>
-              </a:spcAft>
-              <a:buClr>
-                <a:schemeClr val="dk1"/>
-              </a:buClr>
-              <a:buSzPts val="990"/>
-              <a:buFont typeface="Arial"/>
-              <a:buNone/>
-            </a:pPr>
-            <a:r>
-              <a:rPr lang="en-GB">
-                <a:solidFill>
-                  <a:srgbClr val="222222"/>
-                </a:solidFill>
-                <a:highlight>
-                  <a:srgbClr val="FFFFFF"/>
-                </a:highlight>
-              </a:rPr>
-              <a:t>Expected Outcome from this Project</a:t>
-            </a:r>
-            <a:endParaRPr/>
-          </a:p>
-          <a:p>
-            <a:pPr indent="0" lvl="0" marL="0" rtl="0" algn="l">
-              <a:spcBef>
-                <a:spcPts val="0"/>
-              </a:spcBef>
-              <a:spcAft>
-                <a:spcPts val="0"/>
-              </a:spcAft>
-              <a:buSzPts val="990"/>
-              <a:buNone/>
-            </a:pPr>
-            <a:r>
-              <a:t/>
-            </a:r>
-            <a:endParaRPr sz="1215">
-              <a:solidFill>
-                <a:srgbClr val="222222"/>
-              </a:solidFill>
-              <a:highlight>
-                <a:srgbClr val="FFFFFF"/>
-              </a:highlight>
-            </a:endParaRPr>
-          </a:p>
-        </p:txBody>
-      </p:sp>
-      <p:sp>
-        <p:nvSpPr>
-          <p:cNvPr id="93" name="Google Shape;93;p17"/>
-          <p:cNvSpPr txBox="1"/>
-          <p:nvPr>
-            <p:ph idx="1" type="body"/>
-          </p:nvPr>
-        </p:nvSpPr>
-        <p:spPr>
-          <a:xfrm>
-            <a:off x="311700" y="1954100"/>
-            <a:ext cx="8520600" cy="2879700"/>
-          </a:xfrm>
-          <a:prstGeom prst="rect">
-            <a:avLst/>
-          </a:prstGeom>
-        </p:spPr>
-        <p:txBody>
-          <a:bodyPr anchorCtr="0" anchor="ctr" bIns="91425" lIns="91425" spcFirstLastPara="1" rIns="91425" wrap="square" tIns="91425">
-            <a:normAutofit/>
-          </a:bodyPr>
-          <a:lstStyle/>
-          <a:p>
-            <a:pPr indent="-317500" lvl="0" marL="457200" rtl="0" algn="l">
-              <a:spcBef>
-                <a:spcPts val="0"/>
-              </a:spcBef>
-              <a:spcAft>
-                <a:spcPts val="0"/>
-              </a:spcAft>
-              <a:buSzPts val="1400"/>
-              <a:buChar char="●"/>
-            </a:pPr>
-            <a:r>
-              <a:rPr lang="en-GB" sz="1400"/>
-              <a:t>To build a solution </a:t>
-            </a:r>
-            <a:r>
-              <a:rPr lang="en-GB" sz="1400"/>
-              <a:t>that will recognize and identify the text in the prescriptions and should read out the name of medicines and dosage limits to the patients.</a:t>
-            </a:r>
-            <a:endParaRPr sz="1400"/>
-          </a:p>
-          <a:p>
-            <a:pPr indent="0" lvl="0" marL="457200" rtl="0" algn="l">
-              <a:spcBef>
-                <a:spcPts val="1200"/>
-              </a:spcBef>
-              <a:spcAft>
-                <a:spcPts val="0"/>
-              </a:spcAft>
-              <a:buNone/>
-            </a:pPr>
-            <a:r>
-              <a:t/>
-            </a:r>
-            <a:endParaRPr sz="1400"/>
-          </a:p>
-          <a:p>
-            <a:pPr indent="-317500" lvl="0" marL="457200" rtl="0" algn="l">
-              <a:spcBef>
-                <a:spcPts val="1200"/>
-              </a:spcBef>
-              <a:spcAft>
-                <a:spcPts val="0"/>
-              </a:spcAft>
-              <a:buSzPts val="1400"/>
-              <a:buChar char="●"/>
-            </a:pPr>
-            <a:r>
-              <a:rPr lang="en-GB" sz="1400"/>
-              <a:t>To build a deployable user interface or to expose our entire solution as an API.</a:t>
-            </a:r>
-            <a:endParaRPr sz="1400"/>
-          </a:p>
-        </p:txBody>
-      </p:sp>
-      <p:sp>
-        <p:nvSpPr>
-          <p:cNvPr id="94" name="Google Shape;94;p17"/>
-          <p:cNvSpPr txBox="1"/>
-          <p:nvPr/>
-        </p:nvSpPr>
-        <p:spPr>
-          <a:xfrm>
-            <a:off x="0" y="0"/>
-            <a:ext cx="9144000" cy="677100"/>
-          </a:xfrm>
-          <a:prstGeom prst="rect">
-            <a:avLst/>
-          </a:prstGeom>
-          <a:noFill/>
-          <a:ln>
-            <a:noFill/>
-          </a:ln>
-        </p:spPr>
-        <p:txBody>
-          <a:bodyPr anchorCtr="0" anchor="t" bIns="91425" lIns="91425" spcFirstLastPara="1" rIns="91425" wrap="square" tIns="91425">
-            <a:spAutoFit/>
-          </a:bodyPr>
-          <a:lstStyle/>
-          <a:p>
-            <a:pPr indent="0" lvl="0" marL="0" rtl="0" algn="ctr">
-              <a:spcBef>
-                <a:spcPts val="0"/>
-              </a:spcBef>
-              <a:spcAft>
-                <a:spcPts val="0"/>
-              </a:spcAft>
-              <a:buNone/>
-            </a:pPr>
-            <a:r>
-              <a:rPr b="1" lang="en-GB" sz="3200">
-                <a:latin typeface="Economica"/>
-                <a:ea typeface="Economica"/>
-                <a:cs typeface="Economica"/>
-                <a:sym typeface="Economica"/>
-              </a:rPr>
-              <a:t>SOLUTION</a:t>
-            </a:r>
-            <a:endParaRPr b="1" sz="3200">
+            <a:endParaRPr sz="9600">
               <a:latin typeface="Economica"/>
               <a:ea typeface="Economica"/>
               <a:cs typeface="Economica"/>
@@ -10530,12 +10359,12 @@
 </p:sld>
 </file>
 
-<file path=ppt/slides/slide6.xml><?xml version="1.0" encoding="utf-8"?>
+<file path=ppt/slides/slide5.xml><?xml version="1.0" encoding="utf-8"?>
 <p:sld xmlns:a="http://schemas.openxmlformats.org/drawingml/2006/main" xmlns:r="http://schemas.openxmlformats.org/officeDocument/2006/relationships" xmlns:mc="http://schemas.openxmlformats.org/markup-compatibility/2006" xmlns:mv="urn:schemas-microsoft-com:mac:vml" xmlns:p="http://schemas.openxmlformats.org/presentationml/2006/main" xmlns:c="http://schemas.openxmlformats.org/drawingml/2006/chart" xmlns:dgm="http://schemas.openxmlformats.org/drawingml/2006/diagram" xmlns:o="urn:schemas-microsoft-com:office:office" xmlns:v="urn:schemas-microsoft-com:vml" xmlns:pvml="urn:schemas-microsoft-com:office:powerpoint" xmlns:com="http://schemas.openxmlformats.org/drawingml/2006/compatibility" xmlns:p14="http://schemas.microsoft.com/office/powerpoint/2010/main" xmlns:p15="http://schemas.microsoft.com/office/powerpoint/2012/main" xmlns:ahyp="http://schemas.microsoft.com/office/drawing/2018/hyperlinkcolor">
   <p:cSld>
     <p:spTree>
       <p:nvGrpSpPr>
-        <p:cNvPr id="98" name="Shape 98"/>
+        <p:cNvPr id="95" name="Shape 95"/>
         <p:cNvGrpSpPr/>
         <p:nvPr/>
       </p:nvGrpSpPr>
@@ -10549,7 +10378,140 @@
       </p:grpSpPr>
       <p:sp>
         <p:nvSpPr>
-          <p:cNvPr id="99" name="Google Shape;99;p18"/>
+          <p:cNvPr id="96" name="Google Shape;96;p17"/>
+          <p:cNvSpPr txBox="1"/>
+          <p:nvPr/>
+        </p:nvSpPr>
+        <p:spPr>
+          <a:xfrm>
+            <a:off x="0" y="270872"/>
+            <a:ext cx="9144000" cy="800400"/>
+          </a:xfrm>
+          <a:prstGeom prst="rect">
+            <a:avLst/>
+          </a:prstGeom>
+          <a:noFill/>
+          <a:ln>
+            <a:noFill/>
+          </a:ln>
+        </p:spPr>
+        <p:txBody>
+          <a:bodyPr anchorCtr="0" anchor="t" bIns="91425" lIns="91425" spcFirstLastPara="1" rIns="91425" wrap="square" tIns="91425">
+            <a:spAutoFit/>
+          </a:bodyPr>
+          <a:lstStyle/>
+          <a:p>
+            <a:pPr indent="0" lvl="0" marL="0" rtl="0" algn="ctr">
+              <a:spcBef>
+                <a:spcPts val="0"/>
+              </a:spcBef>
+              <a:spcAft>
+                <a:spcPts val="0"/>
+              </a:spcAft>
+              <a:buNone/>
+            </a:pPr>
+            <a:r>
+              <a:rPr lang="en-GB" sz="4000">
+                <a:latin typeface="Economica"/>
+                <a:ea typeface="Economica"/>
+                <a:cs typeface="Economica"/>
+                <a:sym typeface="Economica"/>
+              </a:rPr>
+              <a:t>Problem Statement (contd.)</a:t>
+            </a:r>
+            <a:endParaRPr sz="4000">
+              <a:latin typeface="Economica"/>
+              <a:ea typeface="Economica"/>
+              <a:cs typeface="Economica"/>
+              <a:sym typeface="Economica"/>
+            </a:endParaRPr>
+          </a:p>
+        </p:txBody>
+      </p:sp>
+      <p:pic>
+        <p:nvPicPr>
+          <p:cNvPr id="97" name="Google Shape;97;p17"/>
+          <p:cNvPicPr preferRelativeResize="0"/>
+          <p:nvPr/>
+        </p:nvPicPr>
+        <p:blipFill>
+          <a:blip r:embed="rId3">
+            <a:alphaModFix/>
+          </a:blip>
+          <a:stretch>
+            <a:fillRect/>
+          </a:stretch>
+        </p:blipFill>
+        <p:spPr>
+          <a:xfrm>
+            <a:off x="286324" y="217050"/>
+            <a:ext cx="1853400" cy="1392625"/>
+          </a:xfrm>
+          <a:prstGeom prst="rect">
+            <a:avLst/>
+          </a:prstGeom>
+          <a:noFill/>
+          <a:ln>
+            <a:noFill/>
+          </a:ln>
+        </p:spPr>
+      </p:pic>
+      <p:pic>
+        <p:nvPicPr>
+          <p:cNvPr id="98" name="Google Shape;98;p17"/>
+          <p:cNvPicPr preferRelativeResize="0"/>
+          <p:nvPr/>
+        </p:nvPicPr>
+        <p:blipFill>
+          <a:blip r:embed="rId4">
+            <a:alphaModFix/>
+          </a:blip>
+          <a:stretch>
+            <a:fillRect/>
+          </a:stretch>
+        </p:blipFill>
+        <p:spPr>
+          <a:xfrm>
+            <a:off x="492125" y="1071275"/>
+            <a:ext cx="8320200" cy="3602675"/>
+          </a:xfrm>
+          <a:prstGeom prst="rect">
+            <a:avLst/>
+          </a:prstGeom>
+          <a:noFill/>
+          <a:ln>
+            <a:noFill/>
+          </a:ln>
+        </p:spPr>
+      </p:pic>
+    </p:spTree>
+  </p:cSld>
+  <p:clrMapOvr>
+    <a:masterClrMapping/>
+  </p:clrMapOvr>
+</p:sld>
+</file>
+
+<file path=ppt/slides/slide6.xml><?xml version="1.0" encoding="utf-8"?>
+<p:sld xmlns:a="http://schemas.openxmlformats.org/drawingml/2006/main" xmlns:r="http://schemas.openxmlformats.org/officeDocument/2006/relationships" xmlns:mc="http://schemas.openxmlformats.org/markup-compatibility/2006" xmlns:mv="urn:schemas-microsoft-com:mac:vml" xmlns:p="http://schemas.openxmlformats.org/presentationml/2006/main" xmlns:c="http://schemas.openxmlformats.org/drawingml/2006/chart" xmlns:dgm="http://schemas.openxmlformats.org/drawingml/2006/diagram" xmlns:o="urn:schemas-microsoft-com:office:office" xmlns:v="urn:schemas-microsoft-com:vml" xmlns:pvml="urn:schemas-microsoft-com:office:powerpoint" xmlns:com="http://schemas.openxmlformats.org/drawingml/2006/compatibility" xmlns:p14="http://schemas.microsoft.com/office/powerpoint/2010/main" xmlns:p15="http://schemas.microsoft.com/office/powerpoint/2012/main" xmlns:ahyp="http://schemas.microsoft.com/office/drawing/2018/hyperlinkcolor">
+  <p:cSld>
+    <p:spTree>
+      <p:nvGrpSpPr>
+        <p:cNvPr id="102" name="Shape 102"/>
+        <p:cNvGrpSpPr/>
+        <p:nvPr/>
+      </p:nvGrpSpPr>
+      <p:grpSpPr>
+        <a:xfrm>
+          <a:off x="0" y="0"/>
+          <a:ext cx="0" cy="0"/>
+          <a:chOff x="0" y="0"/>
+          <a:chExt cx="0" cy="0"/>
+        </a:xfrm>
+      </p:grpSpPr>
+      <p:sp>
+        <p:nvSpPr>
+          <p:cNvPr id="103" name="Google Shape;103;p18"/>
           <p:cNvSpPr txBox="1"/>
           <p:nvPr>
             <p:ph type="title"/>
@@ -10557,8 +10519,8 @@
         </p:nvSpPr>
         <p:spPr>
           <a:xfrm>
-            <a:off x="0" y="127994"/>
-            <a:ext cx="9144000" cy="831300"/>
+            <a:off x="830050" y="202450"/>
+            <a:ext cx="7110600" cy="831300"/>
           </a:xfrm>
           <a:prstGeom prst="rect">
             <a:avLst/>
@@ -10566,7 +10528,7 @@
         </p:spPr>
         <p:txBody>
           <a:bodyPr anchorCtr="0" anchor="b" bIns="91425" lIns="91425" spcFirstLastPara="1" rIns="91425" wrap="square" tIns="91425">
-            <a:normAutofit/>
+            <a:noAutofit/>
           </a:bodyPr>
           <a:lstStyle/>
           <a:p>
@@ -10580,16 +10542,20 @@
               <a:buNone/>
             </a:pPr>
             <a:r>
-              <a:rPr lang="en-GB"/>
-              <a:t>BLOCK DIAGRAM</a:t>
+              <a:rPr lang="en-GB" sz="4800"/>
+              <a:t>02 -  </a:t>
             </a:r>
-            <a:endParaRPr/>
+            <a:r>
+              <a:rPr lang="en-GB" sz="4800"/>
+              <a:t>WORKFLOW</a:t>
+            </a:r>
+            <a:endParaRPr sz="4800"/>
           </a:p>
         </p:txBody>
       </p:sp>
       <p:pic>
         <p:nvPicPr>
-          <p:cNvPr id="100" name="Google Shape;100;p18"/>
+          <p:cNvPr id="104" name="Google Shape;104;p18"/>
           <p:cNvPicPr preferRelativeResize="0"/>
           <p:nvPr/>
         </p:nvPicPr>
@@ -10628,7 +10594,7 @@
   <p:cSld>
     <p:spTree>
       <p:nvGrpSpPr>
-        <p:cNvPr id="104" name="Shape 104"/>
+        <p:cNvPr id="108" name="Shape 108"/>
         <p:cNvGrpSpPr/>
         <p:nvPr/>
       </p:nvGrpSpPr>
@@ -10642,7 +10608,7 @@
       </p:grpSpPr>
       <p:sp>
         <p:nvSpPr>
-          <p:cNvPr id="105" name="Google Shape;105;p19"/>
+          <p:cNvPr id="109" name="Google Shape;109;p19"/>
           <p:cNvSpPr txBox="1"/>
           <p:nvPr>
             <p:ph type="title"/>
@@ -10650,8 +10616,8 @@
         </p:nvSpPr>
         <p:spPr>
           <a:xfrm>
-            <a:off x="311700" y="315925"/>
-            <a:ext cx="8520600" cy="831300"/>
+            <a:off x="2754225" y="315925"/>
+            <a:ext cx="6078000" cy="1347600"/>
           </a:xfrm>
           <a:prstGeom prst="rect">
             <a:avLst/>
@@ -10659,11 +10625,11 @@
         </p:spPr>
         <p:txBody>
           <a:bodyPr anchorCtr="0" anchor="b" bIns="91425" lIns="91425" spcFirstLastPara="1" rIns="91425" wrap="square" tIns="91425">
-            <a:normAutofit/>
+            <a:spAutoFit/>
           </a:bodyPr>
           <a:lstStyle/>
           <a:p>
-            <a:pPr indent="0" lvl="0" marL="0" rtl="0" algn="ctr">
+            <a:pPr indent="0" lvl="0" marL="0" rtl="0" algn="l">
               <a:spcBef>
                 <a:spcPts val="0"/>
               </a:spcBef>
@@ -10673,16 +10639,32 @@
               <a:buNone/>
             </a:pPr>
             <a:r>
-              <a:rPr lang="en-GB"/>
-              <a:t>What is OCR? And how does it work?</a:t>
+              <a:rPr lang="en-GB" sz="4000"/>
+              <a:t>What is OCR? </a:t>
             </a:r>
-            <a:endParaRPr/>
+            <a:endParaRPr sz="4000"/>
+          </a:p>
+          <a:p>
+            <a:pPr indent="0" lvl="0" marL="0" rtl="0" algn="l">
+              <a:spcBef>
+                <a:spcPts val="0"/>
+              </a:spcBef>
+              <a:spcAft>
+                <a:spcPts val="0"/>
+              </a:spcAft>
+              <a:buNone/>
+            </a:pPr>
+            <a:r>
+              <a:rPr lang="en-GB" sz="3555"/>
+              <a:t>And how does it work?</a:t>
+            </a:r>
+            <a:endParaRPr sz="3555"/>
           </a:p>
         </p:txBody>
       </p:sp>
       <p:sp>
         <p:nvSpPr>
-          <p:cNvPr id="106" name="Google Shape;106;p19"/>
+          <p:cNvPr id="110" name="Google Shape;110;p19"/>
           <p:cNvSpPr txBox="1"/>
           <p:nvPr>
             <p:ph idx="1" type="body"/>
@@ -10690,8 +10672,8 @@
         </p:nvSpPr>
         <p:spPr>
           <a:xfrm>
-            <a:off x="311700" y="1225225"/>
-            <a:ext cx="3999900" cy="3354000"/>
+            <a:off x="311700" y="1746650"/>
+            <a:ext cx="3999900" cy="2832600"/>
           </a:xfrm>
           <a:prstGeom prst="rect">
             <a:avLst/>
@@ -10744,7 +10726,7 @@
       </p:sp>
       <p:sp>
         <p:nvSpPr>
-          <p:cNvPr id="107" name="Google Shape;107;p19"/>
+          <p:cNvPr id="111" name="Google Shape;111;p19"/>
           <p:cNvSpPr txBox="1"/>
           <p:nvPr>
             <p:ph idx="2" type="body"/>
@@ -10752,8 +10734,8 @@
         </p:nvSpPr>
         <p:spPr>
           <a:xfrm>
-            <a:off x="4832400" y="1225225"/>
-            <a:ext cx="3999900" cy="3354000"/>
+            <a:off x="4832400" y="1746625"/>
+            <a:ext cx="3999900" cy="2832600"/>
           </a:xfrm>
           <a:prstGeom prst="rect">
             <a:avLst/>
@@ -10886,13 +10868,13 @@
       </p:sp>
       <p:cxnSp>
         <p:nvCxnSpPr>
-          <p:cNvPr id="108" name="Google Shape;108;p19"/>
+          <p:cNvPr id="112" name="Google Shape;112;p19"/>
           <p:cNvCxnSpPr/>
           <p:nvPr/>
         </p:nvCxnSpPr>
         <p:spPr>
           <a:xfrm>
-            <a:off x="4600425" y="1322800"/>
+            <a:off x="4619050" y="1806725"/>
             <a:ext cx="6600" cy="2913300"/>
           </a:xfrm>
           <a:prstGeom prst="straightConnector1">
@@ -10910,6 +10892,58 @@
           </a:ln>
         </p:spPr>
       </p:cxnSp>
+      <p:sp>
+        <p:nvSpPr>
+          <p:cNvPr id="113" name="Google Shape;113;p19"/>
+          <p:cNvSpPr txBox="1"/>
+          <p:nvPr/>
+        </p:nvSpPr>
+        <p:spPr>
+          <a:xfrm>
+            <a:off x="1625000" y="158575"/>
+            <a:ext cx="1191300" cy="1662300"/>
+          </a:xfrm>
+          <a:prstGeom prst="rect">
+            <a:avLst/>
+          </a:prstGeom>
+          <a:noFill/>
+          <a:ln>
+            <a:noFill/>
+          </a:ln>
+        </p:spPr>
+        <p:txBody>
+          <a:bodyPr anchorCtr="0" anchor="t" bIns="91425" lIns="91425" spcFirstLastPara="1" rIns="91425" wrap="square" tIns="91425">
+            <a:spAutoFit/>
+          </a:bodyPr>
+          <a:lstStyle/>
+          <a:p>
+            <a:pPr indent="0" lvl="0" marL="0" rtl="0" algn="l">
+              <a:spcBef>
+                <a:spcPts val="0"/>
+              </a:spcBef>
+              <a:spcAft>
+                <a:spcPts val="0"/>
+              </a:spcAft>
+              <a:buNone/>
+            </a:pPr>
+            <a:r>
+              <a:rPr lang="en-GB" sz="9600">
+                <a:latin typeface="Economica"/>
+                <a:ea typeface="Economica"/>
+                <a:cs typeface="Economica"/>
+                <a:sym typeface="Economica"/>
+              </a:rPr>
+              <a:t>03</a:t>
+            </a:r>
+            <a:endParaRPr sz="9600">
+              <a:latin typeface="Economica"/>
+              <a:ea typeface="Economica"/>
+              <a:cs typeface="Economica"/>
+              <a:sym typeface="Economica"/>
+            </a:endParaRPr>
+          </a:p>
+        </p:txBody>
+      </p:sp>
     </p:spTree>
   </p:cSld>
   <p:clrMapOvr>
@@ -10923,7 +10957,7 @@
   <p:cSld>
     <p:spTree>
       <p:nvGrpSpPr>
-        <p:cNvPr id="112" name="Shape 112"/>
+        <p:cNvPr id="117" name="Shape 117"/>
         <p:cNvGrpSpPr/>
         <p:nvPr/>
       </p:nvGrpSpPr>
@@ -10937,7 +10971,7 @@
       </p:grpSpPr>
       <p:pic>
         <p:nvPicPr>
-          <p:cNvPr id="113" name="Google Shape;113;p20"/>
+          <p:cNvPr id="118" name="Google Shape;118;p20"/>
           <p:cNvPicPr preferRelativeResize="0"/>
           <p:nvPr/>
         </p:nvPicPr>
@@ -10965,7 +10999,7 @@
       </p:pic>
       <p:pic>
         <p:nvPicPr>
-          <p:cNvPr id="114" name="Google Shape;114;p20"/>
+          <p:cNvPr id="119" name="Google Shape;119;p20"/>
           <p:cNvPicPr preferRelativeResize="0"/>
           <p:nvPr/>
         </p:nvPicPr>
@@ -10999,7 +11033,7 @@
       </p:pic>
       <p:pic>
         <p:nvPicPr>
-          <p:cNvPr id="115" name="Google Shape;115;p20"/>
+          <p:cNvPr id="120" name="Google Shape;120;p20"/>
           <p:cNvPicPr preferRelativeResize="0"/>
           <p:nvPr/>
         </p:nvPicPr>
@@ -11027,7 +11061,7 @@
       </p:pic>
       <p:pic>
         <p:nvPicPr>
-          <p:cNvPr id="116" name="Google Shape;116;p20"/>
+          <p:cNvPr id="121" name="Google Shape;121;p20"/>
           <p:cNvPicPr preferRelativeResize="0"/>
           <p:nvPr/>
         </p:nvPicPr>
@@ -11055,7 +11089,7 @@
       </p:pic>
       <p:sp>
         <p:nvSpPr>
-          <p:cNvPr id="117" name="Google Shape;117;p20"/>
+          <p:cNvPr id="122" name="Google Shape;122;p20"/>
           <p:cNvSpPr txBox="1"/>
           <p:nvPr/>
         </p:nvSpPr>
@@ -11107,7 +11141,7 @@
       </p:sp>
       <p:sp>
         <p:nvSpPr>
-          <p:cNvPr id="118" name="Google Shape;118;p20"/>
+          <p:cNvPr id="123" name="Google Shape;123;p20"/>
           <p:cNvSpPr txBox="1"/>
           <p:nvPr/>
         </p:nvSpPr>
@@ -11159,7 +11193,7 @@
       </p:sp>
       <p:sp>
         <p:nvSpPr>
-          <p:cNvPr id="119" name="Google Shape;119;p20"/>
+          <p:cNvPr id="124" name="Google Shape;124;p20"/>
           <p:cNvSpPr txBox="1"/>
           <p:nvPr/>
         </p:nvSpPr>
@@ -11211,7 +11245,7 @@
       </p:sp>
       <p:sp>
         <p:nvSpPr>
-          <p:cNvPr id="120" name="Google Shape;120;p20"/>
+          <p:cNvPr id="125" name="Google Shape;125;p20"/>
           <p:cNvSpPr txBox="1"/>
           <p:nvPr>
             <p:ph type="title"/>
@@ -11250,7 +11284,7 @@
                   <a:srgbClr val="FFFFFF"/>
                 </a:highlight>
               </a:rPr>
-              <a:t>Tech Stack</a:t>
+              <a:t>04 - Tech Stack</a:t>
             </a:r>
             <a:endParaRPr sz="4650"/>
           </a:p>
@@ -11273,7 +11307,7 @@
       </p:sp>
       <p:sp>
         <p:nvSpPr>
-          <p:cNvPr id="121" name="Google Shape;121;p20"/>
+          <p:cNvPr id="126" name="Google Shape;126;p20"/>
           <p:cNvSpPr txBox="1"/>
           <p:nvPr/>
         </p:nvSpPr>
@@ -11325,7 +11359,7 @@
       </p:sp>
       <p:pic>
         <p:nvPicPr>
-          <p:cNvPr id="122" name="Google Shape;122;p20"/>
+          <p:cNvPr id="127" name="Google Shape;127;p20"/>
           <p:cNvPicPr preferRelativeResize="0"/>
           <p:nvPr/>
         </p:nvPicPr>
@@ -11353,7 +11387,7 @@
       </p:pic>
       <p:sp>
         <p:nvSpPr>
-          <p:cNvPr id="123" name="Google Shape;123;p20"/>
+          <p:cNvPr id="128" name="Google Shape;128;p20"/>
           <p:cNvSpPr txBox="1"/>
           <p:nvPr/>
         </p:nvSpPr>
@@ -11405,7 +11439,7 @@
       </p:sp>
       <p:sp>
         <p:nvSpPr>
-          <p:cNvPr id="124" name="Google Shape;124;p20"/>
+          <p:cNvPr id="129" name="Google Shape;129;p20"/>
           <p:cNvSpPr txBox="1"/>
           <p:nvPr/>
         </p:nvSpPr>
@@ -11457,7 +11491,7 @@
       </p:sp>
       <p:sp>
         <p:nvSpPr>
-          <p:cNvPr id="125" name="Google Shape;125;p20"/>
+          <p:cNvPr id="130" name="Google Shape;130;p20"/>
           <p:cNvSpPr txBox="1"/>
           <p:nvPr/>
         </p:nvSpPr>
@@ -11509,7 +11543,7 @@
       </p:sp>
       <p:pic>
         <p:nvPicPr>
-          <p:cNvPr id="126" name="Google Shape;126;p20"/>
+          <p:cNvPr id="131" name="Google Shape;131;p20"/>
           <p:cNvPicPr preferRelativeResize="0"/>
           <p:nvPr/>
         </p:nvPicPr>
@@ -11537,7 +11571,7 @@
       </p:pic>
       <p:pic>
         <p:nvPicPr>
-          <p:cNvPr id="127" name="Google Shape;127;p20"/>
+          <p:cNvPr id="132" name="Google Shape;132;p20"/>
           <p:cNvPicPr preferRelativeResize="0"/>
           <p:nvPr/>
         </p:nvPicPr>
@@ -11576,7 +11610,7 @@
   <p:cSld>
     <p:spTree>
       <p:nvGrpSpPr>
-        <p:cNvPr id="131" name="Shape 131"/>
+        <p:cNvPr id="136" name="Shape 136"/>
         <p:cNvGrpSpPr/>
         <p:nvPr/>
       </p:nvGrpSpPr>
@@ -11588,9 +11622,73 @@
           <a:chExt cx="0" cy="0"/>
         </a:xfrm>
       </p:grpSpPr>
+      <p:sp>
+        <p:nvSpPr>
+          <p:cNvPr id="137" name="Google Shape;137;p21"/>
+          <p:cNvSpPr txBox="1"/>
+          <p:nvPr>
+            <p:ph type="title"/>
+          </p:nvPr>
+        </p:nvSpPr>
+        <p:spPr>
+          <a:xfrm>
+            <a:off x="2406775" y="1800250"/>
+            <a:ext cx="4809600" cy="1530600"/>
+          </a:xfrm>
+          <a:prstGeom prst="rect">
+            <a:avLst/>
+          </a:prstGeom>
+        </p:spPr>
+        <p:txBody>
+          <a:bodyPr anchorCtr="0" anchor="ctr" bIns="91425" lIns="91425" spcFirstLastPara="1" rIns="91425" wrap="square" tIns="91425">
+            <a:normAutofit fontScale="90000"/>
+          </a:bodyPr>
+          <a:lstStyle/>
+          <a:p>
+            <a:pPr indent="0" lvl="0" marL="0" rtl="0" algn="l">
+              <a:spcBef>
+                <a:spcPts val="0"/>
+              </a:spcBef>
+              <a:spcAft>
+                <a:spcPts val="0"/>
+              </a:spcAft>
+              <a:buNone/>
+            </a:pPr>
+            <a:r>
+              <a:rPr lang="en-GB" sz="5455"/>
+              <a:t>Results</a:t>
+            </a:r>
+            <a:r>
+              <a:rPr lang="en-GB" sz="4900"/>
+              <a:t> </a:t>
+            </a:r>
+            <a:endParaRPr sz="4900"/>
+          </a:p>
+          <a:p>
+            <a:pPr indent="0" lvl="0" marL="0" rtl="0" algn="l">
+              <a:spcBef>
+                <a:spcPts val="0"/>
+              </a:spcBef>
+              <a:spcAft>
+                <a:spcPts val="0"/>
+              </a:spcAft>
+              <a:buNone/>
+            </a:pPr>
+            <a:r>
+              <a:rPr lang="en-GB" sz="3766"/>
+              <a:t>Our Work So Far..</a:t>
+            </a:r>
+            <a:endParaRPr sz="4566">
+              <a:solidFill>
+                <a:srgbClr val="000000"/>
+              </a:solidFill>
+            </a:endParaRPr>
+          </a:p>
+        </p:txBody>
+      </p:sp>
       <p:pic>
         <p:nvPicPr>
-          <p:cNvPr id="132" name="Google Shape;132;p21"/>
+          <p:cNvPr id="138" name="Google Shape;138;p21"/>
           <p:cNvPicPr preferRelativeResize="0"/>
           <p:nvPr/>
         </p:nvPicPr>
@@ -11604,8 +11702,8 @@
         </p:blipFill>
         <p:spPr>
           <a:xfrm>
-            <a:off x="186100" y="839575"/>
-            <a:ext cx="4316800" cy="3282626"/>
+            <a:off x="5344325" y="2532425"/>
+            <a:ext cx="3210725" cy="1392000"/>
           </a:xfrm>
           <a:prstGeom prst="rect">
             <a:avLst/>
@@ -11616,9 +11714,61 @@
           </a:ln>
         </p:spPr>
       </p:pic>
+      <p:sp>
+        <p:nvSpPr>
+          <p:cNvPr id="139" name="Google Shape;139;p21"/>
+          <p:cNvSpPr txBox="1"/>
+          <p:nvPr/>
+        </p:nvSpPr>
+        <p:spPr>
+          <a:xfrm>
+            <a:off x="1215475" y="1800250"/>
+            <a:ext cx="1191300" cy="1662300"/>
+          </a:xfrm>
+          <a:prstGeom prst="rect">
+            <a:avLst/>
+          </a:prstGeom>
+          <a:noFill/>
+          <a:ln>
+            <a:noFill/>
+          </a:ln>
+        </p:spPr>
+        <p:txBody>
+          <a:bodyPr anchorCtr="0" anchor="t" bIns="91425" lIns="91425" spcFirstLastPara="1" rIns="91425" wrap="square" tIns="91425">
+            <a:spAutoFit/>
+          </a:bodyPr>
+          <a:lstStyle/>
+          <a:p>
+            <a:pPr indent="0" lvl="0" marL="0" rtl="0" algn="l">
+              <a:spcBef>
+                <a:spcPts val="0"/>
+              </a:spcBef>
+              <a:spcAft>
+                <a:spcPts val="0"/>
+              </a:spcAft>
+              <a:buNone/>
+            </a:pPr>
+            <a:r>
+              <a:rPr lang="en-GB" sz="9600">
+                <a:latin typeface="Economica"/>
+                <a:ea typeface="Economica"/>
+                <a:cs typeface="Economica"/>
+                <a:sym typeface="Economica"/>
+              </a:rPr>
+              <a:t>05</a:t>
+            </a:r>
+            <a:endParaRPr sz="9600">
+              <a:latin typeface="Economica"/>
+              <a:ea typeface="Economica"/>
+              <a:cs typeface="Economica"/>
+              <a:sym typeface="Economica"/>
+            </a:endParaRPr>
+          </a:p>
+        </p:txBody>
+      </p:sp>
       <p:pic>
         <p:nvPicPr>
-          <p:cNvPr id="133" name="Google Shape;133;p21"/>
+          <p:cNvPr id="140" name="Google Shape;140;p21"/>
           <p:cNvPicPr preferRelativeResize="0"/>
           <p:nvPr/>
         </p:nvPicPr>
@@ -11632,8 +11782,8 @@
         </p:blipFill>
         <p:spPr>
           <a:xfrm>
-            <a:off x="4634375" y="850150"/>
-            <a:ext cx="4357200" cy="3261505"/>
+            <a:off x="5333711" y="728675"/>
+            <a:ext cx="3231964" cy="1392000"/>
           </a:xfrm>
           <a:prstGeom prst="rect">
             <a:avLst/>
@@ -11644,58 +11794,6 @@
           </a:ln>
         </p:spPr>
       </p:pic>
-      <p:sp>
-        <p:nvSpPr>
-          <p:cNvPr id="134" name="Google Shape;134;p21"/>
-          <p:cNvSpPr txBox="1"/>
-          <p:nvPr/>
-        </p:nvSpPr>
-        <p:spPr>
-          <a:xfrm>
-            <a:off x="0" y="0"/>
-            <a:ext cx="9144000" cy="769500"/>
-          </a:xfrm>
-          <a:prstGeom prst="rect">
-            <a:avLst/>
-          </a:prstGeom>
-          <a:noFill/>
-          <a:ln>
-            <a:noFill/>
-          </a:ln>
-        </p:spPr>
-        <p:txBody>
-          <a:bodyPr anchorCtr="0" anchor="t" bIns="91425" lIns="91425" spcFirstLastPara="1" rIns="91425" wrap="square" tIns="91425">
-            <a:spAutoFit/>
-          </a:bodyPr>
-          <a:lstStyle/>
-          <a:p>
-            <a:pPr indent="0" lvl="0" marL="0" rtl="0" algn="ctr">
-              <a:spcBef>
-                <a:spcPts val="0"/>
-              </a:spcBef>
-              <a:spcAft>
-                <a:spcPts val="0"/>
-              </a:spcAft>
-              <a:buNone/>
-            </a:pPr>
-            <a:r>
-              <a:rPr lang="en-GB" sz="3800">
-                <a:latin typeface="Economica"/>
-                <a:ea typeface="Economica"/>
-                <a:cs typeface="Economica"/>
-                <a:sym typeface="Economica"/>
-              </a:rPr>
-              <a:t>Sample UI</a:t>
-            </a:r>
-            <a:endParaRPr sz="3800">
-              <a:latin typeface="Economica"/>
-              <a:ea typeface="Economica"/>
-              <a:cs typeface="Economica"/>
-              <a:sym typeface="Economica"/>
-            </a:endParaRPr>
-          </a:p>
-        </p:txBody>
-      </p:sp>
     </p:spTree>
   </p:cSld>
   <p:clrMapOvr>
@@ -11705,6 +11803,285 @@
 </file>
 
 <file path=ppt/theme/theme1.xml><?xml version="1.0" encoding="utf-8"?>
+<a:theme xmlns:a="http://schemas.openxmlformats.org/drawingml/2006/main" xmlns:r="http://schemas.openxmlformats.org/officeDocument/2006/relationships" name="Luxe">
+  <a:themeElements>
+    <a:clrScheme name="Luxe">
+      <a:dk1>
+        <a:srgbClr val="000000"/>
+      </a:dk1>
+      <a:lt1>
+        <a:srgbClr val="FFFFFF"/>
+      </a:lt1>
+      <a:dk2>
+        <a:srgbClr val="9B2222"/>
+      </a:dk2>
+      <a:lt2>
+        <a:srgbClr val="CCA677"/>
+      </a:lt2>
+      <a:accent1>
+        <a:srgbClr val="5D4037"/>
+      </a:accent1>
+      <a:accent2>
+        <a:srgbClr val="455A64"/>
+      </a:accent2>
+      <a:accent3>
+        <a:srgbClr val="57BB8A"/>
+      </a:accent3>
+      <a:accent4>
+        <a:srgbClr val="78909C"/>
+      </a:accent4>
+      <a:accent5>
+        <a:srgbClr val="607D8B"/>
+      </a:accent5>
+      <a:accent6>
+        <a:srgbClr val="DCE755"/>
+      </a:accent6>
+      <a:hlink>
+        <a:srgbClr val="607D8B"/>
+      </a:hlink>
+      <a:folHlink>
+        <a:srgbClr val="607D8B"/>
+      </a:folHlink>
+    </a:clrScheme>
+    <a:fontScheme name="Office">
+      <a:majorFont>
+        <a:latin typeface="Arial"/>
+        <a:ea typeface=""/>
+        <a:cs typeface=""/>
+        <a:font script="Jpan" typeface="ＭＳ Ｐゴシック"/>
+        <a:font script="Hang" typeface="맑은 고딕"/>
+        <a:font script="Hans" typeface="宋体"/>
+        <a:font script="Hant" typeface="新細明體"/>
+        <a:font script="Arab" typeface="Times New Roman"/>
+        <a:font script="Hebr" typeface="Times New Roman"/>
+        <a:font script="Thai" typeface="Angsana New"/>
+        <a:font script="Ethi" typeface="Nyala"/>
+        <a:font script="Beng" typeface="Vrinda"/>
+        <a:font script="Gujr" typeface="Shruti"/>
+        <a:font script="Khmr" typeface="MoolBoran"/>
+        <a:font script="Knda" typeface="Tunga"/>
+        <a:font script="Guru" typeface="Raavi"/>
+        <a:font script="Cans" typeface="Euphemia"/>
+        <a:font script="Cher" typeface="Plantagenet Cherokee"/>
+        <a:font script="Yiii" typeface="Microsoft Yi Baiti"/>
+        <a:font script="Tibt" typeface="Microsoft Himalaya"/>
+        <a:font script="Thaa" typeface="MV Boli"/>
+        <a:font script="Deva" typeface="Mangal"/>
+        <a:font script="Telu" typeface="Gautami"/>
+        <a:font script="Taml" typeface="Latha"/>
+        <a:font script="Syrc" typeface="Estrangelo Edessa"/>
+        <a:font script="Orya" typeface="Kalinga"/>
+        <a:font script="Mlym" typeface="Kartika"/>
+        <a:font script="Laoo" typeface="DokChampa"/>
+        <a:font script="Sinh" typeface="Iskoola Pota"/>
+        <a:font script="Mong" typeface="Mongolian Baiti"/>
+        <a:font script="Viet" typeface="Times New Roman"/>
+        <a:font script="Uigh" typeface="Microsoft Uighur"/>
+        <a:font script="Geor" typeface="Sylfaen"/>
+      </a:majorFont>
+      <a:minorFont>
+        <a:latin typeface="Arial"/>
+        <a:ea typeface=""/>
+        <a:cs typeface=""/>
+        <a:font script="Jpan" typeface="ＭＳ Ｐゴシック"/>
+        <a:font script="Hang" typeface="맑은 고딕"/>
+        <a:font script="Hans" typeface="宋体"/>
+        <a:font script="Hant" typeface="新細明體"/>
+        <a:font script="Arab" typeface="Arial"/>
+        <a:font script="Hebr" typeface="Arial"/>
+        <a:font script="Thai" typeface="Cordia New"/>
+        <a:font script="Ethi" typeface="Nyala"/>
+        <a:font script="Beng" typeface="Vrinda"/>
+        <a:font script="Gujr" typeface="Shruti"/>
+        <a:font script="Khmr" typeface="DaunPenh"/>
+        <a:font script="Knda" typeface="Tunga"/>
+        <a:font script="Guru" typeface="Raavi"/>
+        <a:font script="Cans" typeface="Euphemia"/>
+        <a:font script="Cher" typeface="Plantagenet Cherokee"/>
+        <a:font script="Yiii" typeface="Microsoft Yi Baiti"/>
+        <a:font script="Tibt" typeface="Microsoft Himalaya"/>
+        <a:font script="Thaa" typeface="MV Boli"/>
+        <a:font script="Deva" typeface="Mangal"/>
+        <a:font script="Telu" typeface="Gautami"/>
+        <a:font script="Taml" typeface="Latha"/>
+        <a:font script="Syrc" typeface="Estrangelo Edessa"/>
+        <a:font script="Orya" typeface="Kalinga"/>
+        <a:font script="Mlym" typeface="Kartika"/>
+        <a:font script="Laoo" typeface="DokChampa"/>
+        <a:font script="Sinh" typeface="Iskoola Pota"/>
+        <a:font script="Mong" typeface="Mongolian Baiti"/>
+        <a:font script="Viet" typeface="Arial"/>
+        <a:font script="Uigh" typeface="Microsoft Uighur"/>
+        <a:font script="Geor" typeface="Sylfaen"/>
+      </a:minorFont>
+    </a:fontScheme>
+    <a:fmtScheme name="Office">
+      <a:fillStyleLst>
+        <a:solidFill>
+          <a:schemeClr val="phClr"/>
+        </a:solidFill>
+        <a:gradFill rotWithShape="1">
+          <a:gsLst>
+            <a:gs pos="0">
+              <a:schemeClr val="phClr">
+                <a:tint val="50000"/>
+                <a:satMod val="300000"/>
+              </a:schemeClr>
+            </a:gs>
+            <a:gs pos="35000">
+              <a:schemeClr val="phClr">
+                <a:tint val="37000"/>
+                <a:satMod val="300000"/>
+              </a:schemeClr>
+            </a:gs>
+            <a:gs pos="100000">
+              <a:schemeClr val="phClr">
+                <a:tint val="15000"/>
+                <a:satMod val="350000"/>
+              </a:schemeClr>
+            </a:gs>
+          </a:gsLst>
+          <a:lin ang="16200000" scaled="1"/>
+        </a:gradFill>
+        <a:gradFill rotWithShape="1">
+          <a:gsLst>
+            <a:gs pos="0">
+              <a:schemeClr val="phClr">
+                <a:tint val="100000"/>
+                <a:shade val="100000"/>
+                <a:satMod val="130000"/>
+              </a:schemeClr>
+            </a:gs>
+            <a:gs pos="100000">
+              <a:schemeClr val="phClr">
+                <a:tint val="50000"/>
+                <a:shade val="100000"/>
+                <a:satMod val="350000"/>
+              </a:schemeClr>
+            </a:gs>
+          </a:gsLst>
+          <a:lin ang="16200000" scaled="0"/>
+        </a:gradFill>
+      </a:fillStyleLst>
+      <a:lnStyleLst>
+        <a:ln w="9525" cap="flat" cmpd="sng" algn="ctr">
+          <a:solidFill>
+            <a:schemeClr val="phClr">
+              <a:shade val="95000"/>
+              <a:satMod val="105000"/>
+            </a:schemeClr>
+          </a:solidFill>
+          <a:prstDash val="solid"/>
+        </a:ln>
+        <a:ln w="25400" cap="flat" cmpd="sng" algn="ctr">
+          <a:solidFill>
+            <a:schemeClr val="phClr"/>
+          </a:solidFill>
+          <a:prstDash val="solid"/>
+        </a:ln>
+        <a:ln w="38100" cap="flat" cmpd="sng" algn="ctr">
+          <a:solidFill>
+            <a:schemeClr val="phClr"/>
+          </a:solidFill>
+          <a:prstDash val="solid"/>
+        </a:ln>
+      </a:lnStyleLst>
+      <a:effectStyleLst>
+        <a:effectStyle>
+          <a:effectLst>
+            <a:outerShdw blurRad="40000" dist="20000" dir="5400000" rotWithShape="0">
+              <a:srgbClr val="000000">
+                <a:alpha val="38000"/>
+              </a:srgbClr>
+            </a:outerShdw>
+          </a:effectLst>
+        </a:effectStyle>
+        <a:effectStyle>
+          <a:effectLst>
+            <a:outerShdw blurRad="40000" dist="23000" dir="5400000" rotWithShape="0">
+              <a:srgbClr val="000000">
+                <a:alpha val="35000"/>
+              </a:srgbClr>
+            </a:outerShdw>
+          </a:effectLst>
+        </a:effectStyle>
+        <a:effectStyle>
+          <a:effectLst>
+            <a:outerShdw blurRad="40000" dist="23000" dir="5400000" rotWithShape="0">
+              <a:srgbClr val="000000">
+                <a:alpha val="35000"/>
+              </a:srgbClr>
+            </a:outerShdw>
+          </a:effectLst>
+          <a:scene3d>
+            <a:camera prst="orthographicFront">
+              <a:rot lat="0" lon="0" rev="0"/>
+            </a:camera>
+            <a:lightRig rig="threePt" dir="t">
+              <a:rot lat="0" lon="0" rev="1200000"/>
+            </a:lightRig>
+          </a:scene3d>
+          <a:sp3d>
+            <a:bevelT w="63500" h="25400"/>
+          </a:sp3d>
+        </a:effectStyle>
+      </a:effectStyleLst>
+      <a:bgFillStyleLst>
+        <a:solidFill>
+          <a:schemeClr val="phClr"/>
+        </a:solidFill>
+        <a:gradFill rotWithShape="1">
+          <a:gsLst>
+            <a:gs pos="0">
+              <a:schemeClr val="phClr">
+                <a:tint val="40000"/>
+                <a:satMod val="350000"/>
+              </a:schemeClr>
+            </a:gs>
+            <a:gs pos="40000">
+              <a:schemeClr val="phClr">
+                <a:tint val="45000"/>
+                <a:shade val="99000"/>
+                <a:satMod val="350000"/>
+              </a:schemeClr>
+            </a:gs>
+            <a:gs pos="100000">
+              <a:schemeClr val="phClr">
+                <a:shade val="20000"/>
+                <a:satMod val="255000"/>
+              </a:schemeClr>
+            </a:gs>
+          </a:gsLst>
+          <a:path path="circle">
+            <a:fillToRect l="50000" t="-80000" r="50000" b="180000"/>
+          </a:path>
+        </a:gradFill>
+        <a:gradFill rotWithShape="1">
+          <a:gsLst>
+            <a:gs pos="0">
+              <a:schemeClr val="phClr">
+                <a:tint val="80000"/>
+                <a:satMod val="300000"/>
+              </a:schemeClr>
+            </a:gs>
+            <a:gs pos="100000">
+              <a:schemeClr val="phClr">
+                <a:shade val="30000"/>
+                <a:satMod val="200000"/>
+              </a:schemeClr>
+            </a:gs>
+          </a:gsLst>
+          <a:path path="circle">
+            <a:fillToRect l="50000" t="50000" r="50000" b="50000"/>
+          </a:path>
+        </a:gradFill>
+      </a:bgFillStyleLst>
+    </a:fmtScheme>
+  </a:themeElements>
+</a:theme>
+</file>
+
+<file path=ppt/theme/theme2.xml><?xml version="1.0" encoding="utf-8"?>
 <a:theme xmlns:a="http://schemas.openxmlformats.org/drawingml/2006/main" xmlns:r="http://schemas.openxmlformats.org/officeDocument/2006/relationships">
   <a:themeElements>
     <a:clrScheme name="Default">
@@ -11981,283 +12358,4 @@
     </a:fmtScheme>
   </a:themeElements>
 </a:theme>
-</file>
-
-<file path=ppt/theme/theme2.xml><?xml version="1.0" encoding="utf-8"?>
-<a:theme xmlns:a="http://schemas.openxmlformats.org/drawingml/2006/main" xmlns:r="http://schemas.openxmlformats.org/officeDocument/2006/relationships" name="Luxe">
-  <a:themeElements>
-    <a:clrScheme name="Luxe">
-      <a:dk1>
-        <a:srgbClr val="000000"/>
-      </a:dk1>
-      <a:lt1>
-        <a:srgbClr val="FFFFFF"/>
-      </a:lt1>
-      <a:dk2>
-        <a:srgbClr val="9B2222"/>
-      </a:dk2>
-      <a:lt2>
-        <a:srgbClr val="CCA677"/>
-      </a:lt2>
-      <a:accent1>
-        <a:srgbClr val="5D4037"/>
-      </a:accent1>
-      <a:accent2>
-        <a:srgbClr val="455A64"/>
-      </a:accent2>
-      <a:accent3>
-        <a:srgbClr val="57BB8A"/>
-      </a:accent3>
-      <a:accent4>
-        <a:srgbClr val="78909C"/>
-      </a:accent4>
-      <a:accent5>
-        <a:srgbClr val="607D8B"/>
-      </a:accent5>
-      <a:accent6>
-        <a:srgbClr val="DCE755"/>
-      </a:accent6>
-      <a:hlink>
-        <a:srgbClr val="607D8B"/>
-      </a:hlink>
-      <a:folHlink>
-        <a:srgbClr val="607D8B"/>
-      </a:folHlink>
-    </a:clrScheme>
-    <a:fontScheme name="Office">
-      <a:majorFont>
-        <a:latin typeface="Arial"/>
-        <a:ea typeface=""/>
-        <a:cs typeface=""/>
-        <a:font script="Jpan" typeface="ＭＳ Ｐゴシック"/>
-        <a:font script="Hang" typeface="맑은 고딕"/>
-        <a:font script="Hans" typeface="宋体"/>
-        <a:font script="Hant" typeface="新細明體"/>
-        <a:font script="Arab" typeface="Times New Roman"/>
-        <a:font script="Hebr" typeface="Times New Roman"/>
-        <a:font script="Thai" typeface="Angsana New"/>
-        <a:font script="Ethi" typeface="Nyala"/>
-        <a:font script="Beng" typeface="Vrinda"/>
-        <a:font script="Gujr" typeface="Shruti"/>
-        <a:font script="Khmr" typeface="MoolBoran"/>
-        <a:font script="Knda" typeface="Tunga"/>
-        <a:font script="Guru" typeface="Raavi"/>
-        <a:font script="Cans" typeface="Euphemia"/>
-        <a:font script="Cher" typeface="Plantagenet Cherokee"/>
-        <a:font script="Yiii" typeface="Microsoft Yi Baiti"/>
-        <a:font script="Tibt" typeface="Microsoft Himalaya"/>
-        <a:font script="Thaa" typeface="MV Boli"/>
-        <a:font script="Deva" typeface="Mangal"/>
-        <a:font script="Telu" typeface="Gautami"/>
-        <a:font script="Taml" typeface="Latha"/>
-        <a:font script="Syrc" typeface="Estrangelo Edessa"/>
-        <a:font script="Orya" typeface="Kalinga"/>
-        <a:font script="Mlym" typeface="Kartika"/>
-        <a:font script="Laoo" typeface="DokChampa"/>
-        <a:font script="Sinh" typeface="Iskoola Pota"/>
-        <a:font script="Mong" typeface="Mongolian Baiti"/>
-        <a:font script="Viet" typeface="Times New Roman"/>
-        <a:font script="Uigh" typeface="Microsoft Uighur"/>
-        <a:font script="Geor" typeface="Sylfaen"/>
-      </a:majorFont>
-      <a:minorFont>
-        <a:latin typeface="Arial"/>
-        <a:ea typeface=""/>
-        <a:cs typeface=""/>
-        <a:font script="Jpan" typeface="ＭＳ Ｐゴシック"/>
-        <a:font script="Hang" typeface="맑은 고딕"/>
-        <a:font script="Hans" typeface="宋体"/>
-        <a:font script="Hant" typeface="新細明體"/>
-        <a:font script="Arab" typeface="Arial"/>
-        <a:font script="Hebr" typeface="Arial"/>
-        <a:font script="Thai" typeface="Cordia New"/>
-        <a:font script="Ethi" typeface="Nyala"/>
-        <a:font script="Beng" typeface="Vrinda"/>
-        <a:font script="Gujr" typeface="Shruti"/>
-        <a:font script="Khmr" typeface="DaunPenh"/>
-        <a:font script="Knda" typeface="Tunga"/>
-        <a:font script="Guru" typeface="Raavi"/>
-        <a:font script="Cans" typeface="Euphemia"/>
-        <a:font script="Cher" typeface="Plantagenet Cherokee"/>
-        <a:font script="Yiii" typeface="Microsoft Yi Baiti"/>
-        <a:font script="Tibt" typeface="Microsoft Himalaya"/>
-        <a:font script="Thaa" typeface="MV Boli"/>
-        <a:font script="Deva" typeface="Mangal"/>
-        <a:font script="Telu" typeface="Gautami"/>
-        <a:font script="Taml" typeface="Latha"/>
-        <a:font script="Syrc" typeface="Estrangelo Edessa"/>
-        <a:font script="Orya" typeface="Kalinga"/>
-        <a:font script="Mlym" typeface="Kartika"/>
-        <a:font script="Laoo" typeface="DokChampa"/>
-        <a:font script="Sinh" typeface="Iskoola Pota"/>
-        <a:font script="Mong" typeface="Mongolian Baiti"/>
-        <a:font script="Viet" typeface="Arial"/>
-        <a:font script="Uigh" typeface="Microsoft Uighur"/>
-        <a:font script="Geor" typeface="Sylfaen"/>
-      </a:minorFont>
-    </a:fontScheme>
-    <a:fmtScheme name="Office">
-      <a:fillStyleLst>
-        <a:solidFill>
-          <a:schemeClr val="phClr"/>
-        </a:solidFill>
-        <a:gradFill rotWithShape="1">
-          <a:gsLst>
-            <a:gs pos="0">
-              <a:schemeClr val="phClr">
-                <a:tint val="50000"/>
-                <a:satMod val="300000"/>
-              </a:schemeClr>
-            </a:gs>
-            <a:gs pos="35000">
-              <a:schemeClr val="phClr">
-                <a:tint val="37000"/>
-                <a:satMod val="300000"/>
-              </a:schemeClr>
-            </a:gs>
-            <a:gs pos="100000">
-              <a:schemeClr val="phClr">
-                <a:tint val="15000"/>
-                <a:satMod val="350000"/>
-              </a:schemeClr>
-            </a:gs>
-          </a:gsLst>
-          <a:lin ang="16200000" scaled="1"/>
-        </a:gradFill>
-        <a:gradFill rotWithShape="1">
-          <a:gsLst>
-            <a:gs pos="0">
-              <a:schemeClr val="phClr">
-                <a:tint val="100000"/>
-                <a:shade val="100000"/>
-                <a:satMod val="130000"/>
-              </a:schemeClr>
-            </a:gs>
-            <a:gs pos="100000">
-              <a:schemeClr val="phClr">
-                <a:tint val="50000"/>
-                <a:shade val="100000"/>
-                <a:satMod val="350000"/>
-              </a:schemeClr>
-            </a:gs>
-          </a:gsLst>
-          <a:lin ang="16200000" scaled="0"/>
-        </a:gradFill>
-      </a:fillStyleLst>
-      <a:lnStyleLst>
-        <a:ln w="9525" cap="flat" cmpd="sng" algn="ctr">
-          <a:solidFill>
-            <a:schemeClr val="phClr">
-              <a:shade val="95000"/>
-              <a:satMod val="105000"/>
-            </a:schemeClr>
-          </a:solidFill>
-          <a:prstDash val="solid"/>
-        </a:ln>
-        <a:ln w="25400" cap="flat" cmpd="sng" algn="ctr">
-          <a:solidFill>
-            <a:schemeClr val="phClr"/>
-          </a:solidFill>
-          <a:prstDash val="solid"/>
-        </a:ln>
-        <a:ln w="38100" cap="flat" cmpd="sng" algn="ctr">
-          <a:solidFill>
-            <a:schemeClr val="phClr"/>
-          </a:solidFill>
-          <a:prstDash val="solid"/>
-        </a:ln>
-      </a:lnStyleLst>
-      <a:effectStyleLst>
-        <a:effectStyle>
-          <a:effectLst>
-            <a:outerShdw blurRad="40000" dist="20000" dir="5400000" rotWithShape="0">
-              <a:srgbClr val="000000">
-                <a:alpha val="38000"/>
-              </a:srgbClr>
-            </a:outerShdw>
-          </a:effectLst>
-        </a:effectStyle>
-        <a:effectStyle>
-          <a:effectLst>
-            <a:outerShdw blurRad="40000" dist="23000" dir="5400000" rotWithShape="0">
-              <a:srgbClr val="000000">
-                <a:alpha val="35000"/>
-              </a:srgbClr>
-            </a:outerShdw>
-          </a:effectLst>
-        </a:effectStyle>
-        <a:effectStyle>
-          <a:effectLst>
-            <a:outerShdw blurRad="40000" dist="23000" dir="5400000" rotWithShape="0">
-              <a:srgbClr val="000000">
-                <a:alpha val="35000"/>
-              </a:srgbClr>
-            </a:outerShdw>
-          </a:effectLst>
-          <a:scene3d>
-            <a:camera prst="orthographicFront">
-              <a:rot lat="0" lon="0" rev="0"/>
-            </a:camera>
-            <a:lightRig rig="threePt" dir="t">
-              <a:rot lat="0" lon="0" rev="1200000"/>
-            </a:lightRig>
-          </a:scene3d>
-          <a:sp3d>
-            <a:bevelT w="63500" h="25400"/>
-          </a:sp3d>
-        </a:effectStyle>
-      </a:effectStyleLst>
-      <a:bgFillStyleLst>
-        <a:solidFill>
-          <a:schemeClr val="phClr"/>
-        </a:solidFill>
-        <a:gradFill rotWithShape="1">
-          <a:gsLst>
-            <a:gs pos="0">
-              <a:schemeClr val="phClr">
-                <a:tint val="40000"/>
-                <a:satMod val="350000"/>
-              </a:schemeClr>
-            </a:gs>
-            <a:gs pos="40000">
-              <a:schemeClr val="phClr">
-                <a:tint val="45000"/>
-                <a:shade val="99000"/>
-                <a:satMod val="350000"/>
-              </a:schemeClr>
-            </a:gs>
-            <a:gs pos="100000">
-              <a:schemeClr val="phClr">
-                <a:shade val="20000"/>
-                <a:satMod val="255000"/>
-              </a:schemeClr>
-            </a:gs>
-          </a:gsLst>
-          <a:path path="circle">
-            <a:fillToRect l="50000" t="-80000" r="50000" b="180000"/>
-          </a:path>
-        </a:gradFill>
-        <a:gradFill rotWithShape="1">
-          <a:gsLst>
-            <a:gs pos="0">
-              <a:schemeClr val="phClr">
-                <a:tint val="80000"/>
-                <a:satMod val="300000"/>
-              </a:schemeClr>
-            </a:gs>
-            <a:gs pos="100000">
-              <a:schemeClr val="phClr">
-                <a:shade val="30000"/>
-                <a:satMod val="200000"/>
-              </a:schemeClr>
-            </a:gs>
-          </a:gsLst>
-          <a:path path="circle">
-            <a:fillToRect l="50000" t="50000" r="50000" b="50000"/>
-          </a:path>
-        </a:gradFill>
-      </a:bgFillStyleLst>
-    </a:fmtScheme>
-  </a:themeElements>
-</a:theme>
 </file>
--- a/Presentations/Evaluation P2.pptx
+++ b/Presentations/Evaluation P2.pptx
@@ -21,31 +21,30 @@
     <p:sldId id="266" r:id="rId17"/>
     <p:sldId id="267" r:id="rId18"/>
     <p:sldId id="268" r:id="rId19"/>
-    <p:sldId id="269" r:id="rId20"/>
   </p:sldIdLst>
   <p:sldSz cy="5143500" cx="9144000"/>
   <p:notesSz cx="6858000" cy="9144000"/>
   <p:embeddedFontLst>
     <p:embeddedFont>
       <p:font typeface="Economica"/>
-      <p:regular r:id="rId21"/>
-      <p:bold r:id="rId22"/>
-      <p:italic r:id="rId23"/>
-      <p:boldItalic r:id="rId24"/>
+      <p:regular r:id="rId20"/>
+      <p:bold r:id="rId21"/>
+      <p:italic r:id="rId22"/>
+      <p:boldItalic r:id="rId23"/>
     </p:embeddedFont>
     <p:embeddedFont>
       <p:font typeface="Roboto"/>
-      <p:regular r:id="rId25"/>
-      <p:bold r:id="rId26"/>
-      <p:italic r:id="rId27"/>
-      <p:boldItalic r:id="rId28"/>
+      <p:regular r:id="rId24"/>
+      <p:bold r:id="rId25"/>
+      <p:italic r:id="rId26"/>
+      <p:boldItalic r:id="rId27"/>
     </p:embeddedFont>
     <p:embeddedFont>
       <p:font typeface="Open Sans"/>
-      <p:regular r:id="rId29"/>
-      <p:bold r:id="rId30"/>
-      <p:italic r:id="rId31"/>
-      <p:boldItalic r:id="rId32"/>
+      <p:regular r:id="rId28"/>
+      <p:bold r:id="rId29"/>
+      <p:italic r:id="rId30"/>
+      <p:boldItalic r:id="rId31"/>
     </p:embeddedFont>
   </p:embeddedFontLst>
   <p:defaultTextStyle>
@@ -826,7 +825,7 @@
   <p:cSld>
     <p:spTree>
       <p:nvGrpSpPr>
-        <p:cNvPr id="141" name="Shape 141"/>
+        <p:cNvPr id="137" name="Shape 137"/>
         <p:cNvGrpSpPr/>
         <p:nvPr/>
       </p:nvGrpSpPr>
@@ -840,7 +839,7 @@
       </p:grpSpPr>
       <p:sp>
         <p:nvSpPr>
-          <p:cNvPr id="142" name="Google Shape;142;g19d1c611a28_0_2:notes"/>
+          <p:cNvPr id="138" name="Google Shape;138;g19d1c611a28_0_10:notes"/>
           <p:cNvSpPr/>
           <p:nvPr>
             <p:ph idx="2" type="sldImg"/>
@@ -875,7 +874,7 @@
       </p:sp>
       <p:sp>
         <p:nvSpPr>
-          <p:cNvPr id="143" name="Google Shape;143;g19d1c611a28_0_2:notes"/>
+          <p:cNvPr id="139" name="Google Shape;139;g19d1c611a28_0_10:notes"/>
           <p:cNvSpPr txBox="1"/>
           <p:nvPr>
             <p:ph idx="1" type="body"/>
@@ -925,7 +924,7 @@
   <p:cSld>
     <p:spTree>
       <p:nvGrpSpPr>
-        <p:cNvPr id="147" name="Shape 147"/>
+        <p:cNvPr id="143" name="Shape 143"/>
         <p:cNvGrpSpPr/>
         <p:nvPr/>
       </p:nvGrpSpPr>
@@ -939,7 +938,7 @@
       </p:grpSpPr>
       <p:sp>
         <p:nvSpPr>
-          <p:cNvPr id="148" name="Google Shape;148;g19d1c611a28_0_10:notes"/>
+          <p:cNvPr id="144" name="Google Shape;144;g19d1c611a28_0_15:notes"/>
           <p:cNvSpPr/>
           <p:nvPr>
             <p:ph idx="2" type="sldImg"/>
@@ -974,7 +973,7 @@
       </p:sp>
       <p:sp>
         <p:nvSpPr>
-          <p:cNvPr id="149" name="Google Shape;149;g19d1c611a28_0_10:notes"/>
+          <p:cNvPr id="145" name="Google Shape;145;g19d1c611a28_0_15:notes"/>
           <p:cNvSpPr txBox="1"/>
           <p:nvPr>
             <p:ph idx="1" type="body"/>
@@ -1024,7 +1023,7 @@
   <p:cSld>
     <p:spTree>
       <p:nvGrpSpPr>
-        <p:cNvPr id="153" name="Shape 153"/>
+        <p:cNvPr id="148" name="Shape 148"/>
         <p:cNvGrpSpPr/>
         <p:nvPr/>
       </p:nvGrpSpPr>
@@ -1038,7 +1037,7 @@
       </p:grpSpPr>
       <p:sp>
         <p:nvSpPr>
-          <p:cNvPr id="154" name="Google Shape;154;g19d1c611a28_0_15:notes"/>
+          <p:cNvPr id="149" name="Google Shape;149;g19d1c611a28_0_71:notes"/>
           <p:cNvSpPr/>
           <p:nvPr>
             <p:ph idx="2" type="sldImg"/>
@@ -1073,7 +1072,7 @@
       </p:sp>
       <p:sp>
         <p:nvSpPr>
-          <p:cNvPr id="155" name="Google Shape;155;g19d1c611a28_0_15:notes"/>
+          <p:cNvPr id="150" name="Google Shape;150;g19d1c611a28_0_71:notes"/>
           <p:cNvSpPr txBox="1"/>
           <p:nvPr>
             <p:ph idx="1" type="body"/>
@@ -1123,7 +1122,7 @@
   <p:cSld>
     <p:spTree>
       <p:nvGrpSpPr>
-        <p:cNvPr id="158" name="Shape 158"/>
+        <p:cNvPr id="153" name="Shape 153"/>
         <p:cNvGrpSpPr/>
         <p:nvPr/>
       </p:nvGrpSpPr>
@@ -1137,7 +1136,7 @@
       </p:grpSpPr>
       <p:sp>
         <p:nvSpPr>
-          <p:cNvPr id="159" name="Google Shape;159;g19d1c611a28_0_71:notes"/>
+          <p:cNvPr id="154" name="Google Shape;154;g15b3bfa5962_0_62:notes"/>
           <p:cNvSpPr/>
           <p:nvPr>
             <p:ph idx="2" type="sldImg"/>
@@ -1172,106 +1171,7 @@
       </p:sp>
       <p:sp>
         <p:nvSpPr>
-          <p:cNvPr id="160" name="Google Shape;160;g19d1c611a28_0_71:notes"/>
-          <p:cNvSpPr txBox="1"/>
-          <p:nvPr>
-            <p:ph idx="1" type="body"/>
-          </p:nvPr>
-        </p:nvSpPr>
-        <p:spPr>
-          <a:xfrm>
-            <a:off x="685800" y="4343400"/>
-            <a:ext cx="5486400" cy="4114800"/>
-          </a:xfrm>
-          <a:prstGeom prst="rect">
-            <a:avLst/>
-          </a:prstGeom>
-        </p:spPr>
-        <p:txBody>
-          <a:bodyPr anchorCtr="0" anchor="t" bIns="91425" lIns="91425" spcFirstLastPara="1" rIns="91425" wrap="square" tIns="91425">
-            <a:noAutofit/>
-          </a:bodyPr>
-          <a:lstStyle/>
-          <a:p>
-            <a:pPr indent="0" lvl="0" marL="0" rtl="0" algn="l">
-              <a:spcBef>
-                <a:spcPts val="0"/>
-              </a:spcBef>
-              <a:spcAft>
-                <a:spcPts val="0"/>
-              </a:spcAft>
-              <a:buNone/>
-            </a:pPr>
-            <a:r>
-              <a:t/>
-            </a:r>
-            <a:endParaRPr/>
-          </a:p>
-        </p:txBody>
-      </p:sp>
-    </p:spTree>
-  </p:cSld>
-  <p:clrMapOvr>
-    <a:masterClrMapping/>
-  </p:clrMapOvr>
-</p:notes>
-</file>
-
-<file path=ppt/notesSlides/notesSlide14.xml><?xml version="1.0" encoding="utf-8"?>
-<p:notes xmlns:a="http://schemas.openxmlformats.org/drawingml/2006/main" xmlns:r="http://schemas.openxmlformats.org/officeDocument/2006/relationships" xmlns:mc="http://schemas.openxmlformats.org/markup-compatibility/2006" xmlns:mv="urn:schemas-microsoft-com:mac:vml" xmlns:p="http://schemas.openxmlformats.org/presentationml/2006/main" xmlns:c="http://schemas.openxmlformats.org/drawingml/2006/chart" xmlns:dgm="http://schemas.openxmlformats.org/drawingml/2006/diagram" xmlns:o="urn:schemas-microsoft-com:office:office" xmlns:v="urn:schemas-microsoft-com:vml" xmlns:pvml="urn:schemas-microsoft-com:office:powerpoint" xmlns:com="http://schemas.openxmlformats.org/drawingml/2006/compatibility" xmlns:p14="http://schemas.microsoft.com/office/powerpoint/2010/main" xmlns:p15="http://schemas.microsoft.com/office/powerpoint/2012/main" xmlns:ahyp="http://schemas.microsoft.com/office/drawing/2018/hyperlinkcolor" showMasterPhAnim="0" showMasterSp="0">
-  <p:cSld>
-    <p:spTree>
-      <p:nvGrpSpPr>
-        <p:cNvPr id="163" name="Shape 163"/>
-        <p:cNvGrpSpPr/>
-        <p:nvPr/>
-      </p:nvGrpSpPr>
-      <p:grpSpPr>
-        <a:xfrm>
-          <a:off x="0" y="0"/>
-          <a:ext cx="0" cy="0"/>
-          <a:chOff x="0" y="0"/>
-          <a:chExt cx="0" cy="0"/>
-        </a:xfrm>
-      </p:grpSpPr>
-      <p:sp>
-        <p:nvSpPr>
-          <p:cNvPr id="164" name="Google Shape;164;g15b3bfa5962_0_62:notes"/>
-          <p:cNvSpPr/>
-          <p:nvPr>
-            <p:ph idx="2" type="sldImg"/>
-          </p:nvPr>
-        </p:nvSpPr>
-        <p:spPr>
-          <a:xfrm>
-            <a:off x="381300" y="685800"/>
-            <a:ext cx="6096000" cy="3429000"/>
-          </a:xfrm>
-          <a:custGeom>
-            <a:rect b="b" l="l" r="r" t="t"/>
-            <a:pathLst>
-              <a:path extrusionOk="0" h="120000" w="120000">
-                <a:moveTo>
-                  <a:pt x="0" y="0"/>
-                </a:moveTo>
-                <a:lnTo>
-                  <a:pt x="120000" y="0"/>
-                </a:lnTo>
-                <a:lnTo>
-                  <a:pt x="120000" y="120000"/>
-                </a:lnTo>
-                <a:lnTo>
-                  <a:pt x="0" y="120000"/>
-                </a:lnTo>
-                <a:close/>
-              </a:path>
-            </a:pathLst>
-          </a:custGeom>
-        </p:spPr>
-      </p:sp>
-      <p:sp>
-        <p:nvSpPr>
-          <p:cNvPr id="165" name="Google Shape;165;g15b3bfa5962_0_62:notes"/>
+          <p:cNvPr id="155" name="Google Shape;155;g15b3bfa5962_0_62:notes"/>
           <p:cNvSpPr txBox="1"/>
           <p:nvPr>
             <p:ph idx="1" type="body"/>
@@ -1335,7 +1235,7 @@
       </p:grpSpPr>
       <p:sp>
         <p:nvSpPr>
-          <p:cNvPr id="69" name="Google Shape;69;g19d1c611a28_0_82:notes"/>
+          <p:cNvPr id="69" name="Google Shape;69;g33c59b020b32751a_0:notes"/>
           <p:cNvSpPr/>
           <p:nvPr>
             <p:ph idx="2" type="sldImg"/>
@@ -1370,7 +1270,7 @@
       </p:sp>
       <p:sp>
         <p:nvSpPr>
-          <p:cNvPr id="70" name="Google Shape;70;g19d1c611a28_0_82:notes"/>
+          <p:cNvPr id="70" name="Google Shape;70;g33c59b020b32751a_0:notes"/>
           <p:cNvSpPr txBox="1"/>
           <p:nvPr>
             <p:ph idx="1" type="body"/>
@@ -1420,7 +1320,7 @@
   <p:cSld>
     <p:spTree>
       <p:nvGrpSpPr>
-        <p:cNvPr id="78" name="Shape 78"/>
+        <p:cNvPr id="74" name="Shape 74"/>
         <p:cNvGrpSpPr/>
         <p:nvPr/>
       </p:nvGrpSpPr>
@@ -1434,7 +1334,7 @@
       </p:grpSpPr>
       <p:sp>
         <p:nvSpPr>
-          <p:cNvPr id="79" name="Google Shape;79;g33c59b020b32751a_0:notes"/>
+          <p:cNvPr id="75" name="Google Shape;75;g15b3bfa5962_1_8:notes"/>
           <p:cNvSpPr/>
           <p:nvPr>
             <p:ph idx="2" type="sldImg"/>
@@ -1469,7 +1369,7 @@
       </p:sp>
       <p:sp>
         <p:nvSpPr>
-          <p:cNvPr id="80" name="Google Shape;80;g33c59b020b32751a_0:notes"/>
+          <p:cNvPr id="76" name="Google Shape;76;g15b3bfa5962_1_8:notes"/>
           <p:cNvSpPr txBox="1"/>
           <p:nvPr>
             <p:ph idx="1" type="body"/>
@@ -1519,7 +1419,7 @@
   <p:cSld>
     <p:spTree>
       <p:nvGrpSpPr>
-        <p:cNvPr id="84" name="Shape 84"/>
+        <p:cNvPr id="82" name="Shape 82"/>
         <p:cNvGrpSpPr/>
         <p:nvPr/>
       </p:nvGrpSpPr>
@@ -1533,7 +1433,7 @@
       </p:grpSpPr>
       <p:sp>
         <p:nvSpPr>
-          <p:cNvPr id="85" name="Google Shape;85;g15b3bfa5962_1_8:notes"/>
+          <p:cNvPr id="83" name="Google Shape;83;g15e01bcbc36_0_0:notes"/>
           <p:cNvSpPr/>
           <p:nvPr>
             <p:ph idx="2" type="sldImg"/>
@@ -1568,7 +1468,7 @@
       </p:sp>
       <p:sp>
         <p:nvSpPr>
-          <p:cNvPr id="86" name="Google Shape;86;g15b3bfa5962_1_8:notes"/>
+          <p:cNvPr id="84" name="Google Shape;84;g15e01bcbc36_0_0:notes"/>
           <p:cNvSpPr txBox="1"/>
           <p:nvPr>
             <p:ph idx="1" type="body"/>
@@ -1618,7 +1518,7 @@
   <p:cSld>
     <p:spTree>
       <p:nvGrpSpPr>
-        <p:cNvPr id="92" name="Shape 92"/>
+        <p:cNvPr id="89" name="Shape 89"/>
         <p:cNvGrpSpPr/>
         <p:nvPr/>
       </p:nvGrpSpPr>
@@ -1632,7 +1532,7 @@
       </p:grpSpPr>
       <p:sp>
         <p:nvSpPr>
-          <p:cNvPr id="93" name="Google Shape;93;g15e01bcbc36_0_0:notes"/>
+          <p:cNvPr id="90" name="Google Shape;90;g15916a5da78_0_2:notes"/>
           <p:cNvSpPr/>
           <p:nvPr>
             <p:ph idx="2" type="sldImg"/>
@@ -1667,7 +1567,7 @@
       </p:sp>
       <p:sp>
         <p:nvSpPr>
-          <p:cNvPr id="94" name="Google Shape;94;g15e01bcbc36_0_0:notes"/>
+          <p:cNvPr id="91" name="Google Shape;91;g15916a5da78_0_2:notes"/>
           <p:cNvSpPr txBox="1"/>
           <p:nvPr>
             <p:ph idx="1" type="body"/>
@@ -1717,7 +1617,7 @@
   <p:cSld>
     <p:spTree>
       <p:nvGrpSpPr>
-        <p:cNvPr id="99" name="Shape 99"/>
+        <p:cNvPr id="95" name="Shape 95"/>
         <p:cNvGrpSpPr/>
         <p:nvPr/>
       </p:nvGrpSpPr>
@@ -1731,7 +1631,7 @@
       </p:grpSpPr>
       <p:sp>
         <p:nvSpPr>
-          <p:cNvPr id="100" name="Google Shape;100;g15916a5da78_0_2:notes"/>
+          <p:cNvPr id="96" name="Google Shape;96;g15b3bfa5962_0_13:notes"/>
           <p:cNvSpPr/>
           <p:nvPr>
             <p:ph idx="2" type="sldImg"/>
@@ -1766,7 +1666,7 @@
       </p:sp>
       <p:sp>
         <p:nvSpPr>
-          <p:cNvPr id="101" name="Google Shape;101;g15916a5da78_0_2:notes"/>
+          <p:cNvPr id="97" name="Google Shape;97;g15b3bfa5962_0_13:notes"/>
           <p:cNvSpPr txBox="1"/>
           <p:nvPr>
             <p:ph idx="1" type="body"/>
@@ -1816,7 +1716,7 @@
   <p:cSld>
     <p:spTree>
       <p:nvGrpSpPr>
-        <p:cNvPr id="105" name="Shape 105"/>
+        <p:cNvPr id="104" name="Shape 104"/>
         <p:cNvGrpSpPr/>
         <p:nvPr/>
       </p:nvGrpSpPr>
@@ -1830,7 +1730,7 @@
       </p:grpSpPr>
       <p:sp>
         <p:nvSpPr>
-          <p:cNvPr id="106" name="Google Shape;106;g15b3bfa5962_0_13:notes"/>
+          <p:cNvPr id="105" name="Google Shape;105;g158f116a3cf_0_325:notes"/>
           <p:cNvSpPr/>
           <p:nvPr>
             <p:ph idx="2" type="sldImg"/>
@@ -1865,7 +1765,7 @@
       </p:sp>
       <p:sp>
         <p:nvSpPr>
-          <p:cNvPr id="107" name="Google Shape;107;g15b3bfa5962_0_13:notes"/>
+          <p:cNvPr id="106" name="Google Shape;106;g158f116a3cf_0_325:notes"/>
           <p:cNvSpPr txBox="1"/>
           <p:nvPr>
             <p:ph idx="1" type="body"/>
@@ -1915,7 +1815,7 @@
   <p:cSld>
     <p:spTree>
       <p:nvGrpSpPr>
-        <p:cNvPr id="114" name="Shape 114"/>
+        <p:cNvPr id="123" name="Shape 123"/>
         <p:cNvGrpSpPr/>
         <p:nvPr/>
       </p:nvGrpSpPr>
@@ -1929,7 +1829,7 @@
       </p:grpSpPr>
       <p:sp>
         <p:nvSpPr>
-          <p:cNvPr id="115" name="Google Shape;115;g158f116a3cf_0_325:notes"/>
+          <p:cNvPr id="124" name="Google Shape;124;g158f116a3cf_0_413:notes"/>
           <p:cNvSpPr/>
           <p:nvPr>
             <p:ph idx="2" type="sldImg"/>
@@ -1964,7 +1864,7 @@
       </p:sp>
       <p:sp>
         <p:nvSpPr>
-          <p:cNvPr id="116" name="Google Shape;116;g158f116a3cf_0_325:notes"/>
+          <p:cNvPr id="125" name="Google Shape;125;g158f116a3cf_0_413:notes"/>
           <p:cNvSpPr txBox="1"/>
           <p:nvPr>
             <p:ph idx="1" type="body"/>
@@ -2014,7 +1914,7 @@
   <p:cSld>
     <p:spTree>
       <p:nvGrpSpPr>
-        <p:cNvPr id="133" name="Shape 133"/>
+        <p:cNvPr id="131" name="Shape 131"/>
         <p:cNvGrpSpPr/>
         <p:nvPr/>
       </p:nvGrpSpPr>
@@ -2028,7 +1928,7 @@
       </p:grpSpPr>
       <p:sp>
         <p:nvSpPr>
-          <p:cNvPr id="134" name="Google Shape;134;g158f116a3cf_0_413:notes"/>
+          <p:cNvPr id="132" name="Google Shape;132;g19d1c611a28_0_2:notes"/>
           <p:cNvSpPr/>
           <p:nvPr>
             <p:ph idx="2" type="sldImg"/>
@@ -2063,7 +1963,7 @@
       </p:sp>
       <p:sp>
         <p:nvSpPr>
-          <p:cNvPr id="135" name="Google Shape;135;g158f116a3cf_0_413:notes"/>
+          <p:cNvPr id="133" name="Google Shape;133;g19d1c611a28_0_2:notes"/>
           <p:cNvSpPr txBox="1"/>
           <p:nvPr>
             <p:ph idx="1" type="body"/>
@@ -7927,7 +7827,7 @@
   <p:cSld>
     <p:spTree>
       <p:nvGrpSpPr>
-        <p:cNvPr id="144" name="Shape 144"/>
+        <p:cNvPr id="140" name="Shape 140"/>
         <p:cNvGrpSpPr/>
         <p:nvPr/>
       </p:nvGrpSpPr>
@@ -7941,101 +7841,7 @@
       </p:grpSpPr>
       <p:sp>
         <p:nvSpPr>
-          <p:cNvPr id="145" name="Google Shape;145;p22"/>
-          <p:cNvSpPr txBox="1"/>
-          <p:nvPr>
-            <p:ph type="title"/>
-          </p:nvPr>
-        </p:nvSpPr>
-        <p:spPr>
-          <a:xfrm>
-            <a:off x="523950" y="307450"/>
-            <a:ext cx="8096100" cy="607800"/>
-          </a:xfrm>
-          <a:prstGeom prst="rect">
-            <a:avLst/>
-          </a:prstGeom>
-        </p:spPr>
-        <p:txBody>
-          <a:bodyPr anchorCtr="0" anchor="ctr" bIns="91425" lIns="91425" spcFirstLastPara="1" rIns="91425" wrap="square" tIns="91425">
-            <a:noAutofit/>
-          </a:bodyPr>
-          <a:lstStyle/>
-          <a:p>
-            <a:pPr indent="-419100" lvl="0" marL="457200" rtl="0" algn="l">
-              <a:spcBef>
-                <a:spcPts val="0"/>
-              </a:spcBef>
-              <a:spcAft>
-                <a:spcPts val="0"/>
-              </a:spcAft>
-              <a:buSzPts val="3000"/>
-              <a:buAutoNum type="arabicPeriod"/>
-            </a:pPr>
-            <a:r>
-              <a:rPr lang="en-GB" sz="3000"/>
-              <a:t>User Interface</a:t>
-            </a:r>
-            <a:endParaRPr sz="3000"/>
-          </a:p>
-        </p:txBody>
-      </p:sp>
-      <p:pic>
-        <p:nvPicPr>
-          <p:cNvPr id="146" name="Google Shape;146;p22"/>
-          <p:cNvPicPr preferRelativeResize="0"/>
-          <p:nvPr/>
-        </p:nvPicPr>
-        <p:blipFill>
-          <a:blip r:embed="rId3">
-            <a:alphaModFix/>
-          </a:blip>
-          <a:stretch>
-            <a:fillRect/>
-          </a:stretch>
-        </p:blipFill>
-        <p:spPr>
-          <a:xfrm>
-            <a:off x="903100" y="915250"/>
-            <a:ext cx="7410301" cy="3965676"/>
-          </a:xfrm>
-          <a:prstGeom prst="rect">
-            <a:avLst/>
-          </a:prstGeom>
-          <a:noFill/>
-          <a:ln>
-            <a:noFill/>
-          </a:ln>
-        </p:spPr>
-      </p:pic>
-    </p:spTree>
-  </p:cSld>
-  <p:clrMapOvr>
-    <a:masterClrMapping/>
-  </p:clrMapOvr>
-</p:sld>
-</file>
-
-<file path=ppt/slides/slide11.xml><?xml version="1.0" encoding="utf-8"?>
-<p:sld xmlns:a="http://schemas.openxmlformats.org/drawingml/2006/main" xmlns:r="http://schemas.openxmlformats.org/officeDocument/2006/relationships" xmlns:mc="http://schemas.openxmlformats.org/markup-compatibility/2006" xmlns:mv="urn:schemas-microsoft-com:mac:vml" xmlns:p="http://schemas.openxmlformats.org/presentationml/2006/main" xmlns:c="http://schemas.openxmlformats.org/drawingml/2006/chart" xmlns:dgm="http://schemas.openxmlformats.org/drawingml/2006/diagram" xmlns:o="urn:schemas-microsoft-com:office:office" xmlns:v="urn:schemas-microsoft-com:vml" xmlns:pvml="urn:schemas-microsoft-com:office:powerpoint" xmlns:com="http://schemas.openxmlformats.org/drawingml/2006/compatibility" xmlns:p14="http://schemas.microsoft.com/office/powerpoint/2010/main" xmlns:p15="http://schemas.microsoft.com/office/powerpoint/2012/main" xmlns:ahyp="http://schemas.microsoft.com/office/drawing/2018/hyperlinkcolor">
-  <p:cSld>
-    <p:spTree>
-      <p:nvGrpSpPr>
-        <p:cNvPr id="150" name="Shape 150"/>
-        <p:cNvGrpSpPr/>
-        <p:nvPr/>
-      </p:nvGrpSpPr>
-      <p:grpSpPr>
-        <a:xfrm>
-          <a:off x="0" y="0"/>
-          <a:ext cx="0" cy="0"/>
-          <a:chOff x="0" y="0"/>
-          <a:chExt cx="0" cy="0"/>
-        </a:xfrm>
-      </p:grpSpPr>
-      <p:sp>
-        <p:nvSpPr>
-          <p:cNvPr id="151" name="Google Shape;151;p23"/>
+          <p:cNvPr id="141" name="Google Shape;141;p22"/>
           <p:cNvSpPr txBox="1"/>
           <p:nvPr>
             <p:ph type="title"/>
@@ -8076,7 +7882,7 @@
       </p:sp>
       <p:pic>
         <p:nvPicPr>
-          <p:cNvPr id="152" name="Google Shape;152;p23"/>
+          <p:cNvPr id="142" name="Google Shape;142;p22"/>
           <p:cNvPicPr preferRelativeResize="0"/>
           <p:nvPr/>
         </p:nvPicPr>
@@ -8110,12 +7916,12 @@
 </p:sld>
 </file>
 
-<file path=ppt/slides/slide12.xml><?xml version="1.0" encoding="utf-8"?>
+<file path=ppt/slides/slide11.xml><?xml version="1.0" encoding="utf-8"?>
 <p:sld xmlns:a="http://schemas.openxmlformats.org/drawingml/2006/main" xmlns:r="http://schemas.openxmlformats.org/officeDocument/2006/relationships" xmlns:mc="http://schemas.openxmlformats.org/markup-compatibility/2006" xmlns:mv="urn:schemas-microsoft-com:mac:vml" xmlns:p="http://schemas.openxmlformats.org/presentationml/2006/main" xmlns:c="http://schemas.openxmlformats.org/drawingml/2006/chart" xmlns:dgm="http://schemas.openxmlformats.org/drawingml/2006/diagram" xmlns:o="urn:schemas-microsoft-com:office:office" xmlns:v="urn:schemas-microsoft-com:vml" xmlns:pvml="urn:schemas-microsoft-com:office:powerpoint" xmlns:com="http://schemas.openxmlformats.org/drawingml/2006/compatibility" xmlns:p14="http://schemas.microsoft.com/office/powerpoint/2010/main" xmlns:p15="http://schemas.microsoft.com/office/powerpoint/2012/main" xmlns:ahyp="http://schemas.microsoft.com/office/drawing/2018/hyperlinkcolor">
   <p:cSld>
     <p:spTree>
       <p:nvGrpSpPr>
-        <p:cNvPr id="156" name="Shape 156"/>
+        <p:cNvPr id="146" name="Shape 146"/>
         <p:cNvGrpSpPr/>
         <p:nvPr/>
       </p:nvGrpSpPr>
@@ -8129,7 +7935,7 @@
       </p:grpSpPr>
       <p:pic>
         <p:nvPicPr>
-          <p:cNvPr id="157" name="Google Shape;157;p24"/>
+          <p:cNvPr id="147" name="Google Shape;147;p23"/>
           <p:cNvPicPr preferRelativeResize="0"/>
           <p:nvPr/>
         </p:nvPicPr>
@@ -8163,12 +7969,12 @@
 </p:sld>
 </file>
 
-<file path=ppt/slides/slide13.xml><?xml version="1.0" encoding="utf-8"?>
+<file path=ppt/slides/slide12.xml><?xml version="1.0" encoding="utf-8"?>
 <p:sld xmlns:a="http://schemas.openxmlformats.org/drawingml/2006/main" xmlns:r="http://schemas.openxmlformats.org/officeDocument/2006/relationships" xmlns:mc="http://schemas.openxmlformats.org/markup-compatibility/2006" xmlns:mv="urn:schemas-microsoft-com:mac:vml" xmlns:p="http://schemas.openxmlformats.org/presentationml/2006/main" xmlns:c="http://schemas.openxmlformats.org/drawingml/2006/chart" xmlns:dgm="http://schemas.openxmlformats.org/drawingml/2006/diagram" xmlns:o="urn:schemas-microsoft-com:office:office" xmlns:v="urn:schemas-microsoft-com:vml" xmlns:pvml="urn:schemas-microsoft-com:office:powerpoint" xmlns:com="http://schemas.openxmlformats.org/drawingml/2006/compatibility" xmlns:p14="http://schemas.microsoft.com/office/powerpoint/2010/main" xmlns:p15="http://schemas.microsoft.com/office/powerpoint/2012/main" xmlns:ahyp="http://schemas.microsoft.com/office/drawing/2018/hyperlinkcolor">
   <p:cSld>
     <p:spTree>
       <p:nvGrpSpPr>
-        <p:cNvPr id="161" name="Shape 161"/>
+        <p:cNvPr id="151" name="Shape 151"/>
         <p:cNvGrpSpPr/>
         <p:nvPr/>
       </p:nvGrpSpPr>
@@ -8182,7 +7988,7 @@
       </p:grpSpPr>
       <p:pic>
         <p:nvPicPr>
-          <p:cNvPr id="162" name="Google Shape;162;p25"/>
+          <p:cNvPr id="152" name="Google Shape;152;p24"/>
           <p:cNvPicPr preferRelativeResize="0"/>
           <p:nvPr/>
         </p:nvPicPr>
@@ -8216,12 +8022,12 @@
 </p:sld>
 </file>
 
-<file path=ppt/slides/slide14.xml><?xml version="1.0" encoding="utf-8"?>
+<file path=ppt/slides/slide13.xml><?xml version="1.0" encoding="utf-8"?>
 <p:sld xmlns:a="http://schemas.openxmlformats.org/drawingml/2006/main" xmlns:r="http://schemas.openxmlformats.org/officeDocument/2006/relationships" xmlns:mc="http://schemas.openxmlformats.org/markup-compatibility/2006" xmlns:mv="urn:schemas-microsoft-com:mac:vml" xmlns:p="http://schemas.openxmlformats.org/presentationml/2006/main" xmlns:c="http://schemas.openxmlformats.org/drawingml/2006/chart" xmlns:dgm="http://schemas.openxmlformats.org/drawingml/2006/diagram" xmlns:o="urn:schemas-microsoft-com:office:office" xmlns:v="urn:schemas-microsoft-com:vml" xmlns:pvml="urn:schemas-microsoft-com:office:powerpoint" xmlns:com="http://schemas.openxmlformats.org/drawingml/2006/compatibility" xmlns:p14="http://schemas.microsoft.com/office/powerpoint/2010/main" xmlns:p15="http://schemas.microsoft.com/office/powerpoint/2012/main" xmlns:ahyp="http://schemas.microsoft.com/office/drawing/2018/hyperlinkcolor">
   <p:cSld>
     <p:spTree>
       <p:nvGrpSpPr>
-        <p:cNvPr id="166" name="Shape 166"/>
+        <p:cNvPr id="156" name="Shape 156"/>
         <p:cNvGrpSpPr/>
         <p:nvPr/>
       </p:nvGrpSpPr>
@@ -8235,7 +8041,7 @@
       </p:grpSpPr>
       <p:sp>
         <p:nvSpPr>
-          <p:cNvPr id="167" name="Google Shape;167;p26"/>
+          <p:cNvPr id="157" name="Google Shape;157;p25"/>
           <p:cNvSpPr txBox="1"/>
           <p:nvPr>
             <p:ph type="title"/>
@@ -8279,7 +8085,7 @@
       </p:sp>
       <p:sp>
         <p:nvSpPr>
-          <p:cNvPr id="168" name="Google Shape;168;p26"/>
+          <p:cNvPr id="158" name="Google Shape;158;p25"/>
           <p:cNvSpPr txBox="1"/>
           <p:nvPr>
             <p:ph idx="1" type="body"/>
@@ -8460,395 +8266,6 @@
         <p:nvSpPr>
           <p:cNvPr id="72" name="Google Shape;72;p14"/>
           <p:cNvSpPr txBox="1"/>
-          <p:nvPr/>
-        </p:nvSpPr>
-        <p:spPr>
-          <a:xfrm>
-            <a:off x="0" y="130290"/>
-            <a:ext cx="9144000" cy="538800"/>
-          </a:xfrm>
-          <a:prstGeom prst="rect">
-            <a:avLst/>
-          </a:prstGeom>
-          <a:noFill/>
-          <a:ln>
-            <a:noFill/>
-          </a:ln>
-        </p:spPr>
-        <p:txBody>
-          <a:bodyPr anchorCtr="0" anchor="t" bIns="91425" lIns="91425" spcFirstLastPara="1" rIns="91425" wrap="square" tIns="91425">
-            <a:spAutoFit/>
-          </a:bodyPr>
-          <a:lstStyle/>
-          <a:p>
-            <a:pPr indent="0" lvl="0" marL="0" rtl="0" algn="ctr">
-              <a:spcBef>
-                <a:spcPts val="0"/>
-              </a:spcBef>
-              <a:spcAft>
-                <a:spcPts val="0"/>
-              </a:spcAft>
-              <a:buNone/>
-            </a:pPr>
-            <a:r>
-              <a:rPr b="1" lang="en-GB" sz="2300">
-                <a:latin typeface="Roboto"/>
-                <a:ea typeface="Roboto"/>
-                <a:cs typeface="Roboto"/>
-                <a:sym typeface="Roboto"/>
-              </a:rPr>
-              <a:t>MINOR PROJECT</a:t>
-            </a:r>
-            <a:endParaRPr b="1" sz="2300">
-              <a:latin typeface="Roboto"/>
-              <a:ea typeface="Roboto"/>
-              <a:cs typeface="Roboto"/>
-              <a:sym typeface="Roboto"/>
-            </a:endParaRPr>
-          </a:p>
-        </p:txBody>
-      </p:sp>
-      <p:sp>
-        <p:nvSpPr>
-          <p:cNvPr id="73" name="Google Shape;73;p14"/>
-          <p:cNvSpPr txBox="1"/>
-          <p:nvPr>
-            <p:ph type="title"/>
-          </p:nvPr>
-        </p:nvSpPr>
-        <p:spPr>
-          <a:xfrm>
-            <a:off x="773700" y="2040989"/>
-            <a:ext cx="7596600" cy="1530600"/>
-          </a:xfrm>
-          <a:prstGeom prst="rect">
-            <a:avLst/>
-          </a:prstGeom>
-        </p:spPr>
-        <p:txBody>
-          <a:bodyPr anchorCtr="0" anchor="ctr" bIns="91425" lIns="91425" spcFirstLastPara="1" rIns="91425" wrap="square" tIns="91425">
-            <a:noAutofit/>
-          </a:bodyPr>
-          <a:lstStyle/>
-          <a:p>
-            <a:pPr indent="0" lvl="0" marL="0" rtl="0" algn="ctr">
-              <a:spcBef>
-                <a:spcPts val="0"/>
-              </a:spcBef>
-              <a:spcAft>
-                <a:spcPts val="0"/>
-              </a:spcAft>
-              <a:buNone/>
-            </a:pPr>
-            <a:r>
-              <a:rPr lang="en-GB" sz="5000">
-                <a:latin typeface="Impact"/>
-                <a:ea typeface="Impact"/>
-                <a:cs typeface="Impact"/>
-                <a:sym typeface="Impact"/>
-              </a:rPr>
-              <a:t>Prescription Label Reading</a:t>
-            </a:r>
-            <a:endParaRPr sz="5000">
-              <a:latin typeface="Impact"/>
-              <a:ea typeface="Impact"/>
-              <a:cs typeface="Impact"/>
-              <a:sym typeface="Impact"/>
-            </a:endParaRPr>
-          </a:p>
-        </p:txBody>
-      </p:sp>
-      <p:sp>
-        <p:nvSpPr>
-          <p:cNvPr id="74" name="Google Shape;74;p14"/>
-          <p:cNvSpPr txBox="1"/>
-          <p:nvPr/>
-        </p:nvSpPr>
-        <p:spPr>
-          <a:xfrm>
-            <a:off x="1007782" y="3465853"/>
-            <a:ext cx="2897400" cy="831300"/>
-          </a:xfrm>
-          <a:prstGeom prst="rect">
-            <a:avLst/>
-          </a:prstGeom>
-          <a:noFill/>
-          <a:ln>
-            <a:noFill/>
-          </a:ln>
-        </p:spPr>
-        <p:txBody>
-          <a:bodyPr anchorCtr="0" anchor="t" bIns="91425" lIns="91425" spcFirstLastPara="1" rIns="91425" wrap="square" tIns="91425">
-            <a:spAutoFit/>
-          </a:bodyPr>
-          <a:lstStyle/>
-          <a:p>
-            <a:pPr indent="0" lvl="0" marL="0" rtl="0" algn="l">
-              <a:spcBef>
-                <a:spcPts val="0"/>
-              </a:spcBef>
-              <a:spcAft>
-                <a:spcPts val="0"/>
-              </a:spcAft>
-              <a:buNone/>
-            </a:pPr>
-            <a:r>
-              <a:rPr lang="en-GB">
-                <a:latin typeface="Open Sans"/>
-                <a:ea typeface="Open Sans"/>
-                <a:cs typeface="Open Sans"/>
-                <a:sym typeface="Open Sans"/>
-              </a:rPr>
-              <a:t>Swapnil Pant	201B278</a:t>
-            </a:r>
-            <a:endParaRPr>
-              <a:latin typeface="Open Sans"/>
-              <a:ea typeface="Open Sans"/>
-              <a:cs typeface="Open Sans"/>
-              <a:sym typeface="Open Sans"/>
-            </a:endParaRPr>
-          </a:p>
-          <a:p>
-            <a:pPr indent="0" lvl="0" marL="0" rtl="0" algn="l">
-              <a:spcBef>
-                <a:spcPts val="0"/>
-              </a:spcBef>
-              <a:spcAft>
-                <a:spcPts val="0"/>
-              </a:spcAft>
-              <a:buNone/>
-            </a:pPr>
-            <a:r>
-              <a:rPr lang="en-GB">
-                <a:latin typeface="Open Sans"/>
-                <a:ea typeface="Open Sans"/>
-                <a:cs typeface="Open Sans"/>
-                <a:sym typeface="Open Sans"/>
-              </a:rPr>
-              <a:t>Satyam Thakur	201B244</a:t>
-            </a:r>
-            <a:endParaRPr>
-              <a:latin typeface="Open Sans"/>
-              <a:ea typeface="Open Sans"/>
-              <a:cs typeface="Open Sans"/>
-              <a:sym typeface="Open Sans"/>
-            </a:endParaRPr>
-          </a:p>
-          <a:p>
-            <a:pPr indent="0" lvl="0" marL="0" rtl="0" algn="l">
-              <a:spcBef>
-                <a:spcPts val="0"/>
-              </a:spcBef>
-              <a:spcAft>
-                <a:spcPts val="0"/>
-              </a:spcAft>
-              <a:buNone/>
-            </a:pPr>
-            <a:r>
-              <a:rPr lang="en-GB">
-                <a:latin typeface="Open Sans"/>
-                <a:ea typeface="Open Sans"/>
-                <a:cs typeface="Open Sans"/>
-                <a:sym typeface="Open Sans"/>
-              </a:rPr>
-              <a:t>Utkarsh Mathur 201B294</a:t>
-            </a:r>
-            <a:endParaRPr>
-              <a:latin typeface="Open Sans"/>
-              <a:ea typeface="Open Sans"/>
-              <a:cs typeface="Open Sans"/>
-              <a:sym typeface="Open Sans"/>
-            </a:endParaRPr>
-          </a:p>
-        </p:txBody>
-      </p:sp>
-      <p:sp>
-        <p:nvSpPr>
-          <p:cNvPr id="75" name="Google Shape;75;p14"/>
-          <p:cNvSpPr txBox="1"/>
-          <p:nvPr/>
-        </p:nvSpPr>
-        <p:spPr>
-          <a:xfrm>
-            <a:off x="5367200" y="3571603"/>
-            <a:ext cx="2680200" cy="615600"/>
-          </a:xfrm>
-          <a:prstGeom prst="rect">
-            <a:avLst/>
-          </a:prstGeom>
-          <a:noFill/>
-          <a:ln>
-            <a:noFill/>
-          </a:ln>
-        </p:spPr>
-        <p:txBody>
-          <a:bodyPr anchorCtr="0" anchor="t" bIns="91425" lIns="91425" spcFirstLastPara="1" rIns="91425" wrap="square" tIns="91425">
-            <a:spAutoFit/>
-          </a:bodyPr>
-          <a:lstStyle/>
-          <a:p>
-            <a:pPr indent="0" lvl="0" marL="0" rtl="0" algn="l">
-              <a:spcBef>
-                <a:spcPts val="0"/>
-              </a:spcBef>
-              <a:spcAft>
-                <a:spcPts val="0"/>
-              </a:spcAft>
-              <a:buNone/>
-            </a:pPr>
-            <a:r>
-              <a:rPr lang="en-GB">
-                <a:latin typeface="Open Sans"/>
-                <a:ea typeface="Open Sans"/>
-                <a:cs typeface="Open Sans"/>
-                <a:sym typeface="Open Sans"/>
-              </a:rPr>
-              <a:t>Project Guide : </a:t>
-            </a:r>
-            <a:endParaRPr>
-              <a:latin typeface="Open Sans"/>
-              <a:ea typeface="Open Sans"/>
-              <a:cs typeface="Open Sans"/>
-              <a:sym typeface="Open Sans"/>
-            </a:endParaRPr>
-          </a:p>
-          <a:p>
-            <a:pPr indent="0" lvl="0" marL="0" rtl="0" algn="l">
-              <a:spcBef>
-                <a:spcPts val="0"/>
-              </a:spcBef>
-              <a:spcAft>
-                <a:spcPts val="0"/>
-              </a:spcAft>
-              <a:buNone/>
-            </a:pPr>
-            <a:r>
-              <a:rPr lang="en-GB">
-                <a:latin typeface="Open Sans"/>
-                <a:ea typeface="Open Sans"/>
-                <a:cs typeface="Open Sans"/>
-                <a:sym typeface="Open Sans"/>
-              </a:rPr>
-              <a:t>         Dr. Nileshkumar R. Patel</a:t>
-            </a:r>
-            <a:endParaRPr>
-              <a:latin typeface="Open Sans"/>
-              <a:ea typeface="Open Sans"/>
-              <a:cs typeface="Open Sans"/>
-              <a:sym typeface="Open Sans"/>
-            </a:endParaRPr>
-          </a:p>
-        </p:txBody>
-      </p:sp>
-      <p:sp>
-        <p:nvSpPr>
-          <p:cNvPr id="76" name="Google Shape;76;p14"/>
-          <p:cNvSpPr txBox="1"/>
-          <p:nvPr/>
-        </p:nvSpPr>
-        <p:spPr>
-          <a:xfrm>
-            <a:off x="0" y="594125"/>
-            <a:ext cx="9144000" cy="477000"/>
-          </a:xfrm>
-          <a:prstGeom prst="rect">
-            <a:avLst/>
-          </a:prstGeom>
-          <a:noFill/>
-          <a:ln>
-            <a:noFill/>
-          </a:ln>
-        </p:spPr>
-        <p:txBody>
-          <a:bodyPr anchorCtr="0" anchor="t" bIns="91425" lIns="91425" spcFirstLastPara="1" rIns="91425" wrap="square" tIns="91425">
-            <a:spAutoFit/>
-          </a:bodyPr>
-          <a:lstStyle/>
-          <a:p>
-            <a:pPr indent="0" lvl="0" marL="0" rtl="0" algn="ctr">
-              <a:spcBef>
-                <a:spcPts val="0"/>
-              </a:spcBef>
-              <a:spcAft>
-                <a:spcPts val="0"/>
-              </a:spcAft>
-              <a:buNone/>
-            </a:pPr>
-            <a:r>
-              <a:rPr lang="en-GB" sz="1900">
-                <a:latin typeface="Impact"/>
-                <a:ea typeface="Impact"/>
-                <a:cs typeface="Impact"/>
-                <a:sym typeface="Impact"/>
-              </a:rPr>
-              <a:t>Project No. - 63</a:t>
-            </a:r>
-            <a:endParaRPr sz="1900">
-              <a:latin typeface="Impact"/>
-              <a:ea typeface="Impact"/>
-              <a:cs typeface="Impact"/>
-              <a:sym typeface="Impact"/>
-            </a:endParaRPr>
-          </a:p>
-        </p:txBody>
-      </p:sp>
-      <p:pic>
-        <p:nvPicPr>
-          <p:cNvPr id="77" name="Google Shape;77;p14"/>
-          <p:cNvPicPr preferRelativeResize="0"/>
-          <p:nvPr/>
-        </p:nvPicPr>
-        <p:blipFill>
-          <a:blip r:embed="rId3">
-            <a:alphaModFix/>
-          </a:blip>
-          <a:stretch>
-            <a:fillRect/>
-          </a:stretch>
-        </p:blipFill>
-        <p:spPr>
-          <a:xfrm>
-            <a:off x="3941325" y="1215295"/>
-            <a:ext cx="1261350" cy="1138075"/>
-          </a:xfrm>
-          <a:prstGeom prst="rect">
-            <a:avLst/>
-          </a:prstGeom>
-          <a:noFill/>
-          <a:ln>
-            <a:noFill/>
-          </a:ln>
-        </p:spPr>
-      </p:pic>
-    </p:spTree>
-  </p:cSld>
-  <p:clrMapOvr>
-    <a:masterClrMapping/>
-  </p:clrMapOvr>
-</p:sld>
-</file>
-
-<file path=ppt/slides/slide3.xml><?xml version="1.0" encoding="utf-8"?>
-<p:sld xmlns:a="http://schemas.openxmlformats.org/drawingml/2006/main" xmlns:r="http://schemas.openxmlformats.org/officeDocument/2006/relationships" xmlns:mc="http://schemas.openxmlformats.org/markup-compatibility/2006" xmlns:mv="urn:schemas-microsoft-com:mac:vml" xmlns:p="http://schemas.openxmlformats.org/presentationml/2006/main" xmlns:c="http://schemas.openxmlformats.org/drawingml/2006/chart" xmlns:dgm="http://schemas.openxmlformats.org/drawingml/2006/diagram" xmlns:o="urn:schemas-microsoft-com:office:office" xmlns:v="urn:schemas-microsoft-com:vml" xmlns:pvml="urn:schemas-microsoft-com:office:powerpoint" xmlns:com="http://schemas.openxmlformats.org/drawingml/2006/compatibility" xmlns:p14="http://schemas.microsoft.com/office/powerpoint/2010/main" xmlns:p15="http://schemas.microsoft.com/office/powerpoint/2012/main" xmlns:ahyp="http://schemas.microsoft.com/office/drawing/2018/hyperlinkcolor">
-  <p:cSld>
-    <p:spTree>
-      <p:nvGrpSpPr>
-        <p:cNvPr id="81" name="Shape 81"/>
-        <p:cNvGrpSpPr/>
-        <p:nvPr/>
-      </p:nvGrpSpPr>
-      <p:grpSpPr>
-        <a:xfrm>
-          <a:off x="0" y="0"/>
-          <a:ext cx="0" cy="0"/>
-          <a:chOff x="0" y="0"/>
-          <a:chExt cx="0" cy="0"/>
-        </a:xfrm>
-      </p:grpSpPr>
-      <p:sp>
-        <p:nvSpPr>
-          <p:cNvPr id="82" name="Google Shape;82;p15"/>
-          <p:cNvSpPr txBox="1"/>
           <p:nvPr>
             <p:ph type="title"/>
           </p:nvPr>
@@ -8887,7 +8304,7 @@
       </p:sp>
       <p:graphicFrame>
         <p:nvGraphicFramePr>
-          <p:cNvPr id="83" name="Google Shape;83;p15"/>
+          <p:cNvPr id="73" name="Google Shape;73;p14"/>
           <p:cNvGraphicFramePr/>
           <p:nvPr/>
         </p:nvGraphicFramePr>
@@ -8900,7 +8317,7 @@
             <a:tbl>
               <a:tblPr>
                 <a:noFill/>
-                <a:tableStyleId>{0128DD0C-CCA0-4A01-A747-6EA9C23CCEC5}</a:tableStyleId>
+                <a:tableStyleId>{F689207F-674C-483B-AA3F-7CBD80881F6C}</a:tableStyleId>
               </a:tblPr>
               <a:tblGrid>
                 <a:gridCol w="2647200"/>
@@ -9753,7 +9170,7 @@
                                           </p:stCondLst>
                                         </p:cTn>
                                         <p:tgtEl>
-                                          <p:spTgt spid="83"/>
+                                          <p:spTgt spid="73"/>
                                         </p:tgtEl>
                                         <p:attrNameLst>
                                           <p:attrName>style.visibility</p:attrName>
@@ -9767,7 +9184,7 @@
                                       <p:cBhvr>
                                         <p:cTn dur="1000"/>
                                         <p:tgtEl>
-                                          <p:spTgt spid="83"/>
+                                          <p:spTgt spid="73"/>
                                         </p:tgtEl>
                                       </p:cBhvr>
                                     </p:animEffect>
@@ -9806,7 +9223,7 @@
                                           </p:stCondLst>
                                         </p:cTn>
                                         <p:tgtEl>
-                                          <p:spTgt spid="83"/>
+                                          <p:spTgt spid="73"/>
                                         </p:tgtEl>
                                         <p:attrNameLst>
                                           <p:attrName>style.visibility</p:attrName>
@@ -9820,7 +9237,7 @@
                                       <p:cBhvr>
                                         <p:cTn dur="1000"/>
                                         <p:tgtEl>
-                                          <p:spTgt spid="83"/>
+                                          <p:spTgt spid="73"/>
                                         </p:tgtEl>
                                       </p:cBhvr>
                                     </p:animEffect>
@@ -9858,12 +9275,12 @@
 </p:sld>
 </file>
 
-<file path=ppt/slides/slide4.xml><?xml version="1.0" encoding="utf-8"?>
+<file path=ppt/slides/slide3.xml><?xml version="1.0" encoding="utf-8"?>
 <p:sld xmlns:a="http://schemas.openxmlformats.org/drawingml/2006/main" xmlns:r="http://schemas.openxmlformats.org/officeDocument/2006/relationships" xmlns:mc="http://schemas.openxmlformats.org/markup-compatibility/2006" xmlns:mv="urn:schemas-microsoft-com:mac:vml" xmlns:p="http://schemas.openxmlformats.org/presentationml/2006/main" xmlns:c="http://schemas.openxmlformats.org/drawingml/2006/chart" xmlns:dgm="http://schemas.openxmlformats.org/drawingml/2006/diagram" xmlns:o="urn:schemas-microsoft-com:office:office" xmlns:v="urn:schemas-microsoft-com:vml" xmlns:pvml="urn:schemas-microsoft-com:office:powerpoint" xmlns:com="http://schemas.openxmlformats.org/drawingml/2006/compatibility" xmlns:p14="http://schemas.microsoft.com/office/powerpoint/2010/main" xmlns:p15="http://schemas.microsoft.com/office/powerpoint/2012/main" xmlns:ahyp="http://schemas.microsoft.com/office/drawing/2018/hyperlinkcolor">
   <p:cSld>
     <p:spTree>
       <p:nvGrpSpPr>
-        <p:cNvPr id="87" name="Shape 87"/>
+        <p:cNvPr id="77" name="Shape 77"/>
         <p:cNvGrpSpPr/>
         <p:nvPr/>
       </p:nvGrpSpPr>
@@ -9877,7 +9294,7 @@
       </p:grpSpPr>
       <p:sp>
         <p:nvSpPr>
-          <p:cNvPr id="88" name="Google Shape;88;p16"/>
+          <p:cNvPr id="78" name="Google Shape;78;p15"/>
           <p:cNvSpPr txBox="1"/>
           <p:nvPr>
             <p:ph type="title"/>
@@ -9933,7 +9350,7 @@
       </p:sp>
       <p:sp>
         <p:nvSpPr>
-          <p:cNvPr id="89" name="Google Shape;89;p16"/>
+          <p:cNvPr id="79" name="Google Shape;79;p15"/>
           <p:cNvSpPr txBox="1"/>
           <p:nvPr/>
         </p:nvSpPr>
@@ -10273,7 +9690,7 @@
       </p:sp>
       <p:pic>
         <p:nvPicPr>
-          <p:cNvPr id="90" name="Google Shape;90;p16"/>
+          <p:cNvPr id="80" name="Google Shape;80;p15"/>
           <p:cNvPicPr preferRelativeResize="0"/>
           <p:nvPr/>
         </p:nvPicPr>
@@ -10301,7 +9718,7 @@
       </p:pic>
       <p:sp>
         <p:nvSpPr>
-          <p:cNvPr id="91" name="Google Shape;91;p16"/>
+          <p:cNvPr id="81" name="Google Shape;81;p15"/>
           <p:cNvSpPr txBox="1"/>
           <p:nvPr/>
         </p:nvSpPr>
@@ -10359,12 +9776,12 @@
 </p:sld>
 </file>
 
-<file path=ppt/slides/slide5.xml><?xml version="1.0" encoding="utf-8"?>
+<file path=ppt/slides/slide4.xml><?xml version="1.0" encoding="utf-8"?>
 <p:sld xmlns:a="http://schemas.openxmlformats.org/drawingml/2006/main" xmlns:r="http://schemas.openxmlformats.org/officeDocument/2006/relationships" xmlns:mc="http://schemas.openxmlformats.org/markup-compatibility/2006" xmlns:mv="urn:schemas-microsoft-com:mac:vml" xmlns:p="http://schemas.openxmlformats.org/presentationml/2006/main" xmlns:c="http://schemas.openxmlformats.org/drawingml/2006/chart" xmlns:dgm="http://schemas.openxmlformats.org/drawingml/2006/diagram" xmlns:o="urn:schemas-microsoft-com:office:office" xmlns:v="urn:schemas-microsoft-com:vml" xmlns:pvml="urn:schemas-microsoft-com:office:powerpoint" xmlns:com="http://schemas.openxmlformats.org/drawingml/2006/compatibility" xmlns:p14="http://schemas.microsoft.com/office/powerpoint/2010/main" xmlns:p15="http://schemas.microsoft.com/office/powerpoint/2012/main" xmlns:ahyp="http://schemas.microsoft.com/office/drawing/2018/hyperlinkcolor">
   <p:cSld>
     <p:spTree>
       <p:nvGrpSpPr>
-        <p:cNvPr id="95" name="Shape 95"/>
+        <p:cNvPr id="85" name="Shape 85"/>
         <p:cNvGrpSpPr/>
         <p:nvPr/>
       </p:nvGrpSpPr>
@@ -10378,7 +9795,7 @@
       </p:grpSpPr>
       <p:sp>
         <p:nvSpPr>
-          <p:cNvPr id="96" name="Google Shape;96;p17"/>
+          <p:cNvPr id="86" name="Google Shape;86;p16"/>
           <p:cNvSpPr txBox="1"/>
           <p:nvPr/>
         </p:nvSpPr>
@@ -10430,7 +9847,7 @@
       </p:sp>
       <p:pic>
         <p:nvPicPr>
-          <p:cNvPr id="97" name="Google Shape;97;p17"/>
+          <p:cNvPr id="87" name="Google Shape;87;p16"/>
           <p:cNvPicPr preferRelativeResize="0"/>
           <p:nvPr/>
         </p:nvPicPr>
@@ -10458,7 +9875,7 @@
       </p:pic>
       <p:pic>
         <p:nvPicPr>
-          <p:cNvPr id="98" name="Google Shape;98;p17"/>
+          <p:cNvPr id="88" name="Google Shape;88;p16"/>
           <p:cNvPicPr preferRelativeResize="0"/>
           <p:nvPr/>
         </p:nvPicPr>
@@ -10492,12 +9909,12 @@
 </p:sld>
 </file>
 
-<file path=ppt/slides/slide6.xml><?xml version="1.0" encoding="utf-8"?>
+<file path=ppt/slides/slide5.xml><?xml version="1.0" encoding="utf-8"?>
 <p:sld xmlns:a="http://schemas.openxmlformats.org/drawingml/2006/main" xmlns:r="http://schemas.openxmlformats.org/officeDocument/2006/relationships" xmlns:mc="http://schemas.openxmlformats.org/markup-compatibility/2006" xmlns:mv="urn:schemas-microsoft-com:mac:vml" xmlns:p="http://schemas.openxmlformats.org/presentationml/2006/main" xmlns:c="http://schemas.openxmlformats.org/drawingml/2006/chart" xmlns:dgm="http://schemas.openxmlformats.org/drawingml/2006/diagram" xmlns:o="urn:schemas-microsoft-com:office:office" xmlns:v="urn:schemas-microsoft-com:vml" xmlns:pvml="urn:schemas-microsoft-com:office:powerpoint" xmlns:com="http://schemas.openxmlformats.org/drawingml/2006/compatibility" xmlns:p14="http://schemas.microsoft.com/office/powerpoint/2010/main" xmlns:p15="http://schemas.microsoft.com/office/powerpoint/2012/main" xmlns:ahyp="http://schemas.microsoft.com/office/drawing/2018/hyperlinkcolor">
   <p:cSld>
     <p:spTree>
       <p:nvGrpSpPr>
-        <p:cNvPr id="102" name="Shape 102"/>
+        <p:cNvPr id="92" name="Shape 92"/>
         <p:cNvGrpSpPr/>
         <p:nvPr/>
       </p:nvGrpSpPr>
@@ -10511,7 +9928,7 @@
       </p:grpSpPr>
       <p:sp>
         <p:nvSpPr>
-          <p:cNvPr id="103" name="Google Shape;103;p18"/>
+          <p:cNvPr id="93" name="Google Shape;93;p17"/>
           <p:cNvSpPr txBox="1"/>
           <p:nvPr>
             <p:ph type="title"/>
@@ -10555,7 +9972,7 @@
       </p:sp>
       <p:pic>
         <p:nvPicPr>
-          <p:cNvPr id="104" name="Google Shape;104;p18"/>
+          <p:cNvPr id="94" name="Google Shape;94;p17"/>
           <p:cNvPicPr preferRelativeResize="0"/>
           <p:nvPr/>
         </p:nvPicPr>
@@ -10589,12 +10006,12 @@
 </p:sld>
 </file>
 
-<file path=ppt/slides/slide7.xml><?xml version="1.0" encoding="utf-8"?>
+<file path=ppt/slides/slide6.xml><?xml version="1.0" encoding="utf-8"?>
 <p:sld xmlns:a="http://schemas.openxmlformats.org/drawingml/2006/main" xmlns:r="http://schemas.openxmlformats.org/officeDocument/2006/relationships" xmlns:mc="http://schemas.openxmlformats.org/markup-compatibility/2006" xmlns:mv="urn:schemas-microsoft-com:mac:vml" xmlns:p="http://schemas.openxmlformats.org/presentationml/2006/main" xmlns:c="http://schemas.openxmlformats.org/drawingml/2006/chart" xmlns:dgm="http://schemas.openxmlformats.org/drawingml/2006/diagram" xmlns:o="urn:schemas-microsoft-com:office:office" xmlns:v="urn:schemas-microsoft-com:vml" xmlns:pvml="urn:schemas-microsoft-com:office:powerpoint" xmlns:com="http://schemas.openxmlformats.org/drawingml/2006/compatibility" xmlns:p14="http://schemas.microsoft.com/office/powerpoint/2010/main" xmlns:p15="http://schemas.microsoft.com/office/powerpoint/2012/main" xmlns:ahyp="http://schemas.microsoft.com/office/drawing/2018/hyperlinkcolor">
   <p:cSld>
     <p:spTree>
       <p:nvGrpSpPr>
-        <p:cNvPr id="108" name="Shape 108"/>
+        <p:cNvPr id="98" name="Shape 98"/>
         <p:cNvGrpSpPr/>
         <p:nvPr/>
       </p:nvGrpSpPr>
@@ -10608,7 +10025,7 @@
       </p:grpSpPr>
       <p:sp>
         <p:nvSpPr>
-          <p:cNvPr id="109" name="Google Shape;109;p19"/>
+          <p:cNvPr id="99" name="Google Shape;99;p18"/>
           <p:cNvSpPr txBox="1"/>
           <p:nvPr>
             <p:ph type="title"/>
@@ -10664,7 +10081,7 @@
       </p:sp>
       <p:sp>
         <p:nvSpPr>
-          <p:cNvPr id="110" name="Google Shape;110;p19"/>
+          <p:cNvPr id="100" name="Google Shape;100;p18"/>
           <p:cNvSpPr txBox="1"/>
           <p:nvPr>
             <p:ph idx="1" type="body"/>
@@ -10726,7 +10143,7 @@
       </p:sp>
       <p:sp>
         <p:nvSpPr>
-          <p:cNvPr id="111" name="Google Shape;111;p19"/>
+          <p:cNvPr id="101" name="Google Shape;101;p18"/>
           <p:cNvSpPr txBox="1"/>
           <p:nvPr>
             <p:ph idx="2" type="body"/>
@@ -10868,7 +10285,7 @@
       </p:sp>
       <p:cxnSp>
         <p:nvCxnSpPr>
-          <p:cNvPr id="112" name="Google Shape;112;p19"/>
+          <p:cNvPr id="102" name="Google Shape;102;p18"/>
           <p:cNvCxnSpPr/>
           <p:nvPr/>
         </p:nvCxnSpPr>
@@ -10894,7 +10311,7 @@
       </p:cxnSp>
       <p:sp>
         <p:nvSpPr>
-          <p:cNvPr id="113" name="Google Shape;113;p19"/>
+          <p:cNvPr id="103" name="Google Shape;103;p18"/>
           <p:cNvSpPr txBox="1"/>
           <p:nvPr/>
         </p:nvSpPr>
@@ -10952,12 +10369,12 @@
 </p:sld>
 </file>
 
-<file path=ppt/slides/slide8.xml><?xml version="1.0" encoding="utf-8"?>
+<file path=ppt/slides/slide7.xml><?xml version="1.0" encoding="utf-8"?>
 <p:sld xmlns:a="http://schemas.openxmlformats.org/drawingml/2006/main" xmlns:r="http://schemas.openxmlformats.org/officeDocument/2006/relationships" xmlns:mc="http://schemas.openxmlformats.org/markup-compatibility/2006" xmlns:mv="urn:schemas-microsoft-com:mac:vml" xmlns:p="http://schemas.openxmlformats.org/presentationml/2006/main" xmlns:c="http://schemas.openxmlformats.org/drawingml/2006/chart" xmlns:dgm="http://schemas.openxmlformats.org/drawingml/2006/diagram" xmlns:o="urn:schemas-microsoft-com:office:office" xmlns:v="urn:schemas-microsoft-com:vml" xmlns:pvml="urn:schemas-microsoft-com:office:powerpoint" xmlns:com="http://schemas.openxmlformats.org/drawingml/2006/compatibility" xmlns:p14="http://schemas.microsoft.com/office/powerpoint/2010/main" xmlns:p15="http://schemas.microsoft.com/office/powerpoint/2012/main" xmlns:ahyp="http://schemas.microsoft.com/office/drawing/2018/hyperlinkcolor">
   <p:cSld>
     <p:spTree>
       <p:nvGrpSpPr>
-        <p:cNvPr id="117" name="Shape 117"/>
+        <p:cNvPr id="107" name="Shape 107"/>
         <p:cNvGrpSpPr/>
         <p:nvPr/>
       </p:nvGrpSpPr>
@@ -10971,7 +10388,7 @@
       </p:grpSpPr>
       <p:pic>
         <p:nvPicPr>
-          <p:cNvPr id="118" name="Google Shape;118;p20"/>
+          <p:cNvPr id="108" name="Google Shape;108;p19"/>
           <p:cNvPicPr preferRelativeResize="0"/>
           <p:nvPr/>
         </p:nvPicPr>
@@ -10999,7 +10416,7 @@
       </p:pic>
       <p:pic>
         <p:nvPicPr>
-          <p:cNvPr id="119" name="Google Shape;119;p20"/>
+          <p:cNvPr id="109" name="Google Shape;109;p19"/>
           <p:cNvPicPr preferRelativeResize="0"/>
           <p:nvPr/>
         </p:nvPicPr>
@@ -11033,7 +10450,7 @@
       </p:pic>
       <p:pic>
         <p:nvPicPr>
-          <p:cNvPr id="120" name="Google Shape;120;p20"/>
+          <p:cNvPr id="110" name="Google Shape;110;p19"/>
           <p:cNvPicPr preferRelativeResize="0"/>
           <p:nvPr/>
         </p:nvPicPr>
@@ -11061,7 +10478,7 @@
       </p:pic>
       <p:pic>
         <p:nvPicPr>
-          <p:cNvPr id="121" name="Google Shape;121;p20"/>
+          <p:cNvPr id="111" name="Google Shape;111;p19"/>
           <p:cNvPicPr preferRelativeResize="0"/>
           <p:nvPr/>
         </p:nvPicPr>
@@ -11089,7 +10506,7 @@
       </p:pic>
       <p:sp>
         <p:nvSpPr>
-          <p:cNvPr id="122" name="Google Shape;122;p20"/>
+          <p:cNvPr id="112" name="Google Shape;112;p19"/>
           <p:cNvSpPr txBox="1"/>
           <p:nvPr/>
         </p:nvSpPr>
@@ -11141,7 +10558,7 @@
       </p:sp>
       <p:sp>
         <p:nvSpPr>
-          <p:cNvPr id="123" name="Google Shape;123;p20"/>
+          <p:cNvPr id="113" name="Google Shape;113;p19"/>
           <p:cNvSpPr txBox="1"/>
           <p:nvPr/>
         </p:nvSpPr>
@@ -11193,7 +10610,7 @@
       </p:sp>
       <p:sp>
         <p:nvSpPr>
-          <p:cNvPr id="124" name="Google Shape;124;p20"/>
+          <p:cNvPr id="114" name="Google Shape;114;p19"/>
           <p:cNvSpPr txBox="1"/>
           <p:nvPr/>
         </p:nvSpPr>
@@ -11245,7 +10662,7 @@
       </p:sp>
       <p:sp>
         <p:nvSpPr>
-          <p:cNvPr id="125" name="Google Shape;125;p20"/>
+          <p:cNvPr id="115" name="Google Shape;115;p19"/>
           <p:cNvSpPr txBox="1"/>
           <p:nvPr>
             <p:ph type="title"/>
@@ -11307,7 +10724,7 @@
       </p:sp>
       <p:sp>
         <p:nvSpPr>
-          <p:cNvPr id="126" name="Google Shape;126;p20"/>
+          <p:cNvPr id="116" name="Google Shape;116;p19"/>
           <p:cNvSpPr txBox="1"/>
           <p:nvPr/>
         </p:nvSpPr>
@@ -11359,7 +10776,7 @@
       </p:sp>
       <p:pic>
         <p:nvPicPr>
-          <p:cNvPr id="127" name="Google Shape;127;p20"/>
+          <p:cNvPr id="117" name="Google Shape;117;p19"/>
           <p:cNvPicPr preferRelativeResize="0"/>
           <p:nvPr/>
         </p:nvPicPr>
@@ -11387,7 +10804,7 @@
       </p:pic>
       <p:sp>
         <p:nvSpPr>
-          <p:cNvPr id="128" name="Google Shape;128;p20"/>
+          <p:cNvPr id="118" name="Google Shape;118;p19"/>
           <p:cNvSpPr txBox="1"/>
           <p:nvPr/>
         </p:nvSpPr>
@@ -11439,7 +10856,7 @@
       </p:sp>
       <p:sp>
         <p:nvSpPr>
-          <p:cNvPr id="129" name="Google Shape;129;p20"/>
+          <p:cNvPr id="119" name="Google Shape;119;p19"/>
           <p:cNvSpPr txBox="1"/>
           <p:nvPr/>
         </p:nvSpPr>
@@ -11491,7 +10908,7 @@
       </p:sp>
       <p:sp>
         <p:nvSpPr>
-          <p:cNvPr id="130" name="Google Shape;130;p20"/>
+          <p:cNvPr id="120" name="Google Shape;120;p19"/>
           <p:cNvSpPr txBox="1"/>
           <p:nvPr/>
         </p:nvSpPr>
@@ -11543,7 +10960,7 @@
       </p:sp>
       <p:pic>
         <p:nvPicPr>
-          <p:cNvPr id="131" name="Google Shape;131;p20"/>
+          <p:cNvPr id="121" name="Google Shape;121;p19"/>
           <p:cNvPicPr preferRelativeResize="0"/>
           <p:nvPr/>
         </p:nvPicPr>
@@ -11571,7 +10988,7 @@
       </p:pic>
       <p:pic>
         <p:nvPicPr>
-          <p:cNvPr id="132" name="Google Shape;132;p20"/>
+          <p:cNvPr id="122" name="Google Shape;122;p19"/>
           <p:cNvPicPr preferRelativeResize="0"/>
           <p:nvPr/>
         </p:nvPicPr>
@@ -11605,12 +11022,12 @@
 </p:sld>
 </file>
 
-<file path=ppt/slides/slide9.xml><?xml version="1.0" encoding="utf-8"?>
+<file path=ppt/slides/slide8.xml><?xml version="1.0" encoding="utf-8"?>
 <p:sld xmlns:a="http://schemas.openxmlformats.org/drawingml/2006/main" xmlns:r="http://schemas.openxmlformats.org/officeDocument/2006/relationships" xmlns:mc="http://schemas.openxmlformats.org/markup-compatibility/2006" xmlns:mv="urn:schemas-microsoft-com:mac:vml" xmlns:p="http://schemas.openxmlformats.org/presentationml/2006/main" xmlns:c="http://schemas.openxmlformats.org/drawingml/2006/chart" xmlns:dgm="http://schemas.openxmlformats.org/drawingml/2006/diagram" xmlns:o="urn:schemas-microsoft-com:office:office" xmlns:v="urn:schemas-microsoft-com:vml" xmlns:pvml="urn:schemas-microsoft-com:office:powerpoint" xmlns:com="http://schemas.openxmlformats.org/drawingml/2006/compatibility" xmlns:p14="http://schemas.microsoft.com/office/powerpoint/2010/main" xmlns:p15="http://schemas.microsoft.com/office/powerpoint/2012/main" xmlns:ahyp="http://schemas.microsoft.com/office/drawing/2018/hyperlinkcolor">
   <p:cSld>
     <p:spTree>
       <p:nvGrpSpPr>
-        <p:cNvPr id="136" name="Shape 136"/>
+        <p:cNvPr id="126" name="Shape 126"/>
         <p:cNvGrpSpPr/>
         <p:nvPr/>
       </p:nvGrpSpPr>
@@ -11624,7 +11041,7 @@
       </p:grpSpPr>
       <p:sp>
         <p:nvSpPr>
-          <p:cNvPr id="137" name="Google Shape;137;p21"/>
+          <p:cNvPr id="127" name="Google Shape;127;p20"/>
           <p:cNvSpPr txBox="1"/>
           <p:nvPr>
             <p:ph type="title"/>
@@ -11632,8 +11049,8 @@
         </p:nvSpPr>
         <p:spPr>
           <a:xfrm>
-            <a:off x="2406775" y="1800250"/>
-            <a:ext cx="4809600" cy="1530600"/>
+            <a:off x="2406775" y="1615450"/>
+            <a:ext cx="4809600" cy="2031900"/>
           </a:xfrm>
           <a:prstGeom prst="rect">
             <a:avLst/>
@@ -11641,7 +11058,7 @@
         </p:spPr>
         <p:txBody>
           <a:bodyPr anchorCtr="0" anchor="ctr" bIns="91425" lIns="91425" spcFirstLastPara="1" rIns="91425" wrap="square" tIns="91425">
-            <a:normAutofit fontScale="90000"/>
+            <a:spAutoFit/>
           </a:bodyPr>
           <a:lstStyle/>
           <a:p>
@@ -11655,7 +11072,7 @@
               <a:buNone/>
             </a:pPr>
             <a:r>
-              <a:rPr lang="en-GB" sz="5455"/>
+              <a:rPr lang="en-GB" sz="6000"/>
               <a:t>Results</a:t>
             </a:r>
             <a:r>
@@ -11675,20 +11092,32 @@
               <a:buNone/>
             </a:pPr>
             <a:r>
-              <a:rPr lang="en-GB" sz="3766"/>
-              <a:t>Our Work So Far..</a:t>
+              <a:rPr lang="en-GB" sz="3000"/>
+              <a:t>Our Work So Far</a:t>
             </a:r>
-            <a:endParaRPr sz="4566">
-              <a:solidFill>
-                <a:srgbClr val="000000"/>
-              </a:solidFill>
-            </a:endParaRPr>
+            <a:endParaRPr sz="3000"/>
+          </a:p>
+          <a:p>
+            <a:pPr indent="0" lvl="0" marL="0" rtl="0" algn="l">
+              <a:spcBef>
+                <a:spcPts val="0"/>
+              </a:spcBef>
+              <a:spcAft>
+                <a:spcPts val="0"/>
+              </a:spcAft>
+              <a:buNone/>
+            </a:pPr>
+            <a:r>
+              <a:rPr lang="en-GB" sz="3000"/>
+              <a:t>Between P1 and P2</a:t>
+            </a:r>
+            <a:endParaRPr sz="3000"/>
           </a:p>
         </p:txBody>
       </p:sp>
       <p:pic>
         <p:nvPicPr>
-          <p:cNvPr id="138" name="Google Shape;138;p21"/>
+          <p:cNvPr id="128" name="Google Shape;128;p20"/>
           <p:cNvPicPr preferRelativeResize="0"/>
           <p:nvPr/>
         </p:nvPicPr>
@@ -11716,14 +11145,14 @@
       </p:pic>
       <p:sp>
         <p:nvSpPr>
-          <p:cNvPr id="139" name="Google Shape;139;p21"/>
+          <p:cNvPr id="129" name="Google Shape;129;p20"/>
           <p:cNvSpPr txBox="1"/>
           <p:nvPr/>
         </p:nvSpPr>
         <p:spPr>
           <a:xfrm>
-            <a:off x="1215475" y="1800250"/>
-            <a:ext cx="1191300" cy="1662300"/>
+            <a:off x="908600" y="1615450"/>
+            <a:ext cx="1898400" cy="2216400"/>
           </a:xfrm>
           <a:prstGeom prst="rect">
             <a:avLst/>
@@ -11749,7 +11178,7 @@
               <a:buNone/>
             </a:pPr>
             <a:r>
-              <a:rPr lang="en-GB" sz="9600">
+              <a:rPr lang="en-GB" sz="13200">
                 <a:latin typeface="Economica"/>
                 <a:ea typeface="Economica"/>
                 <a:cs typeface="Economica"/>
@@ -11757,7 +11186,7 @@
               </a:rPr>
               <a:t>05</a:t>
             </a:r>
-            <a:endParaRPr sz="9600">
+            <a:endParaRPr sz="13200">
               <a:latin typeface="Economica"/>
               <a:ea typeface="Economica"/>
               <a:cs typeface="Economica"/>
@@ -11768,7 +11197,7 @@
       </p:sp>
       <p:pic>
         <p:nvPicPr>
-          <p:cNvPr id="140" name="Google Shape;140;p21"/>
+          <p:cNvPr id="130" name="Google Shape;130;p20"/>
           <p:cNvPicPr preferRelativeResize="0"/>
           <p:nvPr/>
         </p:nvPicPr>
@@ -11782,7 +11211,7 @@
         </p:blipFill>
         <p:spPr>
           <a:xfrm>
-            <a:off x="5333711" y="728675"/>
+            <a:off x="5333711" y="810100"/>
             <a:ext cx="3231964" cy="1392000"/>
           </a:xfrm>
           <a:prstGeom prst="rect">
@@ -11802,7 +11231,380 @@
 </p:sld>
 </file>
 
+<file path=ppt/slides/slide9.xml><?xml version="1.0" encoding="utf-8"?>
+<p:sld xmlns:a="http://schemas.openxmlformats.org/drawingml/2006/main" xmlns:r="http://schemas.openxmlformats.org/officeDocument/2006/relationships" xmlns:mc="http://schemas.openxmlformats.org/markup-compatibility/2006" xmlns:mv="urn:schemas-microsoft-com:mac:vml" xmlns:p="http://schemas.openxmlformats.org/presentationml/2006/main" xmlns:c="http://schemas.openxmlformats.org/drawingml/2006/chart" xmlns:dgm="http://schemas.openxmlformats.org/drawingml/2006/diagram" xmlns:o="urn:schemas-microsoft-com:office:office" xmlns:v="urn:schemas-microsoft-com:vml" xmlns:pvml="urn:schemas-microsoft-com:office:powerpoint" xmlns:com="http://schemas.openxmlformats.org/drawingml/2006/compatibility" xmlns:p14="http://schemas.microsoft.com/office/powerpoint/2010/main" xmlns:p15="http://schemas.microsoft.com/office/powerpoint/2012/main" xmlns:ahyp="http://schemas.microsoft.com/office/drawing/2018/hyperlinkcolor">
+  <p:cSld>
+    <p:spTree>
+      <p:nvGrpSpPr>
+        <p:cNvPr id="134" name="Shape 134"/>
+        <p:cNvGrpSpPr/>
+        <p:nvPr/>
+      </p:nvGrpSpPr>
+      <p:grpSpPr>
+        <a:xfrm>
+          <a:off x="0" y="0"/>
+          <a:ext cx="0" cy="0"/>
+          <a:chOff x="0" y="0"/>
+          <a:chExt cx="0" cy="0"/>
+        </a:xfrm>
+      </p:grpSpPr>
+      <p:sp>
+        <p:nvSpPr>
+          <p:cNvPr id="135" name="Google Shape;135;p21"/>
+          <p:cNvSpPr txBox="1"/>
+          <p:nvPr>
+            <p:ph type="title"/>
+          </p:nvPr>
+        </p:nvSpPr>
+        <p:spPr>
+          <a:xfrm>
+            <a:off x="523950" y="307450"/>
+            <a:ext cx="8096100" cy="607800"/>
+          </a:xfrm>
+          <a:prstGeom prst="rect">
+            <a:avLst/>
+          </a:prstGeom>
+        </p:spPr>
+        <p:txBody>
+          <a:bodyPr anchorCtr="0" anchor="ctr" bIns="91425" lIns="91425" spcFirstLastPara="1" rIns="91425" wrap="square" tIns="91425">
+            <a:noAutofit/>
+          </a:bodyPr>
+          <a:lstStyle/>
+          <a:p>
+            <a:pPr indent="-419100" lvl="0" marL="457200" rtl="0" algn="l">
+              <a:spcBef>
+                <a:spcPts val="0"/>
+              </a:spcBef>
+              <a:spcAft>
+                <a:spcPts val="0"/>
+              </a:spcAft>
+              <a:buSzPts val="3000"/>
+              <a:buAutoNum type="arabicPeriod"/>
+            </a:pPr>
+            <a:r>
+              <a:rPr lang="en-GB" sz="3000"/>
+              <a:t>User Interface</a:t>
+            </a:r>
+            <a:endParaRPr sz="3000"/>
+          </a:p>
+        </p:txBody>
+      </p:sp>
+      <p:pic>
+        <p:nvPicPr>
+          <p:cNvPr id="136" name="Google Shape;136;p21"/>
+          <p:cNvPicPr preferRelativeResize="0"/>
+          <p:nvPr/>
+        </p:nvPicPr>
+        <p:blipFill>
+          <a:blip r:embed="rId3">
+            <a:alphaModFix/>
+          </a:blip>
+          <a:stretch>
+            <a:fillRect/>
+          </a:stretch>
+        </p:blipFill>
+        <p:spPr>
+          <a:xfrm>
+            <a:off x="903100" y="915250"/>
+            <a:ext cx="7410301" cy="3965676"/>
+          </a:xfrm>
+          <a:prstGeom prst="rect">
+            <a:avLst/>
+          </a:prstGeom>
+          <a:noFill/>
+          <a:ln>
+            <a:noFill/>
+          </a:ln>
+        </p:spPr>
+      </p:pic>
+    </p:spTree>
+  </p:cSld>
+  <p:clrMapOvr>
+    <a:masterClrMapping/>
+  </p:clrMapOvr>
+</p:sld>
+</file>
+
 <file path=ppt/theme/theme1.xml><?xml version="1.0" encoding="utf-8"?>
+<a:theme xmlns:a="http://schemas.openxmlformats.org/drawingml/2006/main" xmlns:r="http://schemas.openxmlformats.org/officeDocument/2006/relationships">
+  <a:themeElements>
+    <a:clrScheme name="Default">
+      <a:dk1>
+        <a:srgbClr val="000000"/>
+      </a:dk1>
+      <a:lt1>
+        <a:srgbClr val="FFFFFF"/>
+      </a:lt1>
+      <a:dk2>
+        <a:srgbClr val="158158"/>
+      </a:dk2>
+      <a:lt2>
+        <a:srgbClr val="F3F3F3"/>
+      </a:lt2>
+      <a:accent1>
+        <a:srgbClr val="058DC7"/>
+      </a:accent1>
+      <a:accent2>
+        <a:srgbClr val="50B432"/>
+      </a:accent2>
+      <a:accent3>
+        <a:srgbClr val="ED561B"/>
+      </a:accent3>
+      <a:accent4>
+        <a:srgbClr val="EDEF00"/>
+      </a:accent4>
+      <a:accent5>
+        <a:srgbClr val="24CBE5"/>
+      </a:accent5>
+      <a:accent6>
+        <a:srgbClr val="64E572"/>
+      </a:accent6>
+      <a:hlink>
+        <a:srgbClr val="2200CC"/>
+      </a:hlink>
+      <a:folHlink>
+        <a:srgbClr val="551A8B"/>
+      </a:folHlink>
+    </a:clrScheme>
+    <a:fontScheme name="Office">
+      <a:majorFont>
+        <a:latin typeface="Arial"/>
+        <a:ea typeface=""/>
+        <a:cs typeface=""/>
+        <a:font script="Jpan" typeface="ＭＳ Ｐゴシック"/>
+        <a:font script="Hang" typeface="맑은 고딕"/>
+        <a:font script="Hans" typeface="宋体"/>
+        <a:font script="Hant" typeface="新細明體"/>
+        <a:font script="Arab" typeface="Times New Roman"/>
+        <a:font script="Hebr" typeface="Times New Roman"/>
+        <a:font script="Thai" typeface="Angsana New"/>
+        <a:font script="Ethi" typeface="Nyala"/>
+        <a:font script="Beng" typeface="Vrinda"/>
+        <a:font script="Gujr" typeface="Shruti"/>
+        <a:font script="Khmr" typeface="MoolBoran"/>
+        <a:font script="Knda" typeface="Tunga"/>
+        <a:font script="Guru" typeface="Raavi"/>
+        <a:font script="Cans" typeface="Euphemia"/>
+        <a:font script="Cher" typeface="Plantagenet Cherokee"/>
+        <a:font script="Yiii" typeface="Microsoft Yi Baiti"/>
+        <a:font script="Tibt" typeface="Microsoft Himalaya"/>
+        <a:font script="Thaa" typeface="MV Boli"/>
+        <a:font script="Deva" typeface="Mangal"/>
+        <a:font script="Telu" typeface="Gautami"/>
+        <a:font script="Taml" typeface="Latha"/>
+        <a:font script="Syrc" typeface="Estrangelo Edessa"/>
+        <a:font script="Orya" typeface="Kalinga"/>
+        <a:font script="Mlym" typeface="Kartika"/>
+        <a:font script="Laoo" typeface="DokChampa"/>
+        <a:font script="Sinh" typeface="Iskoola Pota"/>
+        <a:font script="Mong" typeface="Mongolian Baiti"/>
+        <a:font script="Viet" typeface="Times New Roman"/>
+        <a:font script="Uigh" typeface="Microsoft Uighur"/>
+        <a:font script="Geor" typeface="Sylfaen"/>
+      </a:majorFont>
+      <a:minorFont>
+        <a:latin typeface="Arial"/>
+        <a:ea typeface=""/>
+        <a:cs typeface=""/>
+        <a:font script="Jpan" typeface="ＭＳ Ｐゴシック"/>
+        <a:font script="Hang" typeface="맑은 고딕"/>
+        <a:font script="Hans" typeface="宋体"/>
+        <a:font script="Hant" typeface="新細明體"/>
+        <a:font script="Arab" typeface="Arial"/>
+        <a:font script="Hebr" typeface="Arial"/>
+        <a:font script="Thai" typeface="Cordia New"/>
+        <a:font script="Ethi" typeface="Nyala"/>
+        <a:font script="Beng" typeface="Vrinda"/>
+        <a:font script="Gujr" typeface="Shruti"/>
+        <a:font script="Khmr" typeface="DaunPenh"/>
+        <a:font script="Knda" typeface="Tunga"/>
+        <a:font script="Guru" typeface="Raavi"/>
+        <a:font script="Cans" typeface="Euphemia"/>
+        <a:font script="Cher" typeface="Plantagenet Cherokee"/>
+        <a:font script="Yiii" typeface="Microsoft Yi Baiti"/>
+        <a:font script="Tibt" typeface="Microsoft Himalaya"/>
+        <a:font script="Thaa" typeface="MV Boli"/>
+        <a:font script="Deva" typeface="Mangal"/>
+        <a:font script="Telu" typeface="Gautami"/>
+        <a:font script="Taml" typeface="Latha"/>
+        <a:font script="Syrc" typeface="Estrangelo Edessa"/>
+        <a:font script="Orya" typeface="Kalinga"/>
+        <a:font script="Mlym" typeface="Kartika"/>
+        <a:font script="Laoo" typeface="DokChampa"/>
+        <a:font script="Sinh" typeface="Iskoola Pota"/>
+        <a:font script="Mong" typeface="Mongolian Baiti"/>
+        <a:font script="Viet" typeface="Arial"/>
+        <a:font script="Uigh" typeface="Microsoft Uighur"/>
+        <a:font script="Geor" typeface="Sylfaen"/>
+      </a:minorFont>
+    </a:fontScheme>
+    <a:fmtScheme name="Office">
+      <a:fillStyleLst>
+        <a:solidFill>
+          <a:schemeClr val="phClr"/>
+        </a:solidFill>
+        <a:gradFill rotWithShape="1">
+          <a:gsLst>
+            <a:gs pos="0">
+              <a:schemeClr val="phClr">
+                <a:tint val="50000"/>
+                <a:satMod val="300000"/>
+              </a:schemeClr>
+            </a:gs>
+            <a:gs pos="35000">
+              <a:schemeClr val="phClr">
+                <a:tint val="37000"/>
+                <a:satMod val="300000"/>
+              </a:schemeClr>
+            </a:gs>
+            <a:gs pos="100000">
+              <a:schemeClr val="phClr">
+                <a:tint val="15000"/>
+                <a:satMod val="350000"/>
+              </a:schemeClr>
+            </a:gs>
+          </a:gsLst>
+          <a:lin ang="16200000" scaled="1"/>
+        </a:gradFill>
+        <a:gradFill rotWithShape="1">
+          <a:gsLst>
+            <a:gs pos="0">
+              <a:schemeClr val="phClr">
+                <a:tint val="100000"/>
+                <a:shade val="100000"/>
+                <a:satMod val="130000"/>
+              </a:schemeClr>
+            </a:gs>
+            <a:gs pos="100000">
+              <a:schemeClr val="phClr">
+                <a:tint val="50000"/>
+                <a:shade val="100000"/>
+                <a:satMod val="350000"/>
+              </a:schemeClr>
+            </a:gs>
+          </a:gsLst>
+          <a:lin ang="16200000" scaled="0"/>
+        </a:gradFill>
+      </a:fillStyleLst>
+      <a:lnStyleLst>
+        <a:ln w="9525" cap="flat" cmpd="sng" algn="ctr">
+          <a:solidFill>
+            <a:schemeClr val="phClr">
+              <a:shade val="95000"/>
+              <a:satMod val="105000"/>
+            </a:schemeClr>
+          </a:solidFill>
+          <a:prstDash val="solid"/>
+        </a:ln>
+        <a:ln w="25400" cap="flat" cmpd="sng" algn="ctr">
+          <a:solidFill>
+            <a:schemeClr val="phClr"/>
+          </a:solidFill>
+          <a:prstDash val="solid"/>
+        </a:ln>
+        <a:ln w="38100" cap="flat" cmpd="sng" algn="ctr">
+          <a:solidFill>
+            <a:schemeClr val="phClr"/>
+          </a:solidFill>
+          <a:prstDash val="solid"/>
+        </a:ln>
+      </a:lnStyleLst>
+      <a:effectStyleLst>
+        <a:effectStyle>
+          <a:effectLst>
+            <a:outerShdw blurRad="40000" dist="20000" dir="5400000" rotWithShape="0">
+              <a:srgbClr val="000000">
+                <a:alpha val="38000"/>
+              </a:srgbClr>
+            </a:outerShdw>
+          </a:effectLst>
+        </a:effectStyle>
+        <a:effectStyle>
+          <a:effectLst>
+            <a:outerShdw blurRad="40000" dist="23000" dir="5400000" rotWithShape="0">
+              <a:srgbClr val="000000">
+                <a:alpha val="35000"/>
+              </a:srgbClr>
+            </a:outerShdw>
+          </a:effectLst>
+        </a:effectStyle>
+        <a:effectStyle>
+          <a:effectLst>
+            <a:outerShdw blurRad="40000" dist="23000" dir="5400000" rotWithShape="0">
+              <a:srgbClr val="000000">
+                <a:alpha val="35000"/>
+              </a:srgbClr>
+            </a:outerShdw>
+          </a:effectLst>
+          <a:scene3d>
+            <a:camera prst="orthographicFront">
+              <a:rot lat="0" lon="0" rev="0"/>
+            </a:camera>
+            <a:lightRig rig="threePt" dir="t">
+              <a:rot lat="0" lon="0" rev="1200000"/>
+            </a:lightRig>
+          </a:scene3d>
+          <a:sp3d>
+            <a:bevelT w="63500" h="25400"/>
+          </a:sp3d>
+        </a:effectStyle>
+      </a:effectStyleLst>
+      <a:bgFillStyleLst>
+        <a:solidFill>
+          <a:schemeClr val="phClr"/>
+        </a:solidFill>
+        <a:gradFill rotWithShape="1">
+          <a:gsLst>
+            <a:gs pos="0">
+              <a:schemeClr val="phClr">
+                <a:tint val="40000"/>
+                <a:satMod val="350000"/>
+              </a:schemeClr>
+            </a:gs>
+            <a:gs pos="40000">
+              <a:schemeClr val="phClr">
+                <a:tint val="45000"/>
+                <a:shade val="99000"/>
+                <a:satMod val="350000"/>
+              </a:schemeClr>
+            </a:gs>
+            <a:gs pos="100000">
+              <a:schemeClr val="phClr">
+                <a:shade val="20000"/>
+                <a:satMod val="255000"/>
+              </a:schemeClr>
+            </a:gs>
+          </a:gsLst>
+          <a:path path="circle">
+            <a:fillToRect l="50000" t="-80000" r="50000" b="180000"/>
+          </a:path>
+        </a:gradFill>
+        <a:gradFill rotWithShape="1">
+          <a:gsLst>
+            <a:gs pos="0">
+              <a:schemeClr val="phClr">
+                <a:tint val="80000"/>
+                <a:satMod val="300000"/>
+              </a:schemeClr>
+            </a:gs>
+            <a:gs pos="100000">
+              <a:schemeClr val="phClr">
+                <a:shade val="30000"/>
+                <a:satMod val="200000"/>
+              </a:schemeClr>
+            </a:gs>
+          </a:gsLst>
+          <a:path path="circle">
+            <a:fillToRect l="50000" t="50000" r="50000" b="50000"/>
+          </a:path>
+        </a:gradFill>
+      </a:bgFillStyleLst>
+    </a:fmtScheme>
+  </a:themeElements>
+</a:theme>
+</file>
+
+<file path=ppt/theme/theme2.xml><?xml version="1.0" encoding="utf-8"?>
 <a:theme xmlns:a="http://schemas.openxmlformats.org/drawingml/2006/main" xmlns:r="http://schemas.openxmlformats.org/officeDocument/2006/relationships" name="Luxe">
   <a:themeElements>
     <a:clrScheme name="Luxe">
@@ -12079,283 +11881,4 @@
     </a:fmtScheme>
   </a:themeElements>
 </a:theme>
-</file>
-
-<file path=ppt/theme/theme2.xml><?xml version="1.0" encoding="utf-8"?>
-<a:theme xmlns:a="http://schemas.openxmlformats.org/drawingml/2006/main" xmlns:r="http://schemas.openxmlformats.org/officeDocument/2006/relationships">
-  <a:themeElements>
-    <a:clrScheme name="Default">
-      <a:dk1>
-        <a:srgbClr val="000000"/>
-      </a:dk1>
-      <a:lt1>
-        <a:srgbClr val="FFFFFF"/>
-      </a:lt1>
-      <a:dk2>
-        <a:srgbClr val="158158"/>
-      </a:dk2>
-      <a:lt2>
-        <a:srgbClr val="F3F3F3"/>
-      </a:lt2>
-      <a:accent1>
-        <a:srgbClr val="058DC7"/>
-      </a:accent1>
-      <a:accent2>
-        <a:srgbClr val="50B432"/>
-      </a:accent2>
-      <a:accent3>
-        <a:srgbClr val="ED561B"/>
-      </a:accent3>
-      <a:accent4>
-        <a:srgbClr val="EDEF00"/>
-      </a:accent4>
-      <a:accent5>
-        <a:srgbClr val="24CBE5"/>
-      </a:accent5>
-      <a:accent6>
-        <a:srgbClr val="64E572"/>
-      </a:accent6>
-      <a:hlink>
-        <a:srgbClr val="2200CC"/>
-      </a:hlink>
-      <a:folHlink>
-        <a:srgbClr val="551A8B"/>
-      </a:folHlink>
-    </a:clrScheme>
-    <a:fontScheme name="Office">
-      <a:majorFont>
-        <a:latin typeface="Arial"/>
-        <a:ea typeface=""/>
-        <a:cs typeface=""/>
-        <a:font script="Jpan" typeface="ＭＳ Ｐゴシック"/>
-        <a:font script="Hang" typeface="맑은 고딕"/>
-        <a:font script="Hans" typeface="宋体"/>
-        <a:font script="Hant" typeface="新細明體"/>
-        <a:font script="Arab" typeface="Times New Roman"/>
-        <a:font script="Hebr" typeface="Times New Roman"/>
-        <a:font script="Thai" typeface="Angsana New"/>
-        <a:font script="Ethi" typeface="Nyala"/>
-        <a:font script="Beng" typeface="Vrinda"/>
-        <a:font script="Gujr" typeface="Shruti"/>
-        <a:font script="Khmr" typeface="MoolBoran"/>
-        <a:font script="Knda" typeface="Tunga"/>
-        <a:font script="Guru" typeface="Raavi"/>
-        <a:font script="Cans" typeface="Euphemia"/>
-        <a:font script="Cher" typeface="Plantagenet Cherokee"/>
-        <a:font script="Yiii" typeface="Microsoft Yi Baiti"/>
-        <a:font script="Tibt" typeface="Microsoft Himalaya"/>
-        <a:font script="Thaa" typeface="MV Boli"/>
-        <a:font script="Deva" typeface="Mangal"/>
-        <a:font script="Telu" typeface="Gautami"/>
-        <a:font script="Taml" typeface="Latha"/>
-        <a:font script="Syrc" typeface="Estrangelo Edessa"/>
-        <a:font script="Orya" typeface="Kalinga"/>
-        <a:font script="Mlym" typeface="Kartika"/>
-        <a:font script="Laoo" typeface="DokChampa"/>
-        <a:font script="Sinh" typeface="Iskoola Pota"/>
-        <a:font script="Mong" typeface="Mongolian Baiti"/>
-        <a:font script="Viet" typeface="Times New Roman"/>
-        <a:font script="Uigh" typeface="Microsoft Uighur"/>
-        <a:font script="Geor" typeface="Sylfaen"/>
-      </a:majorFont>
-      <a:minorFont>
-        <a:latin typeface="Arial"/>
-        <a:ea typeface=""/>
-        <a:cs typeface=""/>
-        <a:font script="Jpan" typeface="ＭＳ Ｐゴシック"/>
-        <a:font script="Hang" typeface="맑은 고딕"/>
-        <a:font script="Hans" typeface="宋体"/>
-        <a:font script="Hant" typeface="新細明體"/>
-        <a:font script="Arab" typeface="Arial"/>
-        <a:font script="Hebr" typeface="Arial"/>
-        <a:font script="Thai" typeface="Cordia New"/>
-        <a:font script="Ethi" typeface="Nyala"/>
-        <a:font script="Beng" typeface="Vrinda"/>
-        <a:font script="Gujr" typeface="Shruti"/>
-        <a:font script="Khmr" typeface="DaunPenh"/>
-        <a:font script="Knda" typeface="Tunga"/>
-        <a:font script="Guru" typeface="Raavi"/>
-        <a:font script="Cans" typeface="Euphemia"/>
-        <a:font script="Cher" typeface="Plantagenet Cherokee"/>
-        <a:font script="Yiii" typeface="Microsoft Yi Baiti"/>
-        <a:font script="Tibt" typeface="Microsoft Himalaya"/>
-        <a:font script="Thaa" typeface="MV Boli"/>
-        <a:font script="Deva" typeface="Mangal"/>
-        <a:font script="Telu" typeface="Gautami"/>
-        <a:font script="Taml" typeface="Latha"/>
-        <a:font script="Syrc" typeface="Estrangelo Edessa"/>
-        <a:font script="Orya" typeface="Kalinga"/>
-        <a:font script="Mlym" typeface="Kartika"/>
-        <a:font script="Laoo" typeface="DokChampa"/>
-        <a:font script="Sinh" typeface="Iskoola Pota"/>
-        <a:font script="Mong" typeface="Mongolian Baiti"/>
-        <a:font script="Viet" typeface="Arial"/>
-        <a:font script="Uigh" typeface="Microsoft Uighur"/>
-        <a:font script="Geor" typeface="Sylfaen"/>
-      </a:minorFont>
-    </a:fontScheme>
-    <a:fmtScheme name="Office">
-      <a:fillStyleLst>
-        <a:solidFill>
-          <a:schemeClr val="phClr"/>
-        </a:solidFill>
-        <a:gradFill rotWithShape="1">
-          <a:gsLst>
-            <a:gs pos="0">
-              <a:schemeClr val="phClr">
-                <a:tint val="50000"/>
-                <a:satMod val="300000"/>
-              </a:schemeClr>
-            </a:gs>
-            <a:gs pos="35000">
-              <a:schemeClr val="phClr">
-                <a:tint val="37000"/>
-                <a:satMod val="300000"/>
-              </a:schemeClr>
-            </a:gs>
-            <a:gs pos="100000">
-              <a:schemeClr val="phClr">
-                <a:tint val="15000"/>
-                <a:satMod val="350000"/>
-              </a:schemeClr>
-            </a:gs>
-          </a:gsLst>
-          <a:lin ang="16200000" scaled="1"/>
-        </a:gradFill>
-        <a:gradFill rotWithShape="1">
-          <a:gsLst>
-            <a:gs pos="0">
-              <a:schemeClr val="phClr">
-                <a:tint val="100000"/>
-                <a:shade val="100000"/>
-                <a:satMod val="130000"/>
-              </a:schemeClr>
-            </a:gs>
-            <a:gs pos="100000">
-              <a:schemeClr val="phClr">
-                <a:tint val="50000"/>
-                <a:shade val="100000"/>
-                <a:satMod val="350000"/>
-              </a:schemeClr>
-            </a:gs>
-          </a:gsLst>
-          <a:lin ang="16200000" scaled="0"/>
-        </a:gradFill>
-      </a:fillStyleLst>
-      <a:lnStyleLst>
-        <a:ln w="9525" cap="flat" cmpd="sng" algn="ctr">
-          <a:solidFill>
-            <a:schemeClr val="phClr">
-              <a:shade val="95000"/>
-              <a:satMod val="105000"/>
-            </a:schemeClr>
-          </a:solidFill>
-          <a:prstDash val="solid"/>
-        </a:ln>
-        <a:ln w="25400" cap="flat" cmpd="sng" algn="ctr">
-          <a:solidFill>
-            <a:schemeClr val="phClr"/>
-          </a:solidFill>
-          <a:prstDash val="solid"/>
-        </a:ln>
-        <a:ln w="38100" cap="flat" cmpd="sng" algn="ctr">
-          <a:solidFill>
-            <a:schemeClr val="phClr"/>
-          </a:solidFill>
-          <a:prstDash val="solid"/>
-        </a:ln>
-      </a:lnStyleLst>
-      <a:effectStyleLst>
-        <a:effectStyle>
-          <a:effectLst>
-            <a:outerShdw blurRad="40000" dist="20000" dir="5400000" rotWithShape="0">
-              <a:srgbClr val="000000">
-                <a:alpha val="38000"/>
-              </a:srgbClr>
-            </a:outerShdw>
-          </a:effectLst>
-        </a:effectStyle>
-        <a:effectStyle>
-          <a:effectLst>
-            <a:outerShdw blurRad="40000" dist="23000" dir="5400000" rotWithShape="0">
-              <a:srgbClr val="000000">
-                <a:alpha val="35000"/>
-              </a:srgbClr>
-            </a:outerShdw>
-          </a:effectLst>
-        </a:effectStyle>
-        <a:effectStyle>
-          <a:effectLst>
-            <a:outerShdw blurRad="40000" dist="23000" dir="5400000" rotWithShape="0">
-              <a:srgbClr val="000000">
-                <a:alpha val="35000"/>
-              </a:srgbClr>
-            </a:outerShdw>
-          </a:effectLst>
-          <a:scene3d>
-            <a:camera prst="orthographicFront">
-              <a:rot lat="0" lon="0" rev="0"/>
-            </a:camera>
-            <a:lightRig rig="threePt" dir="t">
-              <a:rot lat="0" lon="0" rev="1200000"/>
-            </a:lightRig>
-          </a:scene3d>
-          <a:sp3d>
-            <a:bevelT w="63500" h="25400"/>
-          </a:sp3d>
-        </a:effectStyle>
-      </a:effectStyleLst>
-      <a:bgFillStyleLst>
-        <a:solidFill>
-          <a:schemeClr val="phClr"/>
-        </a:solidFill>
-        <a:gradFill rotWithShape="1">
-          <a:gsLst>
-            <a:gs pos="0">
-              <a:schemeClr val="phClr">
-                <a:tint val="40000"/>
-                <a:satMod val="350000"/>
-              </a:schemeClr>
-            </a:gs>
-            <a:gs pos="40000">
-              <a:schemeClr val="phClr">
-                <a:tint val="45000"/>
-                <a:shade val="99000"/>
-                <a:satMod val="350000"/>
-              </a:schemeClr>
-            </a:gs>
-            <a:gs pos="100000">
-              <a:schemeClr val="phClr">
-                <a:shade val="20000"/>
-                <a:satMod val="255000"/>
-              </a:schemeClr>
-            </a:gs>
-          </a:gsLst>
-          <a:path path="circle">
-            <a:fillToRect l="50000" t="-80000" r="50000" b="180000"/>
-          </a:path>
-        </a:gradFill>
-        <a:gradFill rotWithShape="1">
-          <a:gsLst>
-            <a:gs pos="0">
-              <a:schemeClr val="phClr">
-                <a:tint val="80000"/>
-                <a:satMod val="300000"/>
-              </a:schemeClr>
-            </a:gs>
-            <a:gs pos="100000">
-              <a:schemeClr val="phClr">
-                <a:shade val="30000"/>
-                <a:satMod val="200000"/>
-              </a:schemeClr>
-            </a:gs>
-          </a:gsLst>
-          <a:path path="circle">
-            <a:fillToRect l="50000" t="50000" r="50000" b="50000"/>
-          </a:path>
-        </a:gradFill>
-      </a:bgFillStyleLst>
-    </a:fmtScheme>
-  </a:themeElements>
-</a:theme>
 </file>